--- a/src/CV_AlexYates_EMEA.pptx
+++ b/src/CV_AlexYates_EMEA.pptx
@@ -241,7 +241,7 @@
           <a:p>
             <a:fld id="{335876D0-9B75-44B5-9404-8FDAD3FB5281}" type="datetimeFigureOut">
               <a:rPr lang="en-GB" smtClean="0"/>
-              <a:t>26/05/2022</a:t>
+              <a:t>27/05/2022</a:t>
             </a:fld>
             <a:endParaRPr lang="en-GB"/>
           </a:p>
@@ -411,7 +411,7 @@
           <a:p>
             <a:fld id="{335876D0-9B75-44B5-9404-8FDAD3FB5281}" type="datetimeFigureOut">
               <a:rPr lang="en-GB" smtClean="0"/>
-              <a:t>26/05/2022</a:t>
+              <a:t>27/05/2022</a:t>
             </a:fld>
             <a:endParaRPr lang="en-GB"/>
           </a:p>
@@ -591,7 +591,7 @@
           <a:p>
             <a:fld id="{335876D0-9B75-44B5-9404-8FDAD3FB5281}" type="datetimeFigureOut">
               <a:rPr lang="en-GB" smtClean="0"/>
-              <a:t>26/05/2022</a:t>
+              <a:t>27/05/2022</a:t>
             </a:fld>
             <a:endParaRPr lang="en-GB"/>
           </a:p>
@@ -767,7 +767,7 @@
           <a:p>
             <a:fld id="{335876D0-9B75-44B5-9404-8FDAD3FB5281}" type="datetimeFigureOut">
               <a:rPr lang="en-GB" smtClean="0"/>
-              <a:t>26/05/2022</a:t>
+              <a:t>27/05/2022</a:t>
             </a:fld>
             <a:endParaRPr lang="en-GB"/>
           </a:p>
@@ -1011,7 +1011,7 @@
           <a:p>
             <a:fld id="{335876D0-9B75-44B5-9404-8FDAD3FB5281}" type="datetimeFigureOut">
               <a:rPr lang="en-GB" smtClean="0"/>
-              <a:t>26/05/2022</a:t>
+              <a:t>27/05/2022</a:t>
             </a:fld>
             <a:endParaRPr lang="en-GB"/>
           </a:p>
@@ -1243,7 +1243,7 @@
           <a:p>
             <a:fld id="{335876D0-9B75-44B5-9404-8FDAD3FB5281}" type="datetimeFigureOut">
               <a:rPr lang="en-GB" smtClean="0"/>
-              <a:t>26/05/2022</a:t>
+              <a:t>27/05/2022</a:t>
             </a:fld>
             <a:endParaRPr lang="en-GB"/>
           </a:p>
@@ -1610,7 +1610,7 @@
           <a:p>
             <a:fld id="{335876D0-9B75-44B5-9404-8FDAD3FB5281}" type="datetimeFigureOut">
               <a:rPr lang="en-GB" smtClean="0"/>
-              <a:t>26/05/2022</a:t>
+              <a:t>27/05/2022</a:t>
             </a:fld>
             <a:endParaRPr lang="en-GB"/>
           </a:p>
@@ -1728,7 +1728,7 @@
           <a:p>
             <a:fld id="{335876D0-9B75-44B5-9404-8FDAD3FB5281}" type="datetimeFigureOut">
               <a:rPr lang="en-GB" smtClean="0"/>
-              <a:t>26/05/2022</a:t>
+              <a:t>27/05/2022</a:t>
             </a:fld>
             <a:endParaRPr lang="en-GB"/>
           </a:p>
@@ -1823,7 +1823,7 @@
           <a:p>
             <a:fld id="{335876D0-9B75-44B5-9404-8FDAD3FB5281}" type="datetimeFigureOut">
               <a:rPr lang="en-GB" smtClean="0"/>
-              <a:t>26/05/2022</a:t>
+              <a:t>27/05/2022</a:t>
             </a:fld>
             <a:endParaRPr lang="en-GB"/>
           </a:p>
@@ -2100,7 +2100,7 @@
           <a:p>
             <a:fld id="{335876D0-9B75-44B5-9404-8FDAD3FB5281}" type="datetimeFigureOut">
               <a:rPr lang="en-GB" smtClean="0"/>
-              <a:t>26/05/2022</a:t>
+              <a:t>27/05/2022</a:t>
             </a:fld>
             <a:endParaRPr lang="en-GB"/>
           </a:p>
@@ -2357,7 +2357,7 @@
           <a:p>
             <a:fld id="{335876D0-9B75-44B5-9404-8FDAD3FB5281}" type="datetimeFigureOut">
               <a:rPr lang="en-GB" smtClean="0"/>
-              <a:t>26/05/2022</a:t>
+              <a:t>27/05/2022</a:t>
             </a:fld>
             <a:endParaRPr lang="en-GB"/>
           </a:p>
@@ -2570,7 +2570,7 @@
           <a:p>
             <a:fld id="{335876D0-9B75-44B5-9404-8FDAD3FB5281}" type="datetimeFigureOut">
               <a:rPr lang="en-GB" smtClean="0"/>
-              <a:t>26/05/2022</a:t>
+              <a:t>27/05/2022</a:t>
             </a:fld>
             <a:endParaRPr lang="en-GB"/>
           </a:p>
@@ -6653,9 +6653,7 @@
           <a:prstGeom prst="ellipse">
             <a:avLst/>
           </a:prstGeom>
-          <a:solidFill>
-            <a:schemeClr val="bg1"/>
-          </a:solidFill>
+          <a:noFill/>
           <a:ln>
             <a:solidFill>
               <a:schemeClr val="bg1"/>
@@ -9397,7 +9395,7 @@
           </p:blipFill>
           <p:spPr>
             <a:xfrm>
-              <a:off x="4943360" y="8265143"/>
+              <a:off x="4943360" y="8267524"/>
               <a:ext cx="157375" cy="94631"/>
             </a:xfrm>
             <a:prstGeom prst="rect">

--- a/src/CV_AlexYates_EMEA.pptx
+++ b/src/CV_AlexYates_EMEA.pptx
@@ -6,6 +6,7 @@
   </p:sldMasterIdLst>
   <p:sldIdLst>
     <p:sldId id="256" r:id="rId2"/>
+    <p:sldId id="257" r:id="rId3"/>
   </p:sldIdLst>
   <p:sldSz cx="6858000" cy="9906000" type="A4"/>
   <p:notesSz cx="6858000" cy="9144000"/>
@@ -241,7 +242,7 @@
           <a:p>
             <a:fld id="{335876D0-9B75-44B5-9404-8FDAD3FB5281}" type="datetimeFigureOut">
               <a:rPr lang="en-GB" smtClean="0"/>
-              <a:t>27/05/2022</a:t>
+              <a:t>07/11/2022</a:t>
             </a:fld>
             <a:endParaRPr lang="en-GB"/>
           </a:p>
@@ -411,7 +412,7 @@
           <a:p>
             <a:fld id="{335876D0-9B75-44B5-9404-8FDAD3FB5281}" type="datetimeFigureOut">
               <a:rPr lang="en-GB" smtClean="0"/>
-              <a:t>27/05/2022</a:t>
+              <a:t>07/11/2022</a:t>
             </a:fld>
             <a:endParaRPr lang="en-GB"/>
           </a:p>
@@ -591,7 +592,7 @@
           <a:p>
             <a:fld id="{335876D0-9B75-44B5-9404-8FDAD3FB5281}" type="datetimeFigureOut">
               <a:rPr lang="en-GB" smtClean="0"/>
-              <a:t>27/05/2022</a:t>
+              <a:t>07/11/2022</a:t>
             </a:fld>
             <a:endParaRPr lang="en-GB"/>
           </a:p>
@@ -767,7 +768,7 @@
           <a:p>
             <a:fld id="{335876D0-9B75-44B5-9404-8FDAD3FB5281}" type="datetimeFigureOut">
               <a:rPr lang="en-GB" smtClean="0"/>
-              <a:t>27/05/2022</a:t>
+              <a:t>07/11/2022</a:t>
             </a:fld>
             <a:endParaRPr lang="en-GB"/>
           </a:p>
@@ -1011,7 +1012,7 @@
           <a:p>
             <a:fld id="{335876D0-9B75-44B5-9404-8FDAD3FB5281}" type="datetimeFigureOut">
               <a:rPr lang="en-GB" smtClean="0"/>
-              <a:t>27/05/2022</a:t>
+              <a:t>07/11/2022</a:t>
             </a:fld>
             <a:endParaRPr lang="en-GB"/>
           </a:p>
@@ -1243,7 +1244,7 @@
           <a:p>
             <a:fld id="{335876D0-9B75-44B5-9404-8FDAD3FB5281}" type="datetimeFigureOut">
               <a:rPr lang="en-GB" smtClean="0"/>
-              <a:t>27/05/2022</a:t>
+              <a:t>07/11/2022</a:t>
             </a:fld>
             <a:endParaRPr lang="en-GB"/>
           </a:p>
@@ -1610,7 +1611,7 @@
           <a:p>
             <a:fld id="{335876D0-9B75-44B5-9404-8FDAD3FB5281}" type="datetimeFigureOut">
               <a:rPr lang="en-GB" smtClean="0"/>
-              <a:t>27/05/2022</a:t>
+              <a:t>07/11/2022</a:t>
             </a:fld>
             <a:endParaRPr lang="en-GB"/>
           </a:p>
@@ -1728,7 +1729,7 @@
           <a:p>
             <a:fld id="{335876D0-9B75-44B5-9404-8FDAD3FB5281}" type="datetimeFigureOut">
               <a:rPr lang="en-GB" smtClean="0"/>
-              <a:t>27/05/2022</a:t>
+              <a:t>07/11/2022</a:t>
             </a:fld>
             <a:endParaRPr lang="en-GB"/>
           </a:p>
@@ -1823,7 +1824,7 @@
           <a:p>
             <a:fld id="{335876D0-9B75-44B5-9404-8FDAD3FB5281}" type="datetimeFigureOut">
               <a:rPr lang="en-GB" smtClean="0"/>
-              <a:t>27/05/2022</a:t>
+              <a:t>07/11/2022</a:t>
             </a:fld>
             <a:endParaRPr lang="en-GB"/>
           </a:p>
@@ -2100,7 +2101,7 @@
           <a:p>
             <a:fld id="{335876D0-9B75-44B5-9404-8FDAD3FB5281}" type="datetimeFigureOut">
               <a:rPr lang="en-GB" smtClean="0"/>
-              <a:t>27/05/2022</a:t>
+              <a:t>07/11/2022</a:t>
             </a:fld>
             <a:endParaRPr lang="en-GB"/>
           </a:p>
@@ -2357,7 +2358,7 @@
           <a:p>
             <a:fld id="{335876D0-9B75-44B5-9404-8FDAD3FB5281}" type="datetimeFigureOut">
               <a:rPr lang="en-GB" smtClean="0"/>
-              <a:t>27/05/2022</a:t>
+              <a:t>07/11/2022</a:t>
             </a:fld>
             <a:endParaRPr lang="en-GB"/>
           </a:p>
@@ -2570,7 +2571,7 @@
           <a:p>
             <a:fld id="{335876D0-9B75-44B5-9404-8FDAD3FB5281}" type="datetimeFigureOut">
               <a:rPr lang="en-GB" smtClean="0"/>
-              <a:t>27/05/2022</a:t>
+              <a:t>07/11/2022</a:t>
             </a:fld>
             <a:endParaRPr lang="en-GB"/>
           </a:p>
@@ -2975,6 +2976,234 @@
           <a:chExt cx="0" cy="0"/>
         </a:xfrm>
       </p:grpSpPr>
+      <p:grpSp>
+        <p:nvGrpSpPr>
+          <p:cNvPr id="22" name="Group 21">
+            <a:extLst>
+              <a:ext uri="{FF2B5EF4-FFF2-40B4-BE49-F238E27FC236}">
+                <a16:creationId xmlns:a16="http://schemas.microsoft.com/office/drawing/2014/main" id="{DF3FA1CA-E07B-6663-BD82-E82B0EF986DF}"/>
+              </a:ext>
+            </a:extLst>
+          </p:cNvPr>
+          <p:cNvGrpSpPr/>
+          <p:nvPr/>
+        </p:nvGrpSpPr>
+        <p:grpSpPr>
+          <a:xfrm>
+            <a:off x="2398500" y="4938717"/>
+            <a:ext cx="4271935" cy="4462893"/>
+            <a:chOff x="2550912" y="4795832"/>
+            <a:chExt cx="4271935" cy="4462893"/>
+          </a:xfrm>
+        </p:grpSpPr>
+        <p:pic>
+          <p:nvPicPr>
+            <p:cNvPr id="20" name="Picture 19">
+              <a:extLst>
+                <a:ext uri="{FF2B5EF4-FFF2-40B4-BE49-F238E27FC236}">
+                  <a16:creationId xmlns:a16="http://schemas.microsoft.com/office/drawing/2014/main" id="{0BF159B5-5A4C-9F9A-294D-710289456027}"/>
+                </a:ext>
+              </a:extLst>
+            </p:cNvPr>
+            <p:cNvPicPr>
+              <a:picLocks noChangeAspect="1"/>
+            </p:cNvPicPr>
+            <p:nvPr/>
+          </p:nvPicPr>
+          <p:blipFill rotWithShape="1">
+            <a:blip r:embed="rId2"/>
+            <a:srcRect l="64" t="48489" r="81799"/>
+            <a:stretch/>
+          </p:blipFill>
+          <p:spPr>
+            <a:xfrm>
+              <a:off x="2550912" y="6934189"/>
+              <a:ext cx="801888" cy="2323755"/>
+            </a:xfrm>
+            <a:prstGeom prst="rect">
+              <a:avLst/>
+            </a:prstGeom>
+          </p:spPr>
+        </p:pic>
+        <p:pic>
+          <p:nvPicPr>
+            <p:cNvPr id="229" name="Picture 228" descr="A picture containing graphical user interface&#10;&#10;Description automatically generated">
+              <a:extLst>
+                <a:ext uri="{FF2B5EF4-FFF2-40B4-BE49-F238E27FC236}">
+                  <a16:creationId xmlns:a16="http://schemas.microsoft.com/office/drawing/2014/main" id="{1261B3D0-08BF-550A-447F-24233F77BB43}"/>
+                </a:ext>
+              </a:extLst>
+            </p:cNvPr>
+            <p:cNvPicPr>
+              <a:picLocks noChangeAspect="1"/>
+            </p:cNvPicPr>
+            <p:nvPr/>
+          </p:nvPicPr>
+          <p:blipFill rotWithShape="1">
+            <a:blip r:embed="rId3">
+              <a:extLst>
+                <a:ext uri="{28A0092B-C50C-407E-A947-70E740481C1C}">
+                  <a14:useLocalDpi xmlns:a14="http://schemas.microsoft.com/office/drawing/2010/main" val="0"/>
+                </a:ext>
+              </a:extLst>
+            </a:blip>
+            <a:srcRect l="62942" t="73941" r="36058" b="24743"/>
+            <a:stretch/>
+          </p:blipFill>
+          <p:spPr>
+            <a:xfrm>
+              <a:off x="5061502" y="8213789"/>
+              <a:ext cx="45719" cy="62481"/>
+            </a:xfrm>
+            <a:prstGeom prst="rect">
+              <a:avLst/>
+            </a:prstGeom>
+          </p:spPr>
+        </p:pic>
+        <p:pic>
+          <p:nvPicPr>
+            <p:cNvPr id="230" name="Picture 229" descr="A picture containing graphical user interface&#10;&#10;Description automatically generated">
+              <a:extLst>
+                <a:ext uri="{FF2B5EF4-FFF2-40B4-BE49-F238E27FC236}">
+                  <a16:creationId xmlns:a16="http://schemas.microsoft.com/office/drawing/2014/main" id="{141FE177-05BE-8E33-61D2-3C4D6CB30E6A}"/>
+                </a:ext>
+              </a:extLst>
+            </p:cNvPr>
+            <p:cNvPicPr>
+              <a:picLocks noChangeAspect="1"/>
+            </p:cNvPicPr>
+            <p:nvPr/>
+          </p:nvPicPr>
+          <p:blipFill rotWithShape="1">
+            <a:blip r:embed="rId3">
+              <a:extLst>
+                <a:ext uri="{28A0092B-C50C-407E-A947-70E740481C1C}">
+                  <a14:useLocalDpi xmlns:a14="http://schemas.microsoft.com/office/drawing/2010/main" val="0"/>
+                </a:ext>
+              </a:extLst>
+            </a:blip>
+            <a:srcRect l="85817" t="82311" r="8038" b="15181"/>
+            <a:stretch/>
+          </p:blipFill>
+          <p:spPr>
+            <a:xfrm>
+              <a:off x="4935929" y="8266222"/>
+              <a:ext cx="162718" cy="97844"/>
+            </a:xfrm>
+            <a:prstGeom prst="rect">
+              <a:avLst/>
+            </a:prstGeom>
+          </p:spPr>
+        </p:pic>
+        <p:grpSp>
+          <p:nvGrpSpPr>
+            <p:cNvPr id="10" name="Group 9">
+              <a:extLst>
+                <a:ext uri="{FF2B5EF4-FFF2-40B4-BE49-F238E27FC236}">
+                  <a16:creationId xmlns:a16="http://schemas.microsoft.com/office/drawing/2014/main" id="{A6DACB01-2564-1083-FB66-89554499986C}"/>
+                </a:ext>
+              </a:extLst>
+            </p:cNvPr>
+            <p:cNvGrpSpPr/>
+            <p:nvPr/>
+          </p:nvGrpSpPr>
+          <p:grpSpPr>
+            <a:xfrm>
+              <a:off x="3352800" y="4798218"/>
+              <a:ext cx="3470047" cy="4460507"/>
+              <a:chOff x="3400789" y="4680520"/>
+              <a:chExt cx="3470047" cy="4460507"/>
+            </a:xfrm>
+          </p:grpSpPr>
+          <p:pic>
+            <p:nvPicPr>
+              <p:cNvPr id="9" name="Picture 8">
+                <a:extLst>
+                  <a:ext uri="{FF2B5EF4-FFF2-40B4-BE49-F238E27FC236}">
+                    <a16:creationId xmlns:a16="http://schemas.microsoft.com/office/drawing/2014/main" id="{8DE4B569-3D89-5D07-132B-A52F9B90CC49}"/>
+                  </a:ext>
+                </a:extLst>
+              </p:cNvPr>
+              <p:cNvPicPr>
+                <a:picLocks noChangeAspect="1"/>
+              </p:cNvPicPr>
+              <p:nvPr/>
+            </p:nvPicPr>
+            <p:blipFill rotWithShape="1">
+              <a:blip r:embed="rId2"/>
+              <a:srcRect l="21516" t="1123"/>
+              <a:stretch/>
+            </p:blipFill>
+            <p:spPr>
+              <a:xfrm>
+                <a:off x="3400789" y="4680520"/>
+                <a:ext cx="3470047" cy="4460507"/>
+              </a:xfrm>
+              <a:prstGeom prst="rect">
+                <a:avLst/>
+              </a:prstGeom>
+            </p:spPr>
+          </p:pic>
+          <p:pic>
+            <p:nvPicPr>
+              <p:cNvPr id="7" name="Picture 6">
+                <a:extLst>
+                  <a:ext uri="{FF2B5EF4-FFF2-40B4-BE49-F238E27FC236}">
+                    <a16:creationId xmlns:a16="http://schemas.microsoft.com/office/drawing/2014/main" id="{5D4AED1A-2364-FCB4-856C-0885DD701AAD}"/>
+                  </a:ext>
+                </a:extLst>
+              </p:cNvPr>
+              <p:cNvPicPr>
+                <a:picLocks noChangeAspect="1"/>
+              </p:cNvPicPr>
+              <p:nvPr/>
+            </p:nvPicPr>
+            <p:blipFill rotWithShape="1">
+              <a:blip r:embed="rId4"/>
+              <a:srcRect l="21763" t="6744" b="34757"/>
+              <a:stretch/>
+            </p:blipFill>
+            <p:spPr>
+              <a:xfrm>
+                <a:off x="3400789" y="4957370"/>
+                <a:ext cx="3387756" cy="2616008"/>
+              </a:xfrm>
+              <a:prstGeom prst="rect">
+                <a:avLst/>
+              </a:prstGeom>
+            </p:spPr>
+          </p:pic>
+        </p:grpSp>
+        <p:pic>
+          <p:nvPicPr>
+            <p:cNvPr id="14" name="Picture 13">
+              <a:extLst>
+                <a:ext uri="{FF2B5EF4-FFF2-40B4-BE49-F238E27FC236}">
+                  <a16:creationId xmlns:a16="http://schemas.microsoft.com/office/drawing/2014/main" id="{5E45EE8B-3781-2763-1928-59A60ED830C4}"/>
+                </a:ext>
+              </a:extLst>
+            </p:cNvPr>
+            <p:cNvPicPr>
+              <a:picLocks noChangeAspect="1"/>
+            </p:cNvPicPr>
+            <p:nvPr/>
+          </p:nvPicPr>
+          <p:blipFill rotWithShape="1">
+            <a:blip r:embed="rId4"/>
+            <a:srcRect l="307" t="528" r="81604" b="34757"/>
+            <a:stretch/>
+          </p:blipFill>
+          <p:spPr>
+            <a:xfrm>
+              <a:off x="2569164" y="4795832"/>
+              <a:ext cx="783636" cy="2895245"/>
+            </a:xfrm>
+            <a:prstGeom prst="rect">
+              <a:avLst/>
+            </a:prstGeom>
+          </p:spPr>
+        </p:pic>
+      </p:grpSp>
       <p:sp>
         <p:nvSpPr>
           <p:cNvPr id="4" name="TextBox 3">
@@ -3031,7 +3260,7 @@
         </p:nvCxnSpPr>
         <p:spPr>
           <a:xfrm>
-            <a:off x="272132" y="1994639"/>
+            <a:off x="272132" y="1998824"/>
             <a:ext cx="6248865" cy="0"/>
           </a:xfrm>
           <a:prstGeom prst="line">
@@ -3073,13 +3302,13 @@
           <p:nvPr/>
         </p:nvPicPr>
         <p:blipFill>
-          <a:blip r:embed="rId2">
+          <a:blip r:embed="rId5">
             <a:extLst>
               <a:ext uri="{28A0092B-C50C-407E-A947-70E740481C1C}">
                 <a14:useLocalDpi xmlns:a14="http://schemas.microsoft.com/office/drawing/2010/main" val="0"/>
               </a:ext>
               <a:ext uri="{96DAC541-7B7A-43D3-8B79-37D633B846F1}">
-                <asvg:svgBlip xmlns:asvg="http://schemas.microsoft.com/office/drawing/2016/SVG/main" r:embed="rId3"/>
+                <asvg:svgBlip xmlns:asvg="http://schemas.microsoft.com/office/drawing/2016/SVG/main" r:embed="rId6"/>
               </a:ext>
             </a:extLst>
           </a:blip>
@@ -3089,7 +3318,7 @@
         </p:blipFill>
         <p:spPr>
           <a:xfrm>
-            <a:off x="4872451" y="764972"/>
+            <a:off x="4872451" y="536369"/>
             <a:ext cx="250836" cy="250836"/>
           </a:xfrm>
           <a:prstGeom prst="rect">
@@ -3112,13 +3341,13 @@
           <p:nvPr/>
         </p:nvPicPr>
         <p:blipFill>
-          <a:blip r:embed="rId4">
+          <a:blip r:embed="rId7">
             <a:extLst>
               <a:ext uri="{28A0092B-C50C-407E-A947-70E740481C1C}">
                 <a14:useLocalDpi xmlns:a14="http://schemas.microsoft.com/office/drawing/2010/main" val="0"/>
               </a:ext>
               <a:ext uri="{96DAC541-7B7A-43D3-8B79-37D633B846F1}">
-                <asvg:svgBlip xmlns:asvg="http://schemas.microsoft.com/office/drawing/2016/SVG/main" r:embed="rId5"/>
+                <asvg:svgBlip xmlns:asvg="http://schemas.microsoft.com/office/drawing/2016/SVG/main" r:embed="rId8"/>
               </a:ext>
             </a:extLst>
           </a:blip>
@@ -3128,7 +3357,7 @@
         </p:blipFill>
         <p:spPr>
           <a:xfrm>
-            <a:off x="4895885" y="1258995"/>
+            <a:off x="4895885" y="1197076"/>
             <a:ext cx="221269" cy="221269"/>
           </a:xfrm>
           <a:prstGeom prst="rect">
@@ -3151,13 +3380,13 @@
           <p:nvPr/>
         </p:nvPicPr>
         <p:blipFill>
-          <a:blip r:embed="rId6">
+          <a:blip r:embed="rId9">
             <a:extLst>
               <a:ext uri="{28A0092B-C50C-407E-A947-70E740481C1C}">
                 <a14:useLocalDpi xmlns:a14="http://schemas.microsoft.com/office/drawing/2010/main" val="0"/>
               </a:ext>
               <a:ext uri="{96DAC541-7B7A-43D3-8B79-37D633B846F1}">
-                <asvg:svgBlip xmlns:asvg="http://schemas.microsoft.com/office/drawing/2016/SVG/main" r:embed="rId7"/>
+                <asvg:svgBlip xmlns:asvg="http://schemas.microsoft.com/office/drawing/2016/SVG/main" r:embed="rId10"/>
               </a:ext>
             </a:extLst>
           </a:blip>
@@ -3167,7 +3396,7 @@
         </p:blipFill>
         <p:spPr>
           <a:xfrm>
-            <a:off x="4895885" y="1483058"/>
+            <a:off x="4895885" y="1506873"/>
             <a:ext cx="221270" cy="221270"/>
           </a:xfrm>
           <a:prstGeom prst="rect">
@@ -3175,137 +3404,6 @@
           </a:prstGeom>
         </p:spPr>
       </p:pic>
-      <p:sp>
-        <p:nvSpPr>
-          <p:cNvPr id="17" name="TextBox 16">
-            <a:extLst>
-              <a:ext uri="{FF2B5EF4-FFF2-40B4-BE49-F238E27FC236}">
-                <a16:creationId xmlns:a16="http://schemas.microsoft.com/office/drawing/2014/main" id="{C4B7188A-B424-FA4F-DA98-CA0308C7324E}"/>
-              </a:ext>
-            </a:extLst>
-          </p:cNvPr>
-          <p:cNvSpPr txBox="1"/>
-          <p:nvPr/>
-        </p:nvSpPr>
-        <p:spPr>
-          <a:xfrm>
-            <a:off x="5118521" y="774367"/>
-            <a:ext cx="1431429" cy="261610"/>
-          </a:xfrm>
-          <a:prstGeom prst="rect">
-            <a:avLst/>
-          </a:prstGeom>
-          <a:noFill/>
-        </p:spPr>
-        <p:txBody>
-          <a:bodyPr wrap="square" rtlCol="0">
-            <a:spAutoFit/>
-          </a:bodyPr>
-          <a:lstStyle/>
-          <a:p>
-            <a:r>
-              <a:rPr lang="en-GB" sz="1100" dirty="0">
-                <a:solidFill>
-                  <a:srgbClr val="262F3B"/>
-                </a:solidFill>
-                <a:latin typeface="Gill Sans Nova" panose="020B0602020104020203" pitchFamily="34" charset="0"/>
-              </a:rPr>
-              <a:t>ajy.mail@gmail.com</a:t>
-            </a:r>
-          </a:p>
-        </p:txBody>
-      </p:sp>
-      <p:sp>
-        <p:nvSpPr>
-          <p:cNvPr id="18" name="TextBox 17">
-            <a:extLst>
-              <a:ext uri="{FF2B5EF4-FFF2-40B4-BE49-F238E27FC236}">
-                <a16:creationId xmlns:a16="http://schemas.microsoft.com/office/drawing/2014/main" id="{FF104B62-D4AE-4F0E-D516-6BEF1791D1E0}"/>
-              </a:ext>
-            </a:extLst>
-          </p:cNvPr>
-          <p:cNvSpPr txBox="1"/>
-          <p:nvPr/>
-        </p:nvSpPr>
-        <p:spPr>
-          <a:xfrm>
-            <a:off x="5117151" y="1246720"/>
-            <a:ext cx="1431429" cy="261610"/>
-          </a:xfrm>
-          <a:prstGeom prst="rect">
-            <a:avLst/>
-          </a:prstGeom>
-          <a:noFill/>
-        </p:spPr>
-        <p:txBody>
-          <a:bodyPr wrap="square" rtlCol="0">
-            <a:spAutoFit/>
-          </a:bodyPr>
-          <a:lstStyle/>
-          <a:p>
-            <a:r>
-              <a:rPr lang="en-GB" sz="1100" dirty="0">
-                <a:solidFill>
-                  <a:srgbClr val="262F3B"/>
-                </a:solidFill>
-                <a:latin typeface="Gill Sans Nova" panose="020B0602020104020203" pitchFamily="34" charset="0"/>
-              </a:rPr>
-              <a:t>07762618250</a:t>
-            </a:r>
-          </a:p>
-        </p:txBody>
-      </p:sp>
-      <p:sp>
-        <p:nvSpPr>
-          <p:cNvPr id="19" name="TextBox 18">
-            <a:extLst>
-              <a:ext uri="{FF2B5EF4-FFF2-40B4-BE49-F238E27FC236}">
-                <a16:creationId xmlns:a16="http://schemas.microsoft.com/office/drawing/2014/main" id="{22842C04-5C5D-9489-6B41-623F13E700F6}"/>
-              </a:ext>
-            </a:extLst>
-          </p:cNvPr>
-          <p:cNvSpPr txBox="1"/>
-          <p:nvPr/>
-        </p:nvSpPr>
-        <p:spPr>
-          <a:xfrm>
-            <a:off x="5117152" y="1467064"/>
-            <a:ext cx="1532209" cy="430887"/>
-          </a:xfrm>
-          <a:prstGeom prst="rect">
-            <a:avLst/>
-          </a:prstGeom>
-          <a:noFill/>
-        </p:spPr>
-        <p:txBody>
-          <a:bodyPr wrap="square" rtlCol="0">
-            <a:spAutoFit/>
-          </a:bodyPr>
-          <a:lstStyle/>
-          <a:p>
-            <a:r>
-              <a:rPr lang="en-GB" sz="1100" dirty="0">
-                <a:solidFill>
-                  <a:srgbClr val="262F3B"/>
-                </a:solidFill>
-                <a:latin typeface="Gill Sans Nova" panose="020B0602020104020203" pitchFamily="34" charset="0"/>
-              </a:rPr>
-              <a:t>38 North Lodge Park,</a:t>
-            </a:r>
-          </a:p>
-          <a:p>
-            <a:r>
-              <a:rPr lang="en-GB" sz="1100" dirty="0">
-                <a:solidFill>
-                  <a:srgbClr val="262F3B"/>
-                </a:solidFill>
-                <a:latin typeface="Gill Sans Nova" panose="020B0602020104020203" pitchFamily="34" charset="0"/>
-              </a:rPr>
-              <a:t>Milton, CB24 6UB, UK</a:t>
-            </a:r>
-          </a:p>
-        </p:txBody>
-      </p:sp>
       <p:sp>
         <p:nvSpPr>
           <p:cNvPr id="21" name="TextBox 20">
@@ -3335,12 +3433,20 @@
           <a:lstStyle/>
           <a:p>
             <a:r>
+              <a:rPr lang="en-GB" sz="1100" b="1" dirty="0">
+                <a:solidFill>
+                  <a:srgbClr val="262F3B"/>
+                </a:solidFill>
+              </a:rPr>
+              <a:t>12 years of DevOps experience</a:t>
+            </a:r>
+            <a:r>
               <a:rPr lang="en-GB" sz="1100" dirty="0">
                 <a:solidFill>
                   <a:srgbClr val="262F3B"/>
                 </a:solidFill>
               </a:rPr>
-              <a:t>DevOps professional with </a:t>
+              <a:t>. Helps folks to iterate tooling, process, and culture, to improve </a:t>
             </a:r>
             <a:r>
               <a:rPr lang="en-GB" sz="1100" b="1" dirty="0">
@@ -3348,7 +3454,7 @@
                   <a:srgbClr val="262F3B"/>
                 </a:solidFill>
               </a:rPr>
-              <a:t>12 years of experience </a:t>
+              <a:t>DORA metrics </a:t>
             </a:r>
             <a:r>
               <a:rPr lang="en-GB" sz="1100" dirty="0">
@@ -3356,7 +3462,7 @@
                   <a:srgbClr val="262F3B"/>
                 </a:solidFill>
               </a:rPr>
-              <a:t>supporting customers to adopt </a:t>
+              <a:t>and deliver </a:t>
             </a:r>
             <a:r>
               <a:rPr lang="en-GB" sz="1100" b="1" dirty="0">
@@ -3364,39 +3470,7 @@
                   <a:srgbClr val="262F3B"/>
                 </a:solidFill>
               </a:rPr>
-              <a:t>DevOps tooling</a:t>
-            </a:r>
-            <a:r>
-              <a:rPr lang="en-GB" sz="1100" dirty="0">
-                <a:solidFill>
-                  <a:srgbClr val="262F3B"/>
-                </a:solidFill>
-              </a:rPr>
-              <a:t>, </a:t>
-            </a:r>
-            <a:r>
-              <a:rPr lang="en-GB" sz="1100" b="1" dirty="0">
-                <a:solidFill>
-                  <a:srgbClr val="262F3B"/>
-                </a:solidFill>
-              </a:rPr>
-              <a:t>process</a:t>
-            </a:r>
-            <a:r>
-              <a:rPr lang="en-GB" sz="1100" dirty="0">
-                <a:solidFill>
-                  <a:srgbClr val="262F3B"/>
-                </a:solidFill>
-              </a:rPr>
-              <a:t>, and </a:t>
-            </a:r>
-            <a:r>
-              <a:rPr lang="en-GB" sz="1100" b="1" dirty="0">
-                <a:solidFill>
-                  <a:srgbClr val="262F3B"/>
-                </a:solidFill>
-              </a:rPr>
-              <a:t>culture</a:t>
+              <a:t>better business outcomes</a:t>
             </a:r>
             <a:r>
               <a:rPr lang="en-GB" sz="1100" dirty="0">
@@ -3445,7 +3519,7 @@
                   <a:srgbClr val="262F3B"/>
                 </a:solidFill>
               </a:rPr>
-              <a:t>,</a:t>
+              <a:t>, </a:t>
             </a:r>
             <a:r>
               <a:rPr lang="en-GB" sz="1100" b="1" dirty="0">
@@ -3453,7 +3527,23 @@
                   <a:srgbClr val="262F3B"/>
                 </a:solidFill>
               </a:rPr>
-              <a:t> businesses</a:t>
+              <a:t>consulting</a:t>
+            </a:r>
+            <a:r>
+              <a:rPr lang="en-GB" sz="1100" dirty="0">
+                <a:solidFill>
+                  <a:srgbClr val="262F3B"/>
+                </a:solidFill>
+              </a:rPr>
+              <a:t>,</a:t>
+            </a:r>
+            <a:r>
+              <a:rPr lang="en-GB" sz="1100" b="1" dirty="0">
+                <a:solidFill>
+                  <a:srgbClr val="262F3B"/>
+                </a:solidFill>
+              </a:rPr>
+              <a:t> training</a:t>
             </a:r>
             <a:r>
               <a:rPr lang="en-GB" sz="1100" dirty="0">
@@ -3469,7 +3559,7 @@
                   <a:srgbClr val="262F3B"/>
                 </a:solidFill>
               </a:rPr>
-              <a:t>consulting</a:t>
+              <a:t>coaching</a:t>
             </a:r>
             <a:r>
               <a:rPr lang="en-GB" sz="1100" dirty="0">
@@ -3485,7 +3575,7 @@
                   <a:srgbClr val="262F3B"/>
                 </a:solidFill>
               </a:rPr>
-              <a:t> training</a:t>
+              <a:t> sales/solutions engineering</a:t>
             </a:r>
             <a:r>
               <a:rPr lang="en-GB" sz="1100" dirty="0">
@@ -3501,23 +3591,7 @@
                   <a:srgbClr val="262F3B"/>
                 </a:solidFill>
               </a:rPr>
-              <a:t>coaching</a:t>
-            </a:r>
-            <a:r>
-              <a:rPr lang="en-GB" sz="1100" dirty="0">
-                <a:solidFill>
-                  <a:srgbClr val="262F3B"/>
-                </a:solidFill>
-              </a:rPr>
-              <a:t>,</a:t>
-            </a:r>
-            <a:r>
-              <a:rPr lang="en-GB" sz="1100" b="1" dirty="0">
-                <a:solidFill>
-                  <a:srgbClr val="262F3B"/>
-                </a:solidFill>
-              </a:rPr>
-              <a:t> sales engineering</a:t>
+              <a:t>public speaking</a:t>
             </a:r>
             <a:r>
               <a:rPr lang="en-GB" sz="1100" dirty="0">
@@ -3533,7 +3607,7 @@
                   <a:srgbClr val="262F3B"/>
                 </a:solidFill>
               </a:rPr>
-              <a:t>public speaking</a:t>
+              <a:t>directing companies</a:t>
             </a:r>
             <a:r>
               <a:rPr lang="en-GB" sz="1100" dirty="0">
@@ -3561,7 +3635,7 @@
                   <a:srgbClr val="262F3B"/>
                 </a:solidFill>
               </a:rPr>
-              <a:t>A passionate learner </a:t>
+              <a:t>Passionate learner, </a:t>
             </a:r>
             <a:r>
               <a:rPr lang="en-GB" sz="1100" dirty="0">
@@ -3601,7 +3675,7 @@
                   <a:srgbClr val="262F3B"/>
                 </a:solidFill>
               </a:rPr>
-              <a:t> where ideas are more easily shared and implemented.</a:t>
+              <a:t> where ideas are more easily shared, optimised, and implemented.</a:t>
             </a:r>
           </a:p>
         </p:txBody>
@@ -3621,7 +3695,7 @@
           <p:nvPr/>
         </p:nvPicPr>
         <p:blipFill>
-          <a:blip r:embed="rId8">
+          <a:blip r:embed="rId11">
             <a:extLst>
               <a:ext uri="{28A0092B-C50C-407E-A947-70E740481C1C}">
                 <a14:useLocalDpi xmlns:a14="http://schemas.microsoft.com/office/drawing/2010/main" val="0"/>
@@ -3634,7 +3708,7 @@
         </p:blipFill>
         <p:spPr>
           <a:xfrm>
-            <a:off x="4895885" y="1024379"/>
+            <a:off x="4895885" y="886264"/>
             <a:ext cx="221270" cy="221270"/>
           </a:xfrm>
           <a:prstGeom prst="rect">
@@ -3642,46 +3716,6 @@
           </a:prstGeom>
         </p:spPr>
       </p:pic>
-      <p:sp>
-        <p:nvSpPr>
-          <p:cNvPr id="24" name="TextBox 23">
-            <a:extLst>
-              <a:ext uri="{FF2B5EF4-FFF2-40B4-BE49-F238E27FC236}">
-                <a16:creationId xmlns:a16="http://schemas.microsoft.com/office/drawing/2014/main" id="{011FF1A1-B259-EE84-B4C7-410A241C3F81}"/>
-              </a:ext>
-            </a:extLst>
-          </p:cNvPr>
-          <p:cNvSpPr txBox="1"/>
-          <p:nvPr/>
-        </p:nvSpPr>
-        <p:spPr>
-          <a:xfrm>
-            <a:off x="5117151" y="1005337"/>
-            <a:ext cx="1623078" cy="261610"/>
-          </a:xfrm>
-          <a:prstGeom prst="rect">
-            <a:avLst/>
-          </a:prstGeom>
-          <a:noFill/>
-        </p:spPr>
-        <p:txBody>
-          <a:bodyPr wrap="square" rtlCol="0">
-            <a:spAutoFit/>
-          </a:bodyPr>
-          <a:lstStyle/>
-          <a:p>
-            <a:r>
-              <a:rPr lang="en-GB" sz="1100" dirty="0">
-                <a:solidFill>
-                  <a:srgbClr val="262F3B"/>
-                </a:solidFill>
-                <a:latin typeface="Gill Sans Nova" panose="020B0602020104020203" pitchFamily="34" charset="0"/>
-              </a:rPr>
-              <a:t>github.com/Alex-Yates</a:t>
-            </a:r>
-          </a:p>
-        </p:txBody>
-      </p:sp>
       <p:sp>
         <p:nvSpPr>
           <p:cNvPr id="35" name="Rectangle 34">
@@ -3752,7 +3786,7 @@
                 <a:ea typeface="Calibri" panose="020F0502020204030204" pitchFamily="34" charset="0"/>
                 <a:cs typeface="Times New Roman" panose="02020603050405020304" pitchFamily="18" charset="0"/>
               </a:rPr>
-              <a:t>5x Microsoft MVP Award</a:t>
+              <a:t>6x Microsoft MVP Award</a:t>
             </a:r>
             <a:br>
               <a:rPr lang="en-GB" sz="1100" dirty="0">
@@ -3940,7 +3974,13 @@
           <a:p>
             <a:r>
               <a:rPr lang="en-GB" sz="1100" dirty="0"/>
-              <a:t>Git</a:t>
+              <a:t>T-SQL, PowerShell</a:t>
+            </a:r>
+          </a:p>
+          <a:p>
+            <a:r>
+              <a:rPr lang="en-GB" sz="1100" dirty="0"/>
+              <a:t>C#, Git</a:t>
             </a:r>
           </a:p>
           <a:p>
@@ -3952,13 +3992,7 @@
           <a:p>
             <a:r>
               <a:rPr lang="en-GB" sz="1100" dirty="0"/>
-              <a:t>T-SQL, PowerShell</a:t>
-            </a:r>
-          </a:p>
-          <a:p>
-            <a:r>
-              <a:rPr lang="en-GB" sz="1100" dirty="0"/>
-              <a:t>C#, Java, JavaScript</a:t>
+              <a:t>Java, JavaScript</a:t>
             </a:r>
           </a:p>
           <a:p>
@@ -4170,13 +4204,13 @@
           <p:nvPr/>
         </p:nvPicPr>
         <p:blipFill>
-          <a:blip r:embed="rId9">
+          <a:blip r:embed="rId12">
             <a:extLst>
               <a:ext uri="{28A0092B-C50C-407E-A947-70E740481C1C}">
                 <a14:useLocalDpi xmlns:a14="http://schemas.microsoft.com/office/drawing/2010/main" val="0"/>
               </a:ext>
               <a:ext uri="{96DAC541-7B7A-43D3-8B79-37D633B846F1}">
-                <asvg:svgBlip xmlns:asvg="http://schemas.microsoft.com/office/drawing/2016/SVG/main" r:embed="rId10"/>
+                <asvg:svgBlip xmlns:asvg="http://schemas.microsoft.com/office/drawing/2016/SVG/main" r:embed="rId13"/>
               </a:ext>
             </a:extLst>
           </a:blip>
@@ -4209,13 +4243,13 @@
           <p:nvPr/>
         </p:nvPicPr>
         <p:blipFill>
-          <a:blip r:embed="rId11">
+          <a:blip r:embed="rId14">
             <a:extLst>
               <a:ext uri="{28A0092B-C50C-407E-A947-70E740481C1C}">
                 <a14:useLocalDpi xmlns:a14="http://schemas.microsoft.com/office/drawing/2010/main" val="0"/>
               </a:ext>
               <a:ext uri="{96DAC541-7B7A-43D3-8B79-37D633B846F1}">
-                <asvg:svgBlip xmlns:asvg="http://schemas.microsoft.com/office/drawing/2016/SVG/main" r:embed="rId12"/>
+                <asvg:svgBlip xmlns:asvg="http://schemas.microsoft.com/office/drawing/2016/SVG/main" r:embed="rId15"/>
               </a:ext>
             </a:extLst>
           </a:blip>
@@ -4248,13 +4282,13 @@
           <p:nvPr/>
         </p:nvPicPr>
         <p:blipFill>
-          <a:blip r:embed="rId13">
+          <a:blip r:embed="rId16">
             <a:extLst>
               <a:ext uri="{28A0092B-C50C-407E-A947-70E740481C1C}">
                 <a14:useLocalDpi xmlns:a14="http://schemas.microsoft.com/office/drawing/2010/main" val="0"/>
               </a:ext>
               <a:ext uri="{96DAC541-7B7A-43D3-8B79-37D633B846F1}">
-                <asvg:svgBlip xmlns:asvg="http://schemas.microsoft.com/office/drawing/2016/SVG/main" r:embed="rId14"/>
+                <asvg:svgBlip xmlns:asvg="http://schemas.microsoft.com/office/drawing/2016/SVG/main" r:embed="rId17"/>
               </a:ext>
             </a:extLst>
           </a:blip>
@@ -4287,13 +4321,13 @@
           <p:nvPr/>
         </p:nvPicPr>
         <p:blipFill>
-          <a:blip r:embed="rId15">
+          <a:blip r:embed="rId18">
             <a:extLst>
               <a:ext uri="{28A0092B-C50C-407E-A947-70E740481C1C}">
                 <a14:useLocalDpi xmlns:a14="http://schemas.microsoft.com/office/drawing/2010/main" val="0"/>
               </a:ext>
               <a:ext uri="{96DAC541-7B7A-43D3-8B79-37D633B846F1}">
-                <asvg:svgBlip xmlns:asvg="http://schemas.microsoft.com/office/drawing/2016/SVG/main" r:embed="rId16"/>
+                <asvg:svgBlip xmlns:asvg="http://schemas.microsoft.com/office/drawing/2016/SVG/main" r:embed="rId19"/>
               </a:ext>
             </a:extLst>
           </a:blip>
@@ -7700,7 +7734,7 @@
           <p:nvPr/>
         </p:nvPicPr>
         <p:blipFill>
-          <a:blip r:embed="rId17">
+          <a:blip r:embed="rId20">
             <a:extLst>
               <a:ext uri="{28A0092B-C50C-407E-A947-70E740481C1C}">
                 <a14:useLocalDpi xmlns:a14="http://schemas.microsoft.com/office/drawing/2010/main" val="0"/>
@@ -8439,7 +8473,7 @@
         <p:spPr>
           <a:xfrm>
             <a:off x="2439507" y="2060917"/>
-            <a:ext cx="4326479" cy="2723823"/>
+            <a:ext cx="4418493" cy="2908489"/>
           </a:xfrm>
           <a:prstGeom prst="rect">
             <a:avLst/>
@@ -8459,55 +8493,89 @@
                 </a:solidFill>
                 <a:latin typeface="Gill Sans Nova" panose="020B0602020104020203" pitchFamily="34" charset="0"/>
               </a:rPr>
-              <a:t>Founder / Director / DevOps Consultant</a:t>
-            </a:r>
-          </a:p>
-          <a:p>
-            <a:r>
-              <a:rPr lang="en-GB" sz="1200" dirty="0">
+              <a:t>EMPLOYMENT HISTORY:</a:t>
+            </a:r>
+          </a:p>
+          <a:p>
+            <a:r>
+              <a:rPr lang="en-GB" sz="1100" b="1" dirty="0">
                 <a:solidFill>
                   <a:srgbClr val="262F3B"/>
                 </a:solidFill>
-                <a:latin typeface="+mj-lt"/>
+                <a:latin typeface="Gill Sans Nova" panose="020B0602020104020203" pitchFamily="34" charset="0"/>
               </a:rPr>
-              <a:t>2016 – present: DLM Consultants </a:t>
-            </a:r>
-            <a:r>
-              <a:rPr lang="en-GB" sz="1050" i="1" dirty="0">
+              <a:t>Founder / DevOps Consultant: </a:t>
+            </a:r>
+            <a:r>
+              <a:rPr lang="en-GB" sz="1100" b="1" dirty="0">
+                <a:solidFill>
+                  <a:srgbClr val="F6AB25"/>
+                </a:solidFill>
+                <a:latin typeface="Gill Sans Nova" panose="020B0602020104020203" pitchFamily="34" charset="0"/>
+              </a:rPr>
+              <a:t>DLM Consultants </a:t>
+            </a:r>
+            <a:r>
+              <a:rPr lang="en-GB" sz="1100" i="1" dirty="0">
                 <a:solidFill>
                   <a:srgbClr val="262F3B"/>
                 </a:solidFill>
-                <a:latin typeface="+mj-lt"/>
+                <a:latin typeface="Gill Sans Nova" panose="020B0602020104020203" pitchFamily="34" charset="0"/>
               </a:rPr>
-              <a:t>(Database DevOps consulting)</a:t>
-            </a:r>
-          </a:p>
-          <a:p>
+              <a:t>(2016-present)</a:t>
+            </a:r>
+          </a:p>
+          <a:p>
+            <a:pPr marL="171450" indent="-171450">
+              <a:buFont typeface="Arial" panose="020B0604020202020204" pitchFamily="34" charset="0"/>
+              <a:buChar char="•"/>
+            </a:pPr>
             <a:r>
               <a:rPr lang="en-GB" sz="1100" dirty="0">
                 <a:solidFill>
                   <a:srgbClr val="262F3B"/>
                 </a:solidFill>
               </a:rPr>
-              <a:t>Database DevOps consulting, training, coaching, and mentoring. </a:t>
-            </a:r>
-            <a:br>
+              <a:t>Significantly reduced customers’ risk and lead time for SQL changes.</a:t>
+            </a:r>
+          </a:p>
+          <a:p>
+            <a:pPr marL="171450" indent="-171450">
+              <a:buFont typeface="Arial" panose="020B0604020202020204" pitchFamily="34" charset="0"/>
+              <a:buChar char="•"/>
+            </a:pPr>
+            <a:r>
               <a:rPr lang="en-GB" sz="1100" dirty="0">
                 <a:solidFill>
                   <a:srgbClr val="262F3B"/>
                 </a:solidFill>
               </a:rPr>
-            </a:br>
+              <a:t>Focus on upskilling and coaching existing teams to practice DevOps.</a:t>
+            </a:r>
+          </a:p>
+          <a:p>
+            <a:pPr marL="171450" indent="-171450">
+              <a:buFont typeface="Arial" panose="020B0604020202020204" pitchFamily="34" charset="0"/>
+              <a:buChar char="•"/>
+            </a:pPr>
             <a:r>
               <a:rPr lang="en-GB" sz="1100" dirty="0">
                 <a:solidFill>
                   <a:srgbClr val="262F3B"/>
                 </a:solidFill>
               </a:rPr>
-              <a:t>Dozens of consulting customers across US, EMEA and APAC.</a:t>
-            </a:r>
-          </a:p>
-          <a:p>
+              <a:t>More detailed customer testimonials on the following page.</a:t>
+            </a:r>
+          </a:p>
+          <a:p>
+            <a:r>
+              <a:rPr lang="en-GB" sz="500" dirty="0">
+                <a:solidFill>
+                  <a:srgbClr val="262F3B"/>
+                </a:solidFill>
+              </a:rPr>
+              <a:t> </a:t>
+            </a:r>
             <a:endParaRPr lang="en-GB" sz="1100" dirty="0">
               <a:solidFill>
                 <a:srgbClr val="262F3B"/>
@@ -8516,43 +8584,61 @@
           </a:p>
           <a:p>
             <a:r>
-              <a:rPr lang="en-GB" sz="1200" b="1" dirty="0">
+              <a:rPr lang="en-GB" sz="1100" b="1" dirty="0">
                 <a:solidFill>
                   <a:srgbClr val="262F3B"/>
                 </a:solidFill>
                 <a:latin typeface="Gill Sans Nova" panose="020B0602020104020203" pitchFamily="34" charset="0"/>
               </a:rPr>
-              <a:t>Sponsorship Manager / Director</a:t>
-            </a:r>
-          </a:p>
-          <a:p>
-            <a:r>
-              <a:rPr lang="en-GB" sz="1100" dirty="0">
+              <a:t>Sponsorship Manager / Director: </a:t>
+            </a:r>
+            <a:r>
+              <a:rPr lang="en-GB" sz="1100" b="1" dirty="0">
+                <a:solidFill>
+                  <a:schemeClr val="accent6">
+                    <a:lumMod val="75000"/>
+                  </a:schemeClr>
+                </a:solidFill>
+                <a:latin typeface="Gill Sans Nova" panose="020B0602020104020203" pitchFamily="34" charset="0"/>
+              </a:rPr>
+              <a:t>Data Relay </a:t>
+            </a:r>
+            <a:r>
+              <a:rPr lang="en-GB" sz="1100" i="1" dirty="0">
                 <a:solidFill>
                   <a:srgbClr val="262F3B"/>
                 </a:solidFill>
-                <a:latin typeface="+mj-lt"/>
+                <a:latin typeface="Gill Sans Nova" panose="020B0602020104020203" pitchFamily="34" charset="0"/>
               </a:rPr>
-              <a:t>2016 – 2022: Data Relay </a:t>
-            </a:r>
-            <a:r>
-              <a:rPr lang="en-GB" sz="1000" i="1" dirty="0">
-                <a:solidFill>
-                  <a:srgbClr val="262F3B"/>
-                </a:solidFill>
-                <a:latin typeface="+mj-lt"/>
-              </a:rPr>
-              <a:t>(Community tech conference)</a:t>
-            </a:r>
-          </a:p>
-          <a:p>
+              <a:t>(2016-2022)</a:t>
+            </a:r>
+          </a:p>
+          <a:p>
+            <a:pPr marL="171450" indent="-171450">
+              <a:buFont typeface="Arial" panose="020B0604020202020204" pitchFamily="34" charset="0"/>
+              <a:buChar char="•"/>
+            </a:pPr>
             <a:r>
               <a:rPr lang="en-GB" sz="1050" dirty="0">
                 <a:solidFill>
                   <a:srgbClr val="262F3B"/>
                 </a:solidFill>
               </a:rPr>
-              <a:t>Tripled sponsor revenue by 2019. Promoted to a director.</a:t>
+              <a:t>Doubled revenue in 12 months. Tripled revenue 36 months.</a:t>
+            </a:r>
+          </a:p>
+          <a:p>
+            <a:pPr marL="171450" indent="-171450">
+              <a:buFont typeface="Arial" panose="020B0604020202020204" pitchFamily="34" charset="0"/>
+              <a:buChar char="•"/>
+            </a:pPr>
+            <a:r>
+              <a:rPr lang="en-GB" sz="1050" dirty="0">
+                <a:solidFill>
+                  <a:srgbClr val="262F3B"/>
+                </a:solidFill>
+              </a:rPr>
+              <a:t>Promoted to director for showing success, responsibility, and leadership.</a:t>
             </a:r>
             <a:endParaRPr lang="en-GB" sz="1100" dirty="0">
               <a:solidFill>
@@ -8561,6 +8647,14 @@
             </a:endParaRPr>
           </a:p>
           <a:p>
+            <a:r>
+              <a:rPr lang="en-GB" sz="500" dirty="0">
+                <a:solidFill>
+                  <a:srgbClr val="262F3B"/>
+                </a:solidFill>
+              </a:rPr>
+              <a:t> </a:t>
+            </a:r>
             <a:endParaRPr lang="en-GB" sz="1100" dirty="0">
               <a:solidFill>
                 <a:srgbClr val="262F3B"/>
@@ -8569,36 +8663,47 @@
           </a:p>
           <a:p>
             <a:r>
-              <a:rPr lang="en-GB" sz="1200" b="1" dirty="0">
+              <a:rPr lang="en-GB" sz="1100" b="1" dirty="0">
                 <a:solidFill>
                   <a:srgbClr val="262F3B"/>
                 </a:solidFill>
                 <a:latin typeface="Gill Sans Nova" panose="020B0602020104020203" pitchFamily="34" charset="0"/>
               </a:rPr>
-              <a:t>Sales / Sales Engineer</a:t>
-            </a:r>
-          </a:p>
-          <a:p>
-            <a:r>
-              <a:rPr lang="en-GB" sz="1100" dirty="0">
+              <a:t>Sales Person / Solutions Engineer: </a:t>
+            </a:r>
+            <a:r>
+              <a:rPr lang="en-GB" sz="1100" b="1" dirty="0">
+                <a:solidFill>
+                  <a:srgbClr val="CC0000"/>
+                </a:solidFill>
+                <a:latin typeface="Gill Sans Nova" panose="020B0602020104020203" pitchFamily="34" charset="0"/>
+              </a:rPr>
+              <a:t>Redgate</a:t>
+            </a:r>
+            <a:r>
+              <a:rPr lang="en-GB" sz="1100" b="1" dirty="0">
                 <a:solidFill>
                   <a:srgbClr val="262F3B"/>
                 </a:solidFill>
-                <a:latin typeface="+mj-lt"/>
+                <a:latin typeface="Gill Sans Nova" panose="020B0602020104020203" pitchFamily="34" charset="0"/>
               </a:rPr>
-              <a:t>2010 – 2016: Redgate Software </a:t>
-            </a:r>
-            <a:r>
-              <a:rPr lang="en-GB" sz="1000" i="1" dirty="0">
+              <a:t> </a:t>
+            </a:r>
+            <a:r>
+              <a:rPr lang="en-GB" sz="1100" i="1" dirty="0">
                 <a:solidFill>
                   <a:srgbClr val="262F3B"/>
                 </a:solidFill>
-                <a:latin typeface="+mj-lt"/>
+                <a:latin typeface="Gill Sans Nova" panose="020B0602020104020203" pitchFamily="34" charset="0"/>
               </a:rPr>
-              <a:t>(Database DevOps software)</a:t>
-            </a:r>
-          </a:p>
-          <a:p>
+              <a:t>(2010-2016)</a:t>
+            </a:r>
+          </a:p>
+          <a:p>
+            <a:pPr marL="171450" indent="-171450">
+              <a:buFont typeface="Arial" panose="020B0604020202020204" pitchFamily="34" charset="0"/>
+              <a:buChar char="•"/>
+            </a:pPr>
             <a:r>
               <a:rPr lang="en-GB" sz="1050" dirty="0">
                 <a:solidFill>
@@ -8609,21 +8714,69 @@
             </a:r>
           </a:p>
           <a:p>
-            <a:endParaRPr lang="en-GB" sz="1100" dirty="0">
-              <a:solidFill>
-                <a:srgbClr val="262F3B"/>
-              </a:solidFill>
-            </a:endParaRPr>
-          </a:p>
-          <a:p>
-            <a:r>
-              <a:rPr lang="en-GB" sz="900" dirty="0">
+            <a:pPr marL="171450" indent="-171450">
+              <a:buFont typeface="Arial" panose="020B0604020202020204" pitchFamily="34" charset="0"/>
+              <a:buChar char="•"/>
+            </a:pPr>
+            <a:r>
+              <a:rPr lang="en-GB" sz="1050" dirty="0">
+                <a:solidFill>
+                  <a:srgbClr val="262F3B"/>
+                </a:solidFill>
+              </a:rPr>
+              <a:t>Hit sales target 11 months in a row with record average order size.</a:t>
+            </a:r>
+          </a:p>
+          <a:p>
+            <a:pPr marL="171450" indent="-171450">
+              <a:buFont typeface="Arial" panose="020B0604020202020204" pitchFamily="34" charset="0"/>
+              <a:buChar char="•"/>
+            </a:pPr>
+            <a:r>
+              <a:rPr lang="en-GB" sz="1050" dirty="0">
+                <a:solidFill>
+                  <a:srgbClr val="262F3B"/>
+                </a:solidFill>
+              </a:rPr>
+              <a:t>Promoted to Solutions Engineer. Worked with dev team on new products.</a:t>
+            </a:r>
+          </a:p>
+          <a:p>
+            <a:pPr marL="171450" indent="-171450">
+              <a:buFont typeface="Arial" panose="020B0604020202020204" pitchFamily="34" charset="0"/>
+              <a:buChar char="•"/>
+            </a:pPr>
+            <a:r>
+              <a:rPr lang="en-GB" sz="1050" dirty="0">
+                <a:solidFill>
+                  <a:srgbClr val="262F3B"/>
+                </a:solidFill>
+              </a:rPr>
+              <a:t>Won company award for dev advocacy/public speaking/blogging.</a:t>
+            </a:r>
+          </a:p>
+          <a:p>
+            <a:r>
+              <a:rPr lang="en-GB" sz="1400" dirty="0">
                 <a:solidFill>
                   <a:srgbClr val="262F3B"/>
                 </a:solidFill>
               </a:rPr>
               <a:t> </a:t>
             </a:r>
+            <a:r>
+              <a:rPr lang="en-GB" sz="700" dirty="0">
+                <a:solidFill>
+                  <a:srgbClr val="262F3B"/>
+                </a:solidFill>
+              </a:rPr>
+              <a:t> </a:t>
+            </a:r>
+            <a:endParaRPr lang="en-GB" sz="900" dirty="0">
+              <a:solidFill>
+                <a:srgbClr val="262F3B"/>
+              </a:solidFill>
+            </a:endParaRPr>
           </a:p>
           <a:p>
             <a:r>
@@ -8638,76 +8791,6 @@
           </a:p>
         </p:txBody>
       </p:sp>
-      <p:pic>
-        <p:nvPicPr>
-          <p:cNvPr id="229" name="Picture 228" descr="A picture containing graphical user interface&#10;&#10;Description automatically generated">
-            <a:extLst>
-              <a:ext uri="{FF2B5EF4-FFF2-40B4-BE49-F238E27FC236}">
-                <a16:creationId xmlns:a16="http://schemas.microsoft.com/office/drawing/2014/main" id="{1261B3D0-08BF-550A-447F-24233F77BB43}"/>
-              </a:ext>
-            </a:extLst>
-          </p:cNvPr>
-          <p:cNvPicPr>
-            <a:picLocks noChangeAspect="1"/>
-          </p:cNvPicPr>
-          <p:nvPr/>
-        </p:nvPicPr>
-        <p:blipFill rotWithShape="1">
-          <a:blip r:embed="rId18">
-            <a:extLst>
-              <a:ext uri="{28A0092B-C50C-407E-A947-70E740481C1C}">
-                <a14:useLocalDpi xmlns:a14="http://schemas.microsoft.com/office/drawing/2010/main" val="0"/>
-              </a:ext>
-            </a:extLst>
-          </a:blip>
-          <a:srcRect l="62942" t="73941" r="36058" b="24743"/>
-          <a:stretch/>
-        </p:blipFill>
-        <p:spPr>
-          <a:xfrm>
-            <a:off x="5061502" y="8213789"/>
-            <a:ext cx="45719" cy="62481"/>
-          </a:xfrm>
-          <a:prstGeom prst="rect">
-            <a:avLst/>
-          </a:prstGeom>
-        </p:spPr>
-      </p:pic>
-      <p:pic>
-        <p:nvPicPr>
-          <p:cNvPr id="230" name="Picture 229" descr="A picture containing graphical user interface&#10;&#10;Description automatically generated">
-            <a:extLst>
-              <a:ext uri="{FF2B5EF4-FFF2-40B4-BE49-F238E27FC236}">
-                <a16:creationId xmlns:a16="http://schemas.microsoft.com/office/drawing/2014/main" id="{141FE177-05BE-8E33-61D2-3C4D6CB30E6A}"/>
-              </a:ext>
-            </a:extLst>
-          </p:cNvPr>
-          <p:cNvPicPr>
-            <a:picLocks noChangeAspect="1"/>
-          </p:cNvPicPr>
-          <p:nvPr/>
-        </p:nvPicPr>
-        <p:blipFill rotWithShape="1">
-          <a:blip r:embed="rId18">
-            <a:extLst>
-              <a:ext uri="{28A0092B-C50C-407E-A947-70E740481C1C}">
-                <a14:useLocalDpi xmlns:a14="http://schemas.microsoft.com/office/drawing/2010/main" val="0"/>
-              </a:ext>
-            </a:extLst>
-          </a:blip>
-          <a:srcRect l="85817" t="82311" r="8038" b="15181"/>
-          <a:stretch/>
-        </p:blipFill>
-        <p:spPr>
-          <a:xfrm>
-            <a:off x="4935929" y="8266222"/>
-            <a:ext cx="162718" cy="97844"/>
-          </a:xfrm>
-          <a:prstGeom prst="rect">
-            <a:avLst/>
-          </a:prstGeom>
-        </p:spPr>
-      </p:pic>
       <p:cxnSp>
         <p:nvCxnSpPr>
           <p:cNvPr id="232" name="Straight Connector 231">
@@ -8724,7 +8807,7 @@
         </p:nvCxnSpPr>
         <p:spPr>
           <a:xfrm>
-            <a:off x="2527652" y="4346950"/>
+            <a:off x="2527652" y="4539360"/>
             <a:ext cx="3993345" cy="0"/>
           </a:xfrm>
           <a:prstGeom prst="line">
@@ -8751,12 +8834,237 @@
           </a:fontRef>
         </p:style>
       </p:cxnSp>
+      <p:sp>
+        <p:nvSpPr>
+          <p:cNvPr id="25" name="TextBox 24">
+            <a:extLst>
+              <a:ext uri="{FF2B5EF4-FFF2-40B4-BE49-F238E27FC236}">
+                <a16:creationId xmlns:a16="http://schemas.microsoft.com/office/drawing/2014/main" id="{58D04514-BB85-A4CB-D5FF-473C2147464E}"/>
+              </a:ext>
+            </a:extLst>
+          </p:cNvPr>
+          <p:cNvSpPr txBox="1"/>
+          <p:nvPr/>
+        </p:nvSpPr>
+        <p:spPr>
+          <a:xfrm>
+            <a:off x="5117154" y="537763"/>
+            <a:ext cx="1623078" cy="1338828"/>
+          </a:xfrm>
+          <a:prstGeom prst="rect">
+            <a:avLst/>
+          </a:prstGeom>
+          <a:noFill/>
+        </p:spPr>
+        <p:txBody>
+          <a:bodyPr wrap="square" rtlCol="0">
+            <a:spAutoFit/>
+          </a:bodyPr>
+          <a:lstStyle/>
+          <a:p>
+            <a:pPr>
+              <a:spcAft>
+                <a:spcPts val="600"/>
+              </a:spcAft>
+            </a:pPr>
+            <a:r>
+              <a:rPr lang="en-GB" sz="1100" dirty="0">
+                <a:solidFill>
+                  <a:srgbClr val="262F3B"/>
+                </a:solidFill>
+                <a:latin typeface="Gill Sans Nova" panose="020B0602020104020203" pitchFamily="34" charset="0"/>
+              </a:rPr>
+              <a:t>ajy.mail@gmail.com</a:t>
+            </a:r>
+          </a:p>
+          <a:p>
+            <a:pPr>
+              <a:spcAft>
+                <a:spcPts val="600"/>
+              </a:spcAft>
+            </a:pPr>
+            <a:r>
+              <a:rPr lang="en-GB" sz="1100" dirty="0">
+                <a:solidFill>
+                  <a:srgbClr val="262F3B"/>
+                </a:solidFill>
+                <a:latin typeface="Gill Sans Nova" panose="020B0602020104020203" pitchFamily="34" charset="0"/>
+              </a:rPr>
+              <a:t>github.com/Alex-Yates/curriculum-vitae</a:t>
+            </a:r>
+          </a:p>
+          <a:p>
+            <a:pPr>
+              <a:spcAft>
+                <a:spcPts val="600"/>
+              </a:spcAft>
+            </a:pPr>
+            <a:r>
+              <a:rPr lang="en-GB" sz="1100" dirty="0">
+                <a:solidFill>
+                  <a:srgbClr val="262F3B"/>
+                </a:solidFill>
+                <a:latin typeface="Gill Sans Nova" panose="020B0602020104020203" pitchFamily="34" charset="0"/>
+              </a:rPr>
+              <a:t>07762618250</a:t>
+            </a:r>
+          </a:p>
+          <a:p>
+            <a:pPr>
+              <a:spcAft>
+                <a:spcPts val="600"/>
+              </a:spcAft>
+            </a:pPr>
+            <a:r>
+              <a:rPr lang="en-GB" sz="1100" dirty="0">
+                <a:solidFill>
+                  <a:srgbClr val="262F3B"/>
+                </a:solidFill>
+                <a:latin typeface="Gill Sans Nova" panose="020B0602020104020203" pitchFamily="34" charset="0"/>
+              </a:rPr>
+              <a:t>38 North Lodge Park, Milton, CB24 6UB, UK</a:t>
+            </a:r>
+          </a:p>
+        </p:txBody>
+      </p:sp>
+    </p:spTree>
+    <p:extLst>
+      <p:ext uri="{BB962C8B-B14F-4D97-AF65-F5344CB8AC3E}">
+        <p14:creationId xmlns:p14="http://schemas.microsoft.com/office/powerpoint/2010/main" val="3200844362"/>
+      </p:ext>
+    </p:extLst>
+  </p:cSld>
+  <p:clrMapOvr>
+    <a:masterClrMapping/>
+  </p:clrMapOvr>
+</p:sld>
+</file>
+
+<file path=ppt/slides/slide2.xml><?xml version="1.0" encoding="utf-8"?>
+<p:sld xmlns:a="http://schemas.openxmlformats.org/drawingml/2006/main" xmlns:r="http://schemas.openxmlformats.org/officeDocument/2006/relationships" xmlns:p="http://schemas.openxmlformats.org/presentationml/2006/main">
+  <p:cSld>
+    <p:spTree>
+      <p:nvGrpSpPr>
+        <p:cNvPr id="1" name=""/>
+        <p:cNvGrpSpPr/>
+        <p:nvPr/>
+      </p:nvGrpSpPr>
+      <p:grpSpPr>
+        <a:xfrm>
+          <a:off x="0" y="0"/>
+          <a:ext cx="0" cy="0"/>
+          <a:chOff x="0" y="0"/>
+          <a:chExt cx="0" cy="0"/>
+        </a:xfrm>
+      </p:grpSpPr>
+      <p:sp>
+        <p:nvSpPr>
+          <p:cNvPr id="54" name="Arrow: U-Turn 53">
+            <a:extLst>
+              <a:ext uri="{FF2B5EF4-FFF2-40B4-BE49-F238E27FC236}">
+                <a16:creationId xmlns:a16="http://schemas.microsoft.com/office/drawing/2014/main" id="{4620D140-B66E-8940-6AEA-3C970079A870}"/>
+              </a:ext>
+            </a:extLst>
+          </p:cNvPr>
+          <p:cNvSpPr/>
+          <p:nvPr/>
+        </p:nvSpPr>
+        <p:spPr>
+          <a:xfrm rot="10800000" flipH="1" flipV="1">
+            <a:off x="3290472" y="144739"/>
+            <a:ext cx="406595" cy="307776"/>
+          </a:xfrm>
+          <a:prstGeom prst="uturnArrow">
+            <a:avLst>
+              <a:gd name="adj1" fmla="val 25000"/>
+              <a:gd name="adj2" fmla="val 25000"/>
+              <a:gd name="adj3" fmla="val 42273"/>
+              <a:gd name="adj4" fmla="val 57727"/>
+              <a:gd name="adj5" fmla="val 100000"/>
+            </a:avLst>
+          </a:prstGeom>
+          <a:solidFill>
+            <a:srgbClr val="1D9BF0"/>
+          </a:solidFill>
+          <a:ln>
+            <a:noFill/>
+          </a:ln>
+        </p:spPr>
+        <p:style>
+          <a:lnRef idx="2">
+            <a:schemeClr val="accent1">
+              <a:shade val="50000"/>
+            </a:schemeClr>
+          </a:lnRef>
+          <a:fillRef idx="1">
+            <a:schemeClr val="accent1"/>
+          </a:fillRef>
+          <a:effectRef idx="0">
+            <a:schemeClr val="accent1"/>
+          </a:effectRef>
+          <a:fontRef idx="minor">
+            <a:schemeClr val="lt1"/>
+          </a:fontRef>
+        </p:style>
+        <p:txBody>
+          <a:bodyPr rtlCol="0" anchor="ctr"/>
+          <a:lstStyle/>
+          <a:p>
+            <a:pPr algn="ctr"/>
+            <a:endParaRPr lang="en-GB">
+              <a:solidFill>
+                <a:schemeClr val="tx1"/>
+              </a:solidFill>
+            </a:endParaRPr>
+          </a:p>
+        </p:txBody>
+      </p:sp>
+      <p:sp>
+        <p:nvSpPr>
+          <p:cNvPr id="4" name="TextBox 3">
+            <a:extLst>
+              <a:ext uri="{FF2B5EF4-FFF2-40B4-BE49-F238E27FC236}">
+                <a16:creationId xmlns:a16="http://schemas.microsoft.com/office/drawing/2014/main" id="{342BF96F-B6A6-2ADD-6D6D-9D1D738E3927}"/>
+              </a:ext>
+            </a:extLst>
+          </p:cNvPr>
+          <p:cNvSpPr txBox="1"/>
+          <p:nvPr/>
+        </p:nvSpPr>
+        <p:spPr>
+          <a:xfrm>
+            <a:off x="206847" y="93883"/>
+            <a:ext cx="4326479" cy="307777"/>
+          </a:xfrm>
+          <a:prstGeom prst="rect">
+            <a:avLst/>
+          </a:prstGeom>
+          <a:noFill/>
+        </p:spPr>
+        <p:txBody>
+          <a:bodyPr wrap="square" rtlCol="0">
+            <a:spAutoFit/>
+          </a:bodyPr>
+          <a:lstStyle/>
+          <a:p>
+            <a:r>
+              <a:rPr lang="en-GB" sz="1400" b="1" dirty="0">
+                <a:solidFill>
+                  <a:srgbClr val="262F3B"/>
+                </a:solidFill>
+                <a:latin typeface="Gill Sans Nova" panose="020B0602020104020203" pitchFamily="34" charset="0"/>
+              </a:rPr>
+              <a:t>TESTIMONIALS:</a:t>
+            </a:r>
+          </a:p>
+        </p:txBody>
+      </p:sp>
       <p:grpSp>
         <p:nvGrpSpPr>
-          <p:cNvPr id="3" name="Group 2">
+          <p:cNvPr id="10" name="Group 9">
             <a:extLst>
               <a:ext uri="{FF2B5EF4-FFF2-40B4-BE49-F238E27FC236}">
-                <a16:creationId xmlns:a16="http://schemas.microsoft.com/office/drawing/2014/main" id="{1B8334E4-1074-31B9-5D24-C1EF16B301E3}"/>
+                <a16:creationId xmlns:a16="http://schemas.microsoft.com/office/drawing/2014/main" id="{C0C039CA-EE86-084C-2A90-C43AD9ECC9FC}"/>
               </a:ext>
             </a:extLst>
           </p:cNvPr>
@@ -8765,18 +9073,723 @@
         </p:nvGrpSpPr>
         <p:grpSpPr>
           <a:xfrm>
-            <a:off x="2399636" y="4723380"/>
-            <a:ext cx="4217307" cy="4727524"/>
-            <a:chOff x="2399636" y="4723380"/>
-            <a:chExt cx="4217307" cy="4727524"/>
+            <a:off x="3491393" y="3569323"/>
+            <a:ext cx="3222153" cy="975360"/>
+            <a:chOff x="206847" y="681427"/>
+            <a:chExt cx="3222153" cy="975360"/>
+          </a:xfrm>
+        </p:grpSpPr>
+        <p:sp>
+          <p:nvSpPr>
+            <p:cNvPr id="6" name="Rectangle 5">
+              <a:extLst>
+                <a:ext uri="{FF2B5EF4-FFF2-40B4-BE49-F238E27FC236}">
+                  <a16:creationId xmlns:a16="http://schemas.microsoft.com/office/drawing/2014/main" id="{D06B4550-FBDE-2B5B-0771-464E107EB4D9}"/>
+                </a:ext>
+              </a:extLst>
+            </p:cNvPr>
+            <p:cNvSpPr/>
+            <p:nvPr/>
+          </p:nvSpPr>
+          <p:spPr>
+            <a:xfrm>
+              <a:off x="1150620" y="681427"/>
+              <a:ext cx="2278380" cy="975360"/>
+            </a:xfrm>
+            <a:prstGeom prst="rect">
+              <a:avLst/>
+            </a:prstGeom>
+            <a:solidFill>
+              <a:srgbClr val="262F3B"/>
+            </a:solidFill>
+            <a:ln>
+              <a:noFill/>
+            </a:ln>
+          </p:spPr>
+          <p:style>
+            <a:lnRef idx="2">
+              <a:schemeClr val="accent1">
+                <a:shade val="50000"/>
+              </a:schemeClr>
+            </a:lnRef>
+            <a:fillRef idx="1">
+              <a:schemeClr val="accent1"/>
+            </a:fillRef>
+            <a:effectRef idx="0">
+              <a:schemeClr val="accent1"/>
+            </a:effectRef>
+            <a:fontRef idx="minor">
+              <a:schemeClr val="lt1"/>
+            </a:fontRef>
+          </p:style>
+          <p:txBody>
+            <a:bodyPr rtlCol="0" anchor="ctr"/>
+            <a:lstStyle/>
+            <a:p>
+              <a:r>
+                <a:rPr lang="en-GB" sz="1000" b="0" i="0" dirty="0">
+                  <a:solidFill>
+                    <a:schemeClr val="bg1"/>
+                  </a:solidFill>
+                  <a:effectLst/>
+                </a:rPr>
+                <a:t>Adopting DevOps involves making difficult, hard-to-reverse changes. You need someone who’s done this before, listens well, and communicates the right information. That person is Alex Yates.</a:t>
+              </a:r>
+            </a:p>
+            <a:p>
+              <a:r>
+                <a:rPr lang="en-GB" sz="1000" b="1" dirty="0">
+                  <a:solidFill>
+                    <a:srgbClr val="F6AB25"/>
+                  </a:solidFill>
+                </a:rPr>
+                <a:t>B. Ozar</a:t>
+              </a:r>
+              <a:r>
+                <a:rPr lang="en-GB" sz="1000" dirty="0">
+                  <a:solidFill>
+                    <a:srgbClr val="F6AB25"/>
+                  </a:solidFill>
+                </a:rPr>
+                <a:t>, </a:t>
+              </a:r>
+              <a:r>
+                <a:rPr lang="en-GB" sz="900" dirty="0">
+                  <a:solidFill>
+                    <a:srgbClr val="F6AB25"/>
+                  </a:solidFill>
+                </a:rPr>
+                <a:t>Consultant, </a:t>
+              </a:r>
+              <a:r>
+                <a:rPr lang="en-GB" sz="1000" dirty="0">
+                  <a:solidFill>
+                    <a:srgbClr val="F6AB25"/>
+                  </a:solidFill>
+                </a:rPr>
+                <a:t>Brent Ozar Unlimited</a:t>
+              </a:r>
+            </a:p>
+          </p:txBody>
+        </p:sp>
+        <p:sp>
+          <p:nvSpPr>
+            <p:cNvPr id="5" name="Oval 4">
+              <a:extLst>
+                <a:ext uri="{FF2B5EF4-FFF2-40B4-BE49-F238E27FC236}">
+                  <a16:creationId xmlns:a16="http://schemas.microsoft.com/office/drawing/2014/main" id="{A316EF94-07A4-74B9-F8BE-048FC94DC4BE}"/>
+                </a:ext>
+              </a:extLst>
+            </p:cNvPr>
+            <p:cNvSpPr/>
+            <p:nvPr/>
+          </p:nvSpPr>
+          <p:spPr>
+            <a:xfrm>
+              <a:off x="206847" y="681427"/>
+              <a:ext cx="975360" cy="975360"/>
+            </a:xfrm>
+            <a:prstGeom prst="ellipse">
+              <a:avLst/>
+            </a:prstGeom>
+            <a:blipFill dpi="0" rotWithShape="1">
+              <a:blip r:embed="rId2">
+                <a:extLst>
+                  <a:ext uri="{28A0092B-C50C-407E-A947-70E740481C1C}">
+                    <a14:useLocalDpi xmlns:a14="http://schemas.microsoft.com/office/drawing/2010/main" val="0"/>
+                  </a:ext>
+                </a:extLst>
+              </a:blip>
+              <a:srcRect/>
+              <a:stretch>
+                <a:fillRect/>
+              </a:stretch>
+            </a:blipFill>
+            <a:ln w="57150">
+              <a:solidFill>
+                <a:srgbClr val="F6AB25"/>
+              </a:solidFill>
+            </a:ln>
+          </p:spPr>
+          <p:style>
+            <a:lnRef idx="2">
+              <a:schemeClr val="accent1">
+                <a:shade val="50000"/>
+              </a:schemeClr>
+            </a:lnRef>
+            <a:fillRef idx="1">
+              <a:schemeClr val="accent1"/>
+            </a:fillRef>
+            <a:effectRef idx="0">
+              <a:schemeClr val="accent1"/>
+            </a:effectRef>
+            <a:fontRef idx="minor">
+              <a:schemeClr val="lt1"/>
+            </a:fontRef>
+          </p:style>
+          <p:txBody>
+            <a:bodyPr rtlCol="0" anchor="ctr"/>
+            <a:lstStyle/>
+            <a:p>
+              <a:pPr algn="ctr"/>
+              <a:endParaRPr lang="en-GB"/>
+            </a:p>
+          </p:txBody>
+        </p:sp>
+      </p:grpSp>
+      <p:grpSp>
+        <p:nvGrpSpPr>
+          <p:cNvPr id="9" name="Group 8">
+            <a:extLst>
+              <a:ext uri="{FF2B5EF4-FFF2-40B4-BE49-F238E27FC236}">
+                <a16:creationId xmlns:a16="http://schemas.microsoft.com/office/drawing/2014/main" id="{9B3EA396-9A92-D29A-74FE-9715103ECB7A}"/>
+              </a:ext>
+            </a:extLst>
+          </p:cNvPr>
+          <p:cNvGrpSpPr/>
+          <p:nvPr/>
+        </p:nvGrpSpPr>
+        <p:grpSpPr>
+          <a:xfrm>
+            <a:off x="142077" y="4627617"/>
+            <a:ext cx="3222153" cy="975360"/>
+            <a:chOff x="3429000" y="681427"/>
+            <a:chExt cx="3222153" cy="975360"/>
+          </a:xfrm>
+        </p:grpSpPr>
+        <p:sp>
+          <p:nvSpPr>
+            <p:cNvPr id="7" name="Rectangle 6">
+              <a:extLst>
+                <a:ext uri="{FF2B5EF4-FFF2-40B4-BE49-F238E27FC236}">
+                  <a16:creationId xmlns:a16="http://schemas.microsoft.com/office/drawing/2014/main" id="{9766F5E8-82CF-0E64-13A5-1FBEC72B72FB}"/>
+                </a:ext>
+              </a:extLst>
+            </p:cNvPr>
+            <p:cNvSpPr/>
+            <p:nvPr/>
+          </p:nvSpPr>
+          <p:spPr>
+            <a:xfrm>
+              <a:off x="4372773" y="681427"/>
+              <a:ext cx="2278380" cy="975360"/>
+            </a:xfrm>
+            <a:prstGeom prst="rect">
+              <a:avLst/>
+            </a:prstGeom>
+            <a:solidFill>
+              <a:srgbClr val="262F3B"/>
+            </a:solidFill>
+            <a:ln>
+              <a:noFill/>
+            </a:ln>
+          </p:spPr>
+          <p:style>
+            <a:lnRef idx="2">
+              <a:schemeClr val="accent1">
+                <a:shade val="50000"/>
+              </a:schemeClr>
+            </a:lnRef>
+            <a:fillRef idx="1">
+              <a:schemeClr val="accent1"/>
+            </a:fillRef>
+            <a:effectRef idx="0">
+              <a:schemeClr val="accent1"/>
+            </a:effectRef>
+            <a:fontRef idx="minor">
+              <a:schemeClr val="lt1"/>
+            </a:fontRef>
+          </p:style>
+          <p:txBody>
+            <a:bodyPr rtlCol="0" anchor="ctr"/>
+            <a:lstStyle/>
+            <a:p>
+              <a:r>
+                <a:rPr lang="en-GB" sz="1000" b="0" i="0" dirty="0">
+                  <a:solidFill>
+                    <a:schemeClr val="bg1"/>
+                  </a:solidFill>
+                  <a:effectLst/>
+                </a:rPr>
+                <a:t>Our implementation of DLM ranks as the most beneficial infrastructure project of my 26-year IT career. DB deploys are no longer a bottleneck.</a:t>
+              </a:r>
+            </a:p>
+            <a:p>
+              <a:r>
+                <a:rPr lang="en-GB" sz="1000" b="1" dirty="0">
+                  <a:solidFill>
+                    <a:srgbClr val="F6AB25"/>
+                  </a:solidFill>
+                </a:rPr>
+                <a:t>Steve Cornwell</a:t>
+              </a:r>
+              <a:r>
+                <a:rPr lang="en-GB" sz="1000" dirty="0">
+                  <a:solidFill>
+                    <a:srgbClr val="F6AB25"/>
+                  </a:solidFill>
+                </a:rPr>
+                <a:t>, Architect,</a:t>
+              </a:r>
+              <a:r>
+                <a:rPr lang="en-GB" sz="1000" b="1" dirty="0">
+                  <a:solidFill>
+                    <a:srgbClr val="F6AB25"/>
+                  </a:solidFill>
+                </a:rPr>
+                <a:t> Microsoft </a:t>
+              </a:r>
+              <a:r>
+                <a:rPr lang="en-GB" sz="1000" dirty="0">
+                  <a:solidFill>
+                    <a:srgbClr val="F6AB25"/>
+                  </a:solidFill>
+                </a:rPr>
+                <a:t>and Farm Credit Mid-America</a:t>
+              </a:r>
+            </a:p>
+          </p:txBody>
+        </p:sp>
+        <p:sp>
+          <p:nvSpPr>
+            <p:cNvPr id="8" name="Oval 7">
+              <a:extLst>
+                <a:ext uri="{FF2B5EF4-FFF2-40B4-BE49-F238E27FC236}">
+                  <a16:creationId xmlns:a16="http://schemas.microsoft.com/office/drawing/2014/main" id="{B31EC5BC-C341-CA19-7F8D-B1DB2CA517C7}"/>
+                </a:ext>
+              </a:extLst>
+            </p:cNvPr>
+            <p:cNvSpPr/>
+            <p:nvPr/>
+          </p:nvSpPr>
+          <p:spPr>
+            <a:xfrm>
+              <a:off x="3429000" y="681427"/>
+              <a:ext cx="975360" cy="975360"/>
+            </a:xfrm>
+            <a:prstGeom prst="ellipse">
+              <a:avLst/>
+            </a:prstGeom>
+            <a:blipFill dpi="0" rotWithShape="1">
+              <a:blip r:embed="rId3">
+                <a:extLst>
+                  <a:ext uri="{28A0092B-C50C-407E-A947-70E740481C1C}">
+                    <a14:useLocalDpi xmlns:a14="http://schemas.microsoft.com/office/drawing/2010/main" val="0"/>
+                  </a:ext>
+                </a:extLst>
+              </a:blip>
+              <a:srcRect/>
+              <a:stretch>
+                <a:fillRect/>
+              </a:stretch>
+            </a:blipFill>
+            <a:ln w="57150">
+              <a:solidFill>
+                <a:srgbClr val="F6AB25"/>
+              </a:solidFill>
+            </a:ln>
+          </p:spPr>
+          <p:style>
+            <a:lnRef idx="2">
+              <a:schemeClr val="accent1">
+                <a:shade val="50000"/>
+              </a:schemeClr>
+            </a:lnRef>
+            <a:fillRef idx="1">
+              <a:schemeClr val="accent1"/>
+            </a:fillRef>
+            <a:effectRef idx="0">
+              <a:schemeClr val="accent1"/>
+            </a:effectRef>
+            <a:fontRef idx="minor">
+              <a:schemeClr val="lt1"/>
+            </a:fontRef>
+          </p:style>
+          <p:txBody>
+            <a:bodyPr rtlCol="0" anchor="ctr"/>
+            <a:lstStyle/>
+            <a:p>
+              <a:pPr algn="ctr"/>
+              <a:endParaRPr lang="en-GB"/>
+            </a:p>
+          </p:txBody>
+        </p:sp>
+      </p:grpSp>
+      <p:grpSp>
+        <p:nvGrpSpPr>
+          <p:cNvPr id="13" name="Group 12">
+            <a:extLst>
+              <a:ext uri="{FF2B5EF4-FFF2-40B4-BE49-F238E27FC236}">
+                <a16:creationId xmlns:a16="http://schemas.microsoft.com/office/drawing/2014/main" id="{E6C61E1F-388D-C490-5840-0C2C2A46F3C4}"/>
+              </a:ext>
+            </a:extLst>
+          </p:cNvPr>
+          <p:cNvGrpSpPr/>
+          <p:nvPr/>
+        </p:nvGrpSpPr>
+        <p:grpSpPr>
+          <a:xfrm>
+            <a:off x="3491393" y="4634351"/>
+            <a:ext cx="3222153" cy="975360"/>
+            <a:chOff x="206847" y="681427"/>
+            <a:chExt cx="3222153" cy="975360"/>
+          </a:xfrm>
+        </p:grpSpPr>
+        <p:sp>
+          <p:nvSpPr>
+            <p:cNvPr id="17" name="Rectangle 16">
+              <a:extLst>
+                <a:ext uri="{FF2B5EF4-FFF2-40B4-BE49-F238E27FC236}">
+                  <a16:creationId xmlns:a16="http://schemas.microsoft.com/office/drawing/2014/main" id="{714AA06A-46B9-D419-E87D-BAE03F411B45}"/>
+                </a:ext>
+              </a:extLst>
+            </p:cNvPr>
+            <p:cNvSpPr/>
+            <p:nvPr/>
+          </p:nvSpPr>
+          <p:spPr>
+            <a:xfrm>
+              <a:off x="1150620" y="681427"/>
+              <a:ext cx="2278380" cy="975360"/>
+            </a:xfrm>
+            <a:prstGeom prst="rect">
+              <a:avLst/>
+            </a:prstGeom>
+            <a:solidFill>
+              <a:srgbClr val="262F3B"/>
+            </a:solidFill>
+            <a:ln>
+              <a:noFill/>
+            </a:ln>
+          </p:spPr>
+          <p:style>
+            <a:lnRef idx="2">
+              <a:schemeClr val="accent1">
+                <a:shade val="50000"/>
+              </a:schemeClr>
+            </a:lnRef>
+            <a:fillRef idx="1">
+              <a:schemeClr val="accent1"/>
+            </a:fillRef>
+            <a:effectRef idx="0">
+              <a:schemeClr val="accent1"/>
+            </a:effectRef>
+            <a:fontRef idx="minor">
+              <a:schemeClr val="lt1"/>
+            </a:fontRef>
+          </p:style>
+          <p:txBody>
+            <a:bodyPr rtlCol="0" anchor="ctr"/>
+            <a:lstStyle/>
+            <a:p>
+              <a:r>
+                <a:rPr lang="en-GB" sz="1000" b="0" i="0" dirty="0">
+                  <a:solidFill>
+                    <a:schemeClr val="bg1"/>
+                  </a:solidFill>
+                  <a:effectLst/>
+                </a:rPr>
+                <a:t>DLM's mentoring service was exactly what we needed. Alex coached from the side-lines, without taking over, while supporting our objectives with deep knowledge of the subject matter.</a:t>
+              </a:r>
+            </a:p>
+            <a:p>
+              <a:r>
+                <a:rPr lang="en-GB" sz="1000" b="1" dirty="0">
+                  <a:solidFill>
+                    <a:srgbClr val="F6AB25"/>
+                  </a:solidFill>
+                </a:rPr>
+                <a:t>Anna Brown</a:t>
+              </a:r>
+              <a:r>
+                <a:rPr lang="en-GB" sz="1000" dirty="0">
+                  <a:solidFill>
+                    <a:srgbClr val="F6AB25"/>
+                  </a:solidFill>
+                </a:rPr>
+                <a:t>, Director of BI, </a:t>
+              </a:r>
+              <a:r>
+                <a:rPr lang="en-GB" sz="1000" dirty="0" err="1">
+                  <a:solidFill>
+                    <a:srgbClr val="F6AB25"/>
+                  </a:solidFill>
+                </a:rPr>
+                <a:t>AllVue</a:t>
+              </a:r>
+              <a:endParaRPr lang="en-GB" sz="1000" dirty="0">
+                <a:solidFill>
+                  <a:srgbClr val="F6AB25"/>
+                </a:solidFill>
+              </a:endParaRPr>
+            </a:p>
+          </p:txBody>
+        </p:sp>
+        <p:sp>
+          <p:nvSpPr>
+            <p:cNvPr id="18" name="Oval 17">
+              <a:extLst>
+                <a:ext uri="{FF2B5EF4-FFF2-40B4-BE49-F238E27FC236}">
+                  <a16:creationId xmlns:a16="http://schemas.microsoft.com/office/drawing/2014/main" id="{6E482B74-3B11-BF0C-0A97-08150AE22985}"/>
+                </a:ext>
+              </a:extLst>
+            </p:cNvPr>
+            <p:cNvSpPr/>
+            <p:nvPr/>
+          </p:nvSpPr>
+          <p:spPr>
+            <a:xfrm>
+              <a:off x="206847" y="681427"/>
+              <a:ext cx="975360" cy="975360"/>
+            </a:xfrm>
+            <a:prstGeom prst="ellipse">
+              <a:avLst/>
+            </a:prstGeom>
+            <a:blipFill dpi="0" rotWithShape="1">
+              <a:blip r:embed="rId4">
+                <a:extLst>
+                  <a:ext uri="{28A0092B-C50C-407E-A947-70E740481C1C}">
+                    <a14:useLocalDpi xmlns:a14="http://schemas.microsoft.com/office/drawing/2010/main" val="0"/>
+                  </a:ext>
+                </a:extLst>
+              </a:blip>
+              <a:srcRect/>
+              <a:stretch>
+                <a:fillRect/>
+              </a:stretch>
+            </a:blipFill>
+            <a:ln w="57150">
+              <a:solidFill>
+                <a:srgbClr val="F6AB25"/>
+              </a:solidFill>
+            </a:ln>
+          </p:spPr>
+          <p:style>
+            <a:lnRef idx="2">
+              <a:schemeClr val="accent1">
+                <a:shade val="50000"/>
+              </a:schemeClr>
+            </a:lnRef>
+            <a:fillRef idx="1">
+              <a:schemeClr val="accent1"/>
+            </a:fillRef>
+            <a:effectRef idx="0">
+              <a:schemeClr val="accent1"/>
+            </a:effectRef>
+            <a:fontRef idx="minor">
+              <a:schemeClr val="lt1"/>
+            </a:fontRef>
+          </p:style>
+          <p:txBody>
+            <a:bodyPr rtlCol="0" anchor="ctr"/>
+            <a:lstStyle/>
+            <a:p>
+              <a:pPr algn="ctr"/>
+              <a:endParaRPr lang="en-GB" dirty="0"/>
+            </a:p>
+          </p:txBody>
+        </p:sp>
+      </p:grpSp>
+      <p:grpSp>
+        <p:nvGrpSpPr>
+          <p:cNvPr id="14" name="Group 13">
+            <a:extLst>
+              <a:ext uri="{FF2B5EF4-FFF2-40B4-BE49-F238E27FC236}">
+                <a16:creationId xmlns:a16="http://schemas.microsoft.com/office/drawing/2014/main" id="{C3E4FDB1-F189-E8A5-CB8C-0462F95CFF6A}"/>
+              </a:ext>
+            </a:extLst>
+          </p:cNvPr>
+          <p:cNvGrpSpPr/>
+          <p:nvPr/>
+        </p:nvGrpSpPr>
+        <p:grpSpPr>
+          <a:xfrm>
+            <a:off x="142077" y="2511029"/>
+            <a:ext cx="3222153" cy="975360"/>
+            <a:chOff x="3429000" y="681427"/>
+            <a:chExt cx="3222153" cy="975360"/>
+          </a:xfrm>
+        </p:grpSpPr>
+        <p:sp>
+          <p:nvSpPr>
+            <p:cNvPr id="15" name="Rectangle 14">
+              <a:extLst>
+                <a:ext uri="{FF2B5EF4-FFF2-40B4-BE49-F238E27FC236}">
+                  <a16:creationId xmlns:a16="http://schemas.microsoft.com/office/drawing/2014/main" id="{4A61260F-6EB7-51A6-A50D-0F97DD5BD46F}"/>
+                </a:ext>
+              </a:extLst>
+            </p:cNvPr>
+            <p:cNvSpPr/>
+            <p:nvPr/>
+          </p:nvSpPr>
+          <p:spPr>
+            <a:xfrm>
+              <a:off x="4372773" y="681427"/>
+              <a:ext cx="2278380" cy="975360"/>
+            </a:xfrm>
+            <a:prstGeom prst="rect">
+              <a:avLst/>
+            </a:prstGeom>
+            <a:solidFill>
+              <a:srgbClr val="262F3B"/>
+            </a:solidFill>
+            <a:ln>
+              <a:noFill/>
+            </a:ln>
+          </p:spPr>
+          <p:style>
+            <a:lnRef idx="2">
+              <a:schemeClr val="accent1">
+                <a:shade val="50000"/>
+              </a:schemeClr>
+            </a:lnRef>
+            <a:fillRef idx="1">
+              <a:schemeClr val="accent1"/>
+            </a:fillRef>
+            <a:effectRef idx="0">
+              <a:schemeClr val="accent1"/>
+            </a:effectRef>
+            <a:fontRef idx="minor">
+              <a:schemeClr val="lt1"/>
+            </a:fontRef>
+          </p:style>
+          <p:txBody>
+            <a:bodyPr rtlCol="0" anchor="ctr"/>
+            <a:lstStyle/>
+            <a:p>
+              <a:r>
+                <a:rPr lang="en-GB" sz="1000" b="0" i="0" dirty="0">
+                  <a:solidFill>
+                    <a:schemeClr val="bg1"/>
+                  </a:solidFill>
+                  <a:effectLst/>
+                </a:rPr>
+                <a:t>Alex stood out for two reasons. First, he learned technology and its applications quickly. Second, he brought strong and passionate presentation skills. I'd happily work with him again.</a:t>
+              </a:r>
+              <a:endParaRPr lang="en-GB" sz="1000" dirty="0">
+                <a:solidFill>
+                  <a:srgbClr val="F6AB25"/>
+                </a:solidFill>
+              </a:endParaRPr>
+            </a:p>
+            <a:p>
+              <a:r>
+                <a:rPr lang="en-GB" sz="1000" b="1" i="0" dirty="0">
+                  <a:solidFill>
+                    <a:srgbClr val="F6AB25"/>
+                  </a:solidFill>
+                  <a:effectLst/>
+                </a:rPr>
+                <a:t>Grant Fritchey</a:t>
+              </a:r>
+              <a:r>
+                <a:rPr lang="en-GB" sz="1000" b="0" i="0" dirty="0">
+                  <a:solidFill>
+                    <a:srgbClr val="F6AB25"/>
+                  </a:solidFill>
+                  <a:effectLst/>
+                </a:rPr>
+                <a:t>, PASS President, Redgate</a:t>
+              </a:r>
+              <a:endParaRPr lang="en-GB" sz="1000" dirty="0">
+                <a:solidFill>
+                  <a:srgbClr val="F6AB25"/>
+                </a:solidFill>
+              </a:endParaRPr>
+            </a:p>
+          </p:txBody>
+        </p:sp>
+        <p:sp>
+          <p:nvSpPr>
+            <p:cNvPr id="16" name="Oval 15">
+              <a:extLst>
+                <a:ext uri="{FF2B5EF4-FFF2-40B4-BE49-F238E27FC236}">
+                  <a16:creationId xmlns:a16="http://schemas.microsoft.com/office/drawing/2014/main" id="{D0FCF6D1-4249-9E16-4F56-9B0C9E9BE69B}"/>
+                </a:ext>
+              </a:extLst>
+            </p:cNvPr>
+            <p:cNvSpPr/>
+            <p:nvPr/>
+          </p:nvSpPr>
+          <p:spPr>
+            <a:xfrm>
+              <a:off x="3429000" y="681427"/>
+              <a:ext cx="975360" cy="975360"/>
+            </a:xfrm>
+            <a:prstGeom prst="ellipse">
+              <a:avLst/>
+            </a:prstGeom>
+            <a:blipFill dpi="0" rotWithShape="1">
+              <a:blip r:embed="rId5">
+                <a:extLst>
+                  <a:ext uri="{28A0092B-C50C-407E-A947-70E740481C1C}">
+                    <a14:useLocalDpi xmlns:a14="http://schemas.microsoft.com/office/drawing/2010/main" val="0"/>
+                  </a:ext>
+                </a:extLst>
+              </a:blip>
+              <a:srcRect/>
+              <a:stretch>
+                <a:fillRect/>
+              </a:stretch>
+            </a:blipFill>
+            <a:ln w="57150">
+              <a:solidFill>
+                <a:srgbClr val="CC0000"/>
+              </a:solidFill>
+            </a:ln>
+          </p:spPr>
+          <p:style>
+            <a:lnRef idx="2">
+              <a:schemeClr val="accent1">
+                <a:shade val="50000"/>
+              </a:schemeClr>
+            </a:lnRef>
+            <a:fillRef idx="1">
+              <a:schemeClr val="accent1"/>
+            </a:fillRef>
+            <a:effectRef idx="0">
+              <a:schemeClr val="accent1"/>
+            </a:effectRef>
+            <a:fontRef idx="minor">
+              <a:schemeClr val="lt1"/>
+            </a:fontRef>
+          </p:style>
+          <p:txBody>
+            <a:bodyPr rtlCol="0" anchor="ctr"/>
+            <a:lstStyle/>
+            <a:p>
+              <a:pPr algn="ctr"/>
+              <a:endParaRPr lang="en-GB"/>
+            </a:p>
+          </p:txBody>
+        </p:sp>
+      </p:grpSp>
+      <p:grpSp>
+        <p:nvGrpSpPr>
+          <p:cNvPr id="19" name="Group 18">
+            <a:extLst>
+              <a:ext uri="{FF2B5EF4-FFF2-40B4-BE49-F238E27FC236}">
+                <a16:creationId xmlns:a16="http://schemas.microsoft.com/office/drawing/2014/main" id="{35D593E0-0723-56D6-ACCE-895C531C2A19}"/>
+              </a:ext>
+            </a:extLst>
+          </p:cNvPr>
+          <p:cNvGrpSpPr/>
+          <p:nvPr/>
+        </p:nvGrpSpPr>
+        <p:grpSpPr>
+          <a:xfrm>
+            <a:off x="142077" y="8860793"/>
+            <a:ext cx="6573846" cy="975360"/>
+            <a:chOff x="206847" y="681427"/>
+            <a:chExt cx="6573846" cy="975360"/>
           </a:xfrm>
         </p:grpSpPr>
         <p:grpSp>
           <p:nvGrpSpPr>
-            <p:cNvPr id="2" name="Group 1">
+            <p:cNvPr id="20" name="Group 19">
               <a:extLst>
                 <a:ext uri="{FF2B5EF4-FFF2-40B4-BE49-F238E27FC236}">
-                  <a16:creationId xmlns:a16="http://schemas.microsoft.com/office/drawing/2014/main" id="{9F09BFEC-9058-6FB6-0F04-84EA40B63354}"/>
+                  <a16:creationId xmlns:a16="http://schemas.microsoft.com/office/drawing/2014/main" id="{C0D3BD89-2A05-F356-A7B7-502DDFD4583F}"/>
                 </a:ext>
               </a:extLst>
             </p:cNvPr>
@@ -8785,533 +9798,2173 @@
           </p:nvGrpSpPr>
           <p:grpSpPr>
             <a:xfrm>
-              <a:off x="2399636" y="4723380"/>
-              <a:ext cx="4217307" cy="4727524"/>
-              <a:chOff x="2399636" y="4723380"/>
-              <a:chExt cx="4217307" cy="4727524"/>
+              <a:off x="206847" y="681427"/>
+              <a:ext cx="3222153" cy="975360"/>
+              <a:chOff x="206847" y="681427"/>
+              <a:chExt cx="3222153" cy="975360"/>
             </a:xfrm>
           </p:grpSpPr>
-          <p:grpSp>
-            <p:nvGrpSpPr>
-              <p:cNvPr id="228" name="Group 227">
+          <p:sp>
+            <p:nvSpPr>
+              <p:cNvPr id="24" name="Rectangle 23">
                 <a:extLst>
                   <a:ext uri="{FF2B5EF4-FFF2-40B4-BE49-F238E27FC236}">
-                    <a16:creationId xmlns:a16="http://schemas.microsoft.com/office/drawing/2014/main" id="{3653D48E-3711-5433-4C2E-496F83A7E3CA}"/>
+                    <a16:creationId xmlns:a16="http://schemas.microsoft.com/office/drawing/2014/main" id="{8EEEE8B3-2780-BD6E-9A07-B225B2F4CFE3}"/>
                   </a:ext>
                 </a:extLst>
               </p:cNvPr>
-              <p:cNvGrpSpPr/>
+              <p:cNvSpPr/>
               <p:nvPr/>
-            </p:nvGrpSpPr>
-            <p:grpSpPr>
+            </p:nvSpPr>
+            <p:spPr>
               <a:xfrm>
-                <a:off x="2399636" y="4723380"/>
-                <a:ext cx="4217307" cy="4727524"/>
-                <a:chOff x="2399636" y="2370427"/>
-                <a:chExt cx="5140792" cy="5762735"/>
+                <a:off x="1150620" y="681427"/>
+                <a:ext cx="2278380" cy="975360"/>
               </a:xfrm>
-            </p:grpSpPr>
-            <p:pic>
-              <p:nvPicPr>
-                <p:cNvPr id="161" name="Picture 160" descr="A picture containing graphical user interface&#10;&#10;Description automatically generated">
-                  <a:extLst>
-                    <a:ext uri="{FF2B5EF4-FFF2-40B4-BE49-F238E27FC236}">
-                      <a16:creationId xmlns:a16="http://schemas.microsoft.com/office/drawing/2014/main" id="{D24397AB-388B-439E-5689-FA7693761F86}"/>
-                    </a:ext>
-                  </a:extLst>
-                </p:cNvPr>
-                <p:cNvPicPr>
-                  <a:picLocks noChangeAspect="1"/>
-                </p:cNvPicPr>
-                <p:nvPr/>
-              </p:nvPicPr>
-              <p:blipFill rotWithShape="1">
-                <a:blip r:embed="rId19">
+              <a:prstGeom prst="rect">
+                <a:avLst/>
+              </a:prstGeom>
+              <a:solidFill>
+                <a:srgbClr val="262F3B"/>
+              </a:solidFill>
+              <a:ln>
+                <a:noFill/>
+              </a:ln>
+            </p:spPr>
+            <p:style>
+              <a:lnRef idx="2">
+                <a:schemeClr val="accent1">
+                  <a:shade val="50000"/>
+                </a:schemeClr>
+              </a:lnRef>
+              <a:fillRef idx="1">
+                <a:schemeClr val="accent1"/>
+              </a:fillRef>
+              <a:effectRef idx="0">
+                <a:schemeClr val="accent1"/>
+              </a:effectRef>
+              <a:fontRef idx="minor">
+                <a:schemeClr val="lt1"/>
+              </a:fontRef>
+            </p:style>
+            <p:txBody>
+              <a:bodyPr rtlCol="0" anchor="ctr"/>
+              <a:lstStyle/>
+              <a:p>
+                <a:r>
+                  <a:rPr lang="en-GB" sz="1000" b="0" i="0" dirty="0">
+                    <a:solidFill>
+                      <a:schemeClr val="bg1"/>
+                    </a:solidFill>
+                    <a:effectLst/>
+                  </a:rPr>
+                  <a:t>Alex’s style of including the team in the design process enabled us to not only meet our goal but exceed it greatly. And his rational challenge to our timeline led to an eye-opening realization. </a:t>
+                </a:r>
+              </a:p>
+              <a:p>
+                <a:r>
+                  <a:rPr lang="en-GB" sz="1000" b="1" dirty="0">
+                    <a:solidFill>
+                      <a:srgbClr val="F6AB25"/>
+                    </a:solidFill>
+                  </a:rPr>
+                  <a:t>Brian Locke</a:t>
+                </a:r>
+                <a:r>
+                  <a:rPr lang="en-GB" sz="1000" dirty="0">
+                    <a:solidFill>
+                      <a:srgbClr val="F6AB25"/>
+                    </a:solidFill>
+                  </a:rPr>
+                  <a:t>, Systems Director, </a:t>
+                </a:r>
+                <a:r>
+                  <a:rPr lang="en-GB" sz="1000" dirty="0" err="1">
+                    <a:solidFill>
+                      <a:srgbClr val="F6AB25"/>
+                    </a:solidFill>
+                  </a:rPr>
+                  <a:t>DataScan</a:t>
+                </a:r>
+                <a:endParaRPr lang="en-GB" sz="1000" dirty="0">
+                  <a:solidFill>
+                    <a:srgbClr val="F6AB25"/>
+                  </a:solidFill>
+                </a:endParaRPr>
+              </a:p>
+            </p:txBody>
+          </p:sp>
+          <p:sp>
+            <p:nvSpPr>
+              <p:cNvPr id="25" name="Oval 24">
+                <a:extLst>
+                  <a:ext uri="{FF2B5EF4-FFF2-40B4-BE49-F238E27FC236}">
+                    <a16:creationId xmlns:a16="http://schemas.microsoft.com/office/drawing/2014/main" id="{30C42A38-BFDB-AA0B-AAD6-2A2D543B9CBC}"/>
+                  </a:ext>
+                </a:extLst>
+              </p:cNvPr>
+              <p:cNvSpPr/>
+              <p:nvPr/>
+            </p:nvSpPr>
+            <p:spPr>
+              <a:xfrm>
+                <a:off x="206847" y="681427"/>
+                <a:ext cx="975360" cy="975360"/>
+              </a:xfrm>
+              <a:prstGeom prst="ellipse">
+                <a:avLst/>
+              </a:prstGeom>
+              <a:blipFill dpi="0" rotWithShape="1">
+                <a:blip r:embed="rId6">
                   <a:extLst>
                     <a:ext uri="{28A0092B-C50C-407E-A947-70E740481C1C}">
                       <a14:useLocalDpi xmlns:a14="http://schemas.microsoft.com/office/drawing/2010/main" val="0"/>
                     </a:ext>
                   </a:extLst>
                 </a:blip>
-                <a:srcRect l="839" t="-82" r="80452" b="96990"/>
-                <a:stretch/>
-              </p:blipFill>
-              <p:spPr>
-                <a:xfrm>
-                  <a:off x="2460440" y="2370427"/>
-                  <a:ext cx="1040086" cy="182986"/>
-                </a:xfrm>
-                <a:prstGeom prst="rect">
-                  <a:avLst/>
-                </a:prstGeom>
-              </p:spPr>
-            </p:pic>
-            <p:pic>
-              <p:nvPicPr>
-                <p:cNvPr id="166" name="Picture 165" descr="A picture containing graphical user interface&#10;&#10;Description automatically generated">
-                  <a:extLst>
-                    <a:ext uri="{FF2B5EF4-FFF2-40B4-BE49-F238E27FC236}">
-                      <a16:creationId xmlns:a16="http://schemas.microsoft.com/office/drawing/2014/main" id="{483DC90D-BEFB-1070-AB0C-433090BA22DA}"/>
-                    </a:ext>
-                  </a:extLst>
-                </p:cNvPr>
-                <p:cNvPicPr>
-                  <a:picLocks noChangeAspect="1"/>
-                </p:cNvPicPr>
-                <p:nvPr/>
-              </p:nvPicPr>
-              <p:blipFill rotWithShape="1">
-                <a:blip r:embed="rId19">
+                <a:srcRect/>
+                <a:stretch>
+                  <a:fillRect/>
+                </a:stretch>
+              </a:blipFill>
+              <a:ln w="57150">
+                <a:solidFill>
+                  <a:srgbClr val="F6AB25"/>
+                </a:solidFill>
+              </a:ln>
+            </p:spPr>
+            <p:style>
+              <a:lnRef idx="2">
+                <a:schemeClr val="accent1">
+                  <a:shade val="50000"/>
+                </a:schemeClr>
+              </a:lnRef>
+              <a:fillRef idx="1">
+                <a:schemeClr val="accent1"/>
+              </a:fillRef>
+              <a:effectRef idx="0">
+                <a:schemeClr val="accent1"/>
+              </a:effectRef>
+              <a:fontRef idx="minor">
+                <a:schemeClr val="lt1"/>
+              </a:fontRef>
+            </p:style>
+            <p:txBody>
+              <a:bodyPr rtlCol="0" anchor="ctr"/>
+              <a:lstStyle/>
+              <a:p>
+                <a:pPr algn="ctr"/>
+                <a:endParaRPr lang="en-GB" dirty="0"/>
+              </a:p>
+            </p:txBody>
+          </p:sp>
+        </p:grpSp>
+        <p:grpSp>
+          <p:nvGrpSpPr>
+            <p:cNvPr id="21" name="Group 20">
+              <a:extLst>
+                <a:ext uri="{FF2B5EF4-FFF2-40B4-BE49-F238E27FC236}">
+                  <a16:creationId xmlns:a16="http://schemas.microsoft.com/office/drawing/2014/main" id="{77003AEA-4342-FB90-97FD-F86E324F5B17}"/>
+                </a:ext>
+              </a:extLst>
+            </p:cNvPr>
+            <p:cNvGrpSpPr/>
+            <p:nvPr/>
+          </p:nvGrpSpPr>
+          <p:grpSpPr>
+            <a:xfrm>
+              <a:off x="3558540" y="681427"/>
+              <a:ext cx="3222153" cy="975360"/>
+              <a:chOff x="3429000" y="681427"/>
+              <a:chExt cx="3222153" cy="975360"/>
+            </a:xfrm>
+          </p:grpSpPr>
+          <p:sp>
+            <p:nvSpPr>
+              <p:cNvPr id="22" name="Rectangle 21">
+                <a:extLst>
+                  <a:ext uri="{FF2B5EF4-FFF2-40B4-BE49-F238E27FC236}">
+                    <a16:creationId xmlns:a16="http://schemas.microsoft.com/office/drawing/2014/main" id="{0268E54A-84F6-152C-AE4A-E5668885EF7B}"/>
+                  </a:ext>
+                </a:extLst>
+              </p:cNvPr>
+              <p:cNvSpPr/>
+              <p:nvPr/>
+            </p:nvSpPr>
+            <p:spPr>
+              <a:xfrm>
+                <a:off x="4372773" y="681427"/>
+                <a:ext cx="2278380" cy="975360"/>
+              </a:xfrm>
+              <a:prstGeom prst="rect">
+                <a:avLst/>
+              </a:prstGeom>
+              <a:solidFill>
+                <a:srgbClr val="262F3B"/>
+              </a:solidFill>
+              <a:ln>
+                <a:noFill/>
+              </a:ln>
+            </p:spPr>
+            <p:style>
+              <a:lnRef idx="2">
+                <a:schemeClr val="accent1">
+                  <a:shade val="50000"/>
+                </a:schemeClr>
+              </a:lnRef>
+              <a:fillRef idx="1">
+                <a:schemeClr val="accent1"/>
+              </a:fillRef>
+              <a:effectRef idx="0">
+                <a:schemeClr val="accent1"/>
+              </a:effectRef>
+              <a:fontRef idx="minor">
+                <a:schemeClr val="lt1"/>
+              </a:fontRef>
+            </p:style>
+            <p:txBody>
+              <a:bodyPr rtlCol="0" anchor="ctr"/>
+              <a:lstStyle/>
+              <a:p>
+                <a:r>
+                  <a:rPr lang="en-GB" sz="1000" b="0" i="0" dirty="0">
+                    <a:solidFill>
+                      <a:schemeClr val="bg1"/>
+                    </a:solidFill>
+                    <a:effectLst/>
+                  </a:rPr>
+                  <a:t>It was tremendously valuable to have Alex pair with me as I got my head around Bamboo, </a:t>
+                </a:r>
+                <a:r>
+                  <a:rPr lang="en-GB" sz="1000" b="0" i="0" dirty="0" err="1">
+                    <a:solidFill>
+                      <a:schemeClr val="bg1"/>
+                    </a:solidFill>
+                    <a:effectLst/>
+                  </a:rPr>
+                  <a:t>tSQLt</a:t>
+                </a:r>
+                <a:r>
+                  <a:rPr lang="en-GB" sz="1000" b="0" i="0" dirty="0">
+                    <a:solidFill>
+                      <a:schemeClr val="bg1"/>
+                    </a:solidFill>
+                    <a:effectLst/>
+                  </a:rPr>
+                  <a:t> and the various DB automation tools. He was passionate about getting our PoC working.</a:t>
+                </a:r>
+              </a:p>
+              <a:p>
+                <a:r>
+                  <a:rPr lang="en-GB" sz="1000" b="1" i="0" dirty="0">
+                    <a:solidFill>
+                      <a:srgbClr val="F6AB25"/>
+                    </a:solidFill>
+                    <a:effectLst/>
+                  </a:rPr>
+                  <a:t>Pencho </a:t>
+                </a:r>
+                <a:r>
+                  <a:rPr lang="en-GB" sz="1000" b="1" i="0" dirty="0" err="1">
+                    <a:solidFill>
+                      <a:srgbClr val="F6AB25"/>
+                    </a:solidFill>
+                    <a:effectLst/>
+                  </a:rPr>
+                  <a:t>Belneyski</a:t>
+                </a:r>
+                <a:r>
+                  <a:rPr lang="en-GB" sz="1000" i="0" dirty="0">
+                    <a:solidFill>
+                      <a:srgbClr val="F6AB25"/>
+                    </a:solidFill>
+                    <a:effectLst/>
+                  </a:rPr>
+                  <a:t>, Release </a:t>
+                </a:r>
+                <a:r>
+                  <a:rPr lang="en-GB" sz="1000" i="0" dirty="0" err="1">
+                    <a:solidFill>
+                      <a:srgbClr val="F6AB25"/>
+                    </a:solidFill>
+                    <a:effectLst/>
+                  </a:rPr>
+                  <a:t>Mgr</a:t>
+                </a:r>
+                <a:r>
+                  <a:rPr lang="en-GB" sz="1000" i="0" dirty="0">
+                    <a:solidFill>
+                      <a:srgbClr val="F6AB25"/>
+                    </a:solidFill>
+                    <a:effectLst/>
+                  </a:rPr>
+                  <a:t>, The UN</a:t>
+                </a:r>
+                <a:endParaRPr lang="en-GB" sz="1000" dirty="0">
+                  <a:solidFill>
+                    <a:srgbClr val="F6AB25"/>
+                  </a:solidFill>
+                </a:endParaRPr>
+              </a:p>
+            </p:txBody>
+          </p:sp>
+          <p:sp>
+            <p:nvSpPr>
+              <p:cNvPr id="23" name="Oval 22">
+                <a:extLst>
+                  <a:ext uri="{FF2B5EF4-FFF2-40B4-BE49-F238E27FC236}">
+                    <a16:creationId xmlns:a16="http://schemas.microsoft.com/office/drawing/2014/main" id="{48CAE6D1-920E-4DBC-9967-B3D25A5D50DA}"/>
+                  </a:ext>
+                </a:extLst>
+              </p:cNvPr>
+              <p:cNvSpPr/>
+              <p:nvPr/>
+            </p:nvSpPr>
+            <p:spPr>
+              <a:xfrm>
+                <a:off x="3429000" y="681427"/>
+                <a:ext cx="975360" cy="975360"/>
+              </a:xfrm>
+              <a:prstGeom prst="ellipse">
+                <a:avLst/>
+              </a:prstGeom>
+              <a:blipFill dpi="0" rotWithShape="1">
+                <a:blip r:embed="rId7">
                   <a:extLst>
                     <a:ext uri="{28A0092B-C50C-407E-A947-70E740481C1C}">
                       <a14:useLocalDpi xmlns:a14="http://schemas.microsoft.com/office/drawing/2010/main" val="0"/>
                     </a:ext>
                   </a:extLst>
                 </a:blip>
-                <a:srcRect l="21803" t="-82" r="66028" b="96998"/>
-                <a:stretch/>
-              </p:blipFill>
-              <p:spPr>
-                <a:xfrm>
-                  <a:off x="3434950" y="2370629"/>
-                  <a:ext cx="676491" cy="182457"/>
-                </a:xfrm>
-                <a:prstGeom prst="rect">
-                  <a:avLst/>
-                </a:prstGeom>
-              </p:spPr>
-            </p:pic>
-            <p:pic>
-              <p:nvPicPr>
-                <p:cNvPr id="168" name="Picture 167" descr="A picture containing graphical user interface&#10;&#10;Description automatically generated">
-                  <a:extLst>
-                    <a:ext uri="{FF2B5EF4-FFF2-40B4-BE49-F238E27FC236}">
-                      <a16:creationId xmlns:a16="http://schemas.microsoft.com/office/drawing/2014/main" id="{543B711A-C743-9967-8553-D7788809C342}"/>
-                    </a:ext>
-                  </a:extLst>
-                </p:cNvPr>
-                <p:cNvPicPr>
-                  <a:picLocks noChangeAspect="1"/>
-                </p:cNvPicPr>
-                <p:nvPr/>
-              </p:nvPicPr>
-              <p:blipFill rotWithShape="1">
-                <a:blip r:embed="rId19">
+                <a:srcRect/>
+                <a:stretch>
+                  <a:fillRect/>
+                </a:stretch>
+              </a:blipFill>
+              <a:ln w="57150">
+                <a:solidFill>
+                  <a:srgbClr val="F6AB25"/>
+                </a:solidFill>
+              </a:ln>
+            </p:spPr>
+            <p:style>
+              <a:lnRef idx="2">
+                <a:schemeClr val="accent1">
+                  <a:shade val="50000"/>
+                </a:schemeClr>
+              </a:lnRef>
+              <a:fillRef idx="1">
+                <a:schemeClr val="accent1"/>
+              </a:fillRef>
+              <a:effectRef idx="0">
+                <a:schemeClr val="accent1"/>
+              </a:effectRef>
+              <a:fontRef idx="minor">
+                <a:schemeClr val="lt1"/>
+              </a:fontRef>
+            </p:style>
+            <p:txBody>
+              <a:bodyPr rtlCol="0" anchor="ctr"/>
+              <a:lstStyle/>
+              <a:p>
+                <a:pPr algn="ctr"/>
+                <a:endParaRPr lang="en-GB"/>
+              </a:p>
+            </p:txBody>
+          </p:sp>
+        </p:grpSp>
+      </p:grpSp>
+      <p:grpSp>
+        <p:nvGrpSpPr>
+          <p:cNvPr id="27" name="Group 26">
+            <a:extLst>
+              <a:ext uri="{FF2B5EF4-FFF2-40B4-BE49-F238E27FC236}">
+                <a16:creationId xmlns:a16="http://schemas.microsoft.com/office/drawing/2014/main" id="{4CDD2CF5-B3FF-9636-22F6-D59E075CADD3}"/>
+              </a:ext>
+            </a:extLst>
+          </p:cNvPr>
+          <p:cNvGrpSpPr/>
+          <p:nvPr/>
+        </p:nvGrpSpPr>
+        <p:grpSpPr>
+          <a:xfrm>
+            <a:off x="142077" y="7802499"/>
+            <a:ext cx="3222153" cy="975360"/>
+            <a:chOff x="206847" y="681427"/>
+            <a:chExt cx="3222153" cy="975360"/>
+          </a:xfrm>
+        </p:grpSpPr>
+        <p:sp>
+          <p:nvSpPr>
+            <p:cNvPr id="31" name="Rectangle 30">
+              <a:extLst>
+                <a:ext uri="{FF2B5EF4-FFF2-40B4-BE49-F238E27FC236}">
+                  <a16:creationId xmlns:a16="http://schemas.microsoft.com/office/drawing/2014/main" id="{C67E0823-69FA-F950-967E-BD5C2D1DA64B}"/>
+                </a:ext>
+              </a:extLst>
+            </p:cNvPr>
+            <p:cNvSpPr/>
+            <p:nvPr/>
+          </p:nvSpPr>
+          <p:spPr>
+            <a:xfrm>
+              <a:off x="1150620" y="681427"/>
+              <a:ext cx="2278380" cy="975360"/>
+            </a:xfrm>
+            <a:prstGeom prst="rect">
+              <a:avLst/>
+            </a:prstGeom>
+            <a:solidFill>
+              <a:srgbClr val="262F3B"/>
+            </a:solidFill>
+            <a:ln>
+              <a:noFill/>
+            </a:ln>
+          </p:spPr>
+          <p:style>
+            <a:lnRef idx="2">
+              <a:schemeClr val="accent1">
+                <a:shade val="50000"/>
+              </a:schemeClr>
+            </a:lnRef>
+            <a:fillRef idx="1">
+              <a:schemeClr val="accent1"/>
+            </a:fillRef>
+            <a:effectRef idx="0">
+              <a:schemeClr val="accent1"/>
+            </a:effectRef>
+            <a:fontRef idx="minor">
+              <a:schemeClr val="lt1"/>
+            </a:fontRef>
+          </p:style>
+          <p:txBody>
+            <a:bodyPr rtlCol="0" anchor="ctr"/>
+            <a:lstStyle/>
+            <a:p>
+              <a:r>
+                <a:rPr lang="en-GB" sz="1000" b="0" i="0" dirty="0">
+                  <a:solidFill>
+                    <a:schemeClr val="bg1"/>
+                  </a:solidFill>
+                  <a:effectLst/>
+                </a:rPr>
+                <a:t>Within a few minutes, it was apparent Alex knew his stuff. Alex knew to ask the right questions to ensure the solution would work. He could easily have force fed a solution, but he didn’t.</a:t>
+              </a:r>
+            </a:p>
+            <a:p>
+              <a:r>
+                <a:rPr lang="en-GB" sz="1000" b="1" dirty="0">
+                  <a:solidFill>
+                    <a:srgbClr val="F6AB25"/>
+                  </a:solidFill>
+                </a:rPr>
+                <a:t>Bob Walker</a:t>
+              </a:r>
+              <a:r>
+                <a:rPr lang="en-GB" sz="1000" dirty="0">
+                  <a:solidFill>
+                    <a:srgbClr val="F6AB25"/>
+                  </a:solidFill>
+                </a:rPr>
+                <a:t>, FCSA and Octopus Deploy</a:t>
+              </a:r>
+            </a:p>
+          </p:txBody>
+        </p:sp>
+        <p:sp>
+          <p:nvSpPr>
+            <p:cNvPr id="32" name="Oval 31">
+              <a:extLst>
+                <a:ext uri="{FF2B5EF4-FFF2-40B4-BE49-F238E27FC236}">
+                  <a16:creationId xmlns:a16="http://schemas.microsoft.com/office/drawing/2014/main" id="{8BC5A496-35D7-92B0-7AF1-D05A95971DBA}"/>
+                </a:ext>
+              </a:extLst>
+            </p:cNvPr>
+            <p:cNvSpPr/>
+            <p:nvPr/>
+          </p:nvSpPr>
+          <p:spPr>
+            <a:xfrm>
+              <a:off x="206847" y="681427"/>
+              <a:ext cx="975360" cy="975360"/>
+            </a:xfrm>
+            <a:prstGeom prst="ellipse">
+              <a:avLst/>
+            </a:prstGeom>
+            <a:blipFill dpi="0" rotWithShape="1">
+              <a:blip r:embed="rId8">
+                <a:extLst>
+                  <a:ext uri="{28A0092B-C50C-407E-A947-70E740481C1C}">
+                    <a14:useLocalDpi xmlns:a14="http://schemas.microsoft.com/office/drawing/2010/main" val="0"/>
+                  </a:ext>
+                </a:extLst>
+              </a:blip>
+              <a:srcRect/>
+              <a:stretch>
+                <a:fillRect/>
+              </a:stretch>
+            </a:blipFill>
+            <a:ln w="57150">
+              <a:solidFill>
+                <a:srgbClr val="F6AB25"/>
+              </a:solidFill>
+            </a:ln>
+          </p:spPr>
+          <p:style>
+            <a:lnRef idx="2">
+              <a:schemeClr val="accent1">
+                <a:shade val="50000"/>
+              </a:schemeClr>
+            </a:lnRef>
+            <a:fillRef idx="1">
+              <a:schemeClr val="accent1"/>
+            </a:fillRef>
+            <a:effectRef idx="0">
+              <a:schemeClr val="accent1"/>
+            </a:effectRef>
+            <a:fontRef idx="minor">
+              <a:schemeClr val="lt1"/>
+            </a:fontRef>
+          </p:style>
+          <p:txBody>
+            <a:bodyPr rtlCol="0" anchor="ctr"/>
+            <a:lstStyle/>
+            <a:p>
+              <a:pPr algn="ctr"/>
+              <a:endParaRPr lang="en-GB" dirty="0"/>
+            </a:p>
+          </p:txBody>
+        </p:sp>
+      </p:grpSp>
+      <p:grpSp>
+        <p:nvGrpSpPr>
+          <p:cNvPr id="28" name="Group 27">
+            <a:extLst>
+              <a:ext uri="{FF2B5EF4-FFF2-40B4-BE49-F238E27FC236}">
+                <a16:creationId xmlns:a16="http://schemas.microsoft.com/office/drawing/2014/main" id="{61E9D7FC-D9E5-C212-16E1-A688324F6CDF}"/>
+              </a:ext>
+            </a:extLst>
+          </p:cNvPr>
+          <p:cNvGrpSpPr/>
+          <p:nvPr/>
+        </p:nvGrpSpPr>
+        <p:grpSpPr>
+          <a:xfrm>
+            <a:off x="3491393" y="5685911"/>
+            <a:ext cx="3222153" cy="975360"/>
+            <a:chOff x="3429000" y="681427"/>
+            <a:chExt cx="3222153" cy="975360"/>
+          </a:xfrm>
+        </p:grpSpPr>
+        <p:sp>
+          <p:nvSpPr>
+            <p:cNvPr id="29" name="Rectangle 28">
+              <a:extLst>
+                <a:ext uri="{FF2B5EF4-FFF2-40B4-BE49-F238E27FC236}">
+                  <a16:creationId xmlns:a16="http://schemas.microsoft.com/office/drawing/2014/main" id="{E94BB3F5-2E22-DBBB-B939-7B3A2CDC1952}"/>
+                </a:ext>
+              </a:extLst>
+            </p:cNvPr>
+            <p:cNvSpPr/>
+            <p:nvPr/>
+          </p:nvSpPr>
+          <p:spPr>
+            <a:xfrm>
+              <a:off x="4372773" y="681427"/>
+              <a:ext cx="2278380" cy="975360"/>
+            </a:xfrm>
+            <a:prstGeom prst="rect">
+              <a:avLst/>
+            </a:prstGeom>
+            <a:solidFill>
+              <a:srgbClr val="262F3B"/>
+            </a:solidFill>
+            <a:ln>
+              <a:noFill/>
+            </a:ln>
+          </p:spPr>
+          <p:style>
+            <a:lnRef idx="2">
+              <a:schemeClr val="accent1">
+                <a:shade val="50000"/>
+              </a:schemeClr>
+            </a:lnRef>
+            <a:fillRef idx="1">
+              <a:schemeClr val="accent1"/>
+            </a:fillRef>
+            <a:effectRef idx="0">
+              <a:schemeClr val="accent1"/>
+            </a:effectRef>
+            <a:fontRef idx="minor">
+              <a:schemeClr val="lt1"/>
+            </a:fontRef>
+          </p:style>
+          <p:txBody>
+            <a:bodyPr rtlCol="0" anchor="ctr"/>
+            <a:lstStyle/>
+            <a:p>
+              <a:r>
+                <a:rPr lang="en-GB" sz="1000" b="0" i="0" dirty="0">
+                  <a:solidFill>
+                    <a:schemeClr val="bg1"/>
+                  </a:solidFill>
+                  <a:effectLst/>
+                </a:rPr>
+                <a:t>Alex is extremely knowledgeable as well as very easy to work with. Regardless if he was dealing with DBAs, developers, or managers, he conveyed important concepts and key take aways.</a:t>
+              </a:r>
+            </a:p>
+            <a:p>
+              <a:r>
+                <a:rPr lang="en-GB" sz="1000" b="1" i="0" dirty="0">
+                  <a:solidFill>
+                    <a:srgbClr val="F6AB25"/>
+                  </a:solidFill>
+                  <a:effectLst/>
+                </a:rPr>
+                <a:t>J. Morehouse</a:t>
+              </a:r>
+              <a:r>
+                <a:rPr lang="en-GB" sz="1000" i="0" dirty="0">
+                  <a:solidFill>
+                    <a:srgbClr val="F6AB25"/>
+                  </a:solidFill>
+                  <a:effectLst/>
+                </a:rPr>
+                <a:t>, Prin. Consultant, DCAC</a:t>
+              </a:r>
+              <a:endParaRPr lang="en-GB" sz="1000" dirty="0">
+                <a:solidFill>
+                  <a:srgbClr val="F6AB25"/>
+                </a:solidFill>
+              </a:endParaRPr>
+            </a:p>
+          </p:txBody>
+        </p:sp>
+        <p:sp>
+          <p:nvSpPr>
+            <p:cNvPr id="30" name="Oval 29">
+              <a:extLst>
+                <a:ext uri="{FF2B5EF4-FFF2-40B4-BE49-F238E27FC236}">
+                  <a16:creationId xmlns:a16="http://schemas.microsoft.com/office/drawing/2014/main" id="{C8B94777-DC1A-7ECD-7336-01E9C20AE649}"/>
+                </a:ext>
+              </a:extLst>
+            </p:cNvPr>
+            <p:cNvSpPr/>
+            <p:nvPr/>
+          </p:nvSpPr>
+          <p:spPr>
+            <a:xfrm>
+              <a:off x="3429000" y="681427"/>
+              <a:ext cx="975360" cy="975360"/>
+            </a:xfrm>
+            <a:prstGeom prst="ellipse">
+              <a:avLst/>
+            </a:prstGeom>
+            <a:blipFill dpi="0" rotWithShape="1">
+              <a:blip r:embed="rId9">
+                <a:extLst>
+                  <a:ext uri="{28A0092B-C50C-407E-A947-70E740481C1C}">
+                    <a14:useLocalDpi xmlns:a14="http://schemas.microsoft.com/office/drawing/2010/main" val="0"/>
+                  </a:ext>
+                </a:extLst>
+              </a:blip>
+              <a:srcRect/>
+              <a:stretch>
+                <a:fillRect/>
+              </a:stretch>
+            </a:blipFill>
+            <a:ln w="57150">
+              <a:solidFill>
+                <a:srgbClr val="F6AB25"/>
+              </a:solidFill>
+            </a:ln>
+          </p:spPr>
+          <p:style>
+            <a:lnRef idx="2">
+              <a:schemeClr val="accent1">
+                <a:shade val="50000"/>
+              </a:schemeClr>
+            </a:lnRef>
+            <a:fillRef idx="1">
+              <a:schemeClr val="accent1"/>
+            </a:fillRef>
+            <a:effectRef idx="0">
+              <a:schemeClr val="accent1"/>
+            </a:effectRef>
+            <a:fontRef idx="minor">
+              <a:schemeClr val="lt1"/>
+            </a:fontRef>
+          </p:style>
+          <p:txBody>
+            <a:bodyPr rtlCol="0" anchor="ctr"/>
+            <a:lstStyle/>
+            <a:p>
+              <a:pPr algn="ctr"/>
+              <a:endParaRPr lang="en-GB" dirty="0"/>
+            </a:p>
+          </p:txBody>
+        </p:sp>
+      </p:grpSp>
+      <p:grpSp>
+        <p:nvGrpSpPr>
+          <p:cNvPr id="34" name="Group 33">
+            <a:extLst>
+              <a:ext uri="{FF2B5EF4-FFF2-40B4-BE49-F238E27FC236}">
+                <a16:creationId xmlns:a16="http://schemas.microsoft.com/office/drawing/2014/main" id="{44EBA5B7-7C68-841C-FE0E-DABF84DB856E}"/>
+              </a:ext>
+            </a:extLst>
+          </p:cNvPr>
+          <p:cNvGrpSpPr/>
+          <p:nvPr/>
+        </p:nvGrpSpPr>
+        <p:grpSpPr>
+          <a:xfrm>
+            <a:off x="3479800" y="7802499"/>
+            <a:ext cx="3222153" cy="975360"/>
+            <a:chOff x="206847" y="681427"/>
+            <a:chExt cx="3222153" cy="975360"/>
+          </a:xfrm>
+        </p:grpSpPr>
+        <p:sp>
+          <p:nvSpPr>
+            <p:cNvPr id="38" name="Rectangle 37">
+              <a:extLst>
+                <a:ext uri="{FF2B5EF4-FFF2-40B4-BE49-F238E27FC236}">
+                  <a16:creationId xmlns:a16="http://schemas.microsoft.com/office/drawing/2014/main" id="{90165108-6B7B-CB45-D3B1-3377EDF279AE}"/>
+                </a:ext>
+              </a:extLst>
+            </p:cNvPr>
+            <p:cNvSpPr/>
+            <p:nvPr/>
+          </p:nvSpPr>
+          <p:spPr>
+            <a:xfrm>
+              <a:off x="1150620" y="681427"/>
+              <a:ext cx="2278380" cy="975360"/>
+            </a:xfrm>
+            <a:prstGeom prst="rect">
+              <a:avLst/>
+            </a:prstGeom>
+            <a:solidFill>
+              <a:srgbClr val="262F3B"/>
+            </a:solidFill>
+            <a:ln>
+              <a:noFill/>
+            </a:ln>
+          </p:spPr>
+          <p:style>
+            <a:lnRef idx="2">
+              <a:schemeClr val="accent1">
+                <a:shade val="50000"/>
+              </a:schemeClr>
+            </a:lnRef>
+            <a:fillRef idx="1">
+              <a:schemeClr val="accent1"/>
+            </a:fillRef>
+            <a:effectRef idx="0">
+              <a:schemeClr val="accent1"/>
+            </a:effectRef>
+            <a:fontRef idx="minor">
+              <a:schemeClr val="lt1"/>
+            </a:fontRef>
+          </p:style>
+          <p:txBody>
+            <a:bodyPr rtlCol="0" anchor="ctr"/>
+            <a:lstStyle/>
+            <a:p>
+              <a:r>
+                <a:rPr lang="en-GB" sz="1000" b="0" i="0" dirty="0">
+                  <a:solidFill>
+                    <a:schemeClr val="bg1"/>
+                  </a:solidFill>
+                  <a:effectLst/>
+                </a:rPr>
+                <a:t>Alex impressed me with his profound insight into a broad range of CI products on the market. He takes pride in his integrity and informed advice. True asset on any team.</a:t>
+              </a:r>
+            </a:p>
+            <a:p>
+              <a:r>
+                <a:rPr lang="en-GB" sz="1000" b="1" dirty="0">
+                  <a:solidFill>
+                    <a:srgbClr val="F6AB25"/>
+                  </a:solidFill>
+                </a:rPr>
+                <a:t>D. </a:t>
+              </a:r>
+              <a:r>
+                <a:rPr lang="en-GB" sz="1000" b="1" dirty="0" err="1">
+                  <a:solidFill>
+                    <a:srgbClr val="F6AB25"/>
+                  </a:solidFill>
+                </a:rPr>
+                <a:t>Andriychenko</a:t>
+              </a:r>
+              <a:r>
+                <a:rPr lang="en-GB" sz="1000" dirty="0">
+                  <a:solidFill>
+                    <a:srgbClr val="F6AB25"/>
+                  </a:solidFill>
+                </a:rPr>
+                <a:t>, Lead Dev, Rabobank</a:t>
+              </a:r>
+            </a:p>
+          </p:txBody>
+        </p:sp>
+        <p:sp>
+          <p:nvSpPr>
+            <p:cNvPr id="39" name="Oval 38">
+              <a:extLst>
+                <a:ext uri="{FF2B5EF4-FFF2-40B4-BE49-F238E27FC236}">
+                  <a16:creationId xmlns:a16="http://schemas.microsoft.com/office/drawing/2014/main" id="{D745EFBA-3F59-096F-D07B-AF26A6301E73}"/>
+                </a:ext>
+              </a:extLst>
+            </p:cNvPr>
+            <p:cNvSpPr/>
+            <p:nvPr/>
+          </p:nvSpPr>
+          <p:spPr>
+            <a:xfrm>
+              <a:off x="206847" y="681427"/>
+              <a:ext cx="975360" cy="975360"/>
+            </a:xfrm>
+            <a:prstGeom prst="ellipse">
+              <a:avLst/>
+            </a:prstGeom>
+            <a:blipFill dpi="0" rotWithShape="1">
+              <a:blip r:embed="rId10">
+                <a:extLst>
+                  <a:ext uri="{28A0092B-C50C-407E-A947-70E740481C1C}">
+                    <a14:useLocalDpi xmlns:a14="http://schemas.microsoft.com/office/drawing/2010/main" val="0"/>
+                  </a:ext>
+                </a:extLst>
+              </a:blip>
+              <a:srcRect/>
+              <a:stretch>
+                <a:fillRect/>
+              </a:stretch>
+            </a:blipFill>
+            <a:ln w="57150">
+              <a:solidFill>
+                <a:srgbClr val="F6AB25"/>
+              </a:solidFill>
+            </a:ln>
+          </p:spPr>
+          <p:style>
+            <a:lnRef idx="2">
+              <a:schemeClr val="accent1">
+                <a:shade val="50000"/>
+              </a:schemeClr>
+            </a:lnRef>
+            <a:fillRef idx="1">
+              <a:schemeClr val="accent1"/>
+            </a:fillRef>
+            <a:effectRef idx="0">
+              <a:schemeClr val="accent1"/>
+            </a:effectRef>
+            <a:fontRef idx="minor">
+              <a:schemeClr val="lt1"/>
+            </a:fontRef>
+          </p:style>
+          <p:txBody>
+            <a:bodyPr rtlCol="0" anchor="ctr"/>
+            <a:lstStyle/>
+            <a:p>
+              <a:pPr algn="ctr"/>
+              <a:endParaRPr lang="en-GB" dirty="0"/>
+            </a:p>
+          </p:txBody>
+        </p:sp>
+      </p:grpSp>
+      <p:grpSp>
+        <p:nvGrpSpPr>
+          <p:cNvPr id="35" name="Group 34">
+            <a:extLst>
+              <a:ext uri="{FF2B5EF4-FFF2-40B4-BE49-F238E27FC236}">
+                <a16:creationId xmlns:a16="http://schemas.microsoft.com/office/drawing/2014/main" id="{D6727DC3-C0CD-F24C-7FA5-B8FFFD615DAA}"/>
+              </a:ext>
+            </a:extLst>
+          </p:cNvPr>
+          <p:cNvGrpSpPr/>
+          <p:nvPr/>
+        </p:nvGrpSpPr>
+        <p:grpSpPr>
+          <a:xfrm>
+            <a:off x="3491393" y="6744205"/>
+            <a:ext cx="3222153" cy="975360"/>
+            <a:chOff x="3429000" y="681427"/>
+            <a:chExt cx="3222153" cy="975360"/>
+          </a:xfrm>
+        </p:grpSpPr>
+        <p:sp>
+          <p:nvSpPr>
+            <p:cNvPr id="36" name="Rectangle 35">
+              <a:extLst>
+                <a:ext uri="{FF2B5EF4-FFF2-40B4-BE49-F238E27FC236}">
+                  <a16:creationId xmlns:a16="http://schemas.microsoft.com/office/drawing/2014/main" id="{35D645A3-8DD3-0B6A-9E1C-ED78B8A1E66E}"/>
+                </a:ext>
+              </a:extLst>
+            </p:cNvPr>
+            <p:cNvSpPr/>
+            <p:nvPr/>
+          </p:nvSpPr>
+          <p:spPr>
+            <a:xfrm>
+              <a:off x="4372773" y="681427"/>
+              <a:ext cx="2278380" cy="975360"/>
+            </a:xfrm>
+            <a:prstGeom prst="rect">
+              <a:avLst/>
+            </a:prstGeom>
+            <a:solidFill>
+              <a:srgbClr val="262F3B"/>
+            </a:solidFill>
+            <a:ln>
+              <a:noFill/>
+            </a:ln>
+          </p:spPr>
+          <p:style>
+            <a:lnRef idx="2">
+              <a:schemeClr val="accent1">
+                <a:shade val="50000"/>
+              </a:schemeClr>
+            </a:lnRef>
+            <a:fillRef idx="1">
+              <a:schemeClr val="accent1"/>
+            </a:fillRef>
+            <a:effectRef idx="0">
+              <a:schemeClr val="accent1"/>
+            </a:effectRef>
+            <a:fontRef idx="minor">
+              <a:schemeClr val="lt1"/>
+            </a:fontRef>
+          </p:style>
+          <p:txBody>
+            <a:bodyPr rtlCol="0" anchor="ctr"/>
+            <a:lstStyle/>
+            <a:p>
+              <a:r>
+                <a:rPr lang="en-GB" sz="1000" b="0" i="0" dirty="0">
+                  <a:solidFill>
+                    <a:schemeClr val="bg1"/>
+                  </a:solidFill>
+                  <a:effectLst/>
+                </a:rPr>
+                <a:t>Alex’s knowledge and experience is exemplary. His workshop delivery is both enjoyable and educational. I met all my objectives, confidently reprising the exercises on my own systems.</a:t>
+              </a:r>
+            </a:p>
+            <a:p>
+              <a:r>
+                <a:rPr lang="en-GB" sz="1000" b="1" i="0" dirty="0">
+                  <a:solidFill>
+                    <a:srgbClr val="F6AB25"/>
+                  </a:solidFill>
+                  <a:effectLst/>
+                </a:rPr>
+                <a:t>Rae Ellingham</a:t>
+              </a:r>
+              <a:r>
+                <a:rPr lang="en-GB" sz="1000" i="0" dirty="0">
+                  <a:solidFill>
+                    <a:srgbClr val="F6AB25"/>
+                  </a:solidFill>
+                  <a:effectLst/>
+                </a:rPr>
+                <a:t>, Snr Dev, Car Care Plan</a:t>
+              </a:r>
+              <a:endParaRPr lang="en-GB" sz="1000" dirty="0">
+                <a:solidFill>
+                  <a:srgbClr val="F6AB25"/>
+                </a:solidFill>
+              </a:endParaRPr>
+            </a:p>
+          </p:txBody>
+        </p:sp>
+        <p:sp>
+          <p:nvSpPr>
+            <p:cNvPr id="37" name="Oval 36">
+              <a:extLst>
+                <a:ext uri="{FF2B5EF4-FFF2-40B4-BE49-F238E27FC236}">
+                  <a16:creationId xmlns:a16="http://schemas.microsoft.com/office/drawing/2014/main" id="{09131D27-BEC7-E021-F0F2-2E93E48CBD76}"/>
+                </a:ext>
+              </a:extLst>
+            </p:cNvPr>
+            <p:cNvSpPr/>
+            <p:nvPr/>
+          </p:nvSpPr>
+          <p:spPr>
+            <a:xfrm>
+              <a:off x="3429000" y="681427"/>
+              <a:ext cx="975360" cy="975360"/>
+            </a:xfrm>
+            <a:prstGeom prst="ellipse">
+              <a:avLst/>
+            </a:prstGeom>
+            <a:blipFill dpi="0" rotWithShape="1">
+              <a:blip r:embed="rId11">
+                <a:extLst>
+                  <a:ext uri="{28A0092B-C50C-407E-A947-70E740481C1C}">
+                    <a14:useLocalDpi xmlns:a14="http://schemas.microsoft.com/office/drawing/2010/main" val="0"/>
+                  </a:ext>
+                </a:extLst>
+              </a:blip>
+              <a:srcRect/>
+              <a:stretch>
+                <a:fillRect/>
+              </a:stretch>
+            </a:blipFill>
+            <a:ln w="57150">
+              <a:solidFill>
+                <a:srgbClr val="F6AB25"/>
+              </a:solidFill>
+            </a:ln>
+          </p:spPr>
+          <p:style>
+            <a:lnRef idx="2">
+              <a:schemeClr val="accent1">
+                <a:shade val="50000"/>
+              </a:schemeClr>
+            </a:lnRef>
+            <a:fillRef idx="1">
+              <a:schemeClr val="accent1"/>
+            </a:fillRef>
+            <a:effectRef idx="0">
+              <a:schemeClr val="accent1"/>
+            </a:effectRef>
+            <a:fontRef idx="minor">
+              <a:schemeClr val="lt1"/>
+            </a:fontRef>
+          </p:style>
+          <p:txBody>
+            <a:bodyPr rtlCol="0" anchor="ctr"/>
+            <a:lstStyle/>
+            <a:p>
+              <a:pPr algn="ctr"/>
+              <a:endParaRPr lang="en-GB" dirty="0"/>
+            </a:p>
+          </p:txBody>
+        </p:sp>
+      </p:grpSp>
+      <p:grpSp>
+        <p:nvGrpSpPr>
+          <p:cNvPr id="41" name="Group 40">
+            <a:extLst>
+              <a:ext uri="{FF2B5EF4-FFF2-40B4-BE49-F238E27FC236}">
+                <a16:creationId xmlns:a16="http://schemas.microsoft.com/office/drawing/2014/main" id="{72408511-63F4-3417-EAC2-03B44B726F4B}"/>
+              </a:ext>
+            </a:extLst>
+          </p:cNvPr>
+          <p:cNvGrpSpPr/>
+          <p:nvPr/>
+        </p:nvGrpSpPr>
+        <p:grpSpPr>
+          <a:xfrm>
+            <a:off x="3493770" y="2511029"/>
+            <a:ext cx="3222153" cy="975360"/>
+            <a:chOff x="206847" y="681427"/>
+            <a:chExt cx="3222153" cy="975360"/>
+          </a:xfrm>
+        </p:grpSpPr>
+        <p:sp>
+          <p:nvSpPr>
+            <p:cNvPr id="45" name="Rectangle 44">
+              <a:extLst>
+                <a:ext uri="{FF2B5EF4-FFF2-40B4-BE49-F238E27FC236}">
+                  <a16:creationId xmlns:a16="http://schemas.microsoft.com/office/drawing/2014/main" id="{304CCCF9-2F0D-ADBE-886E-CFE308CC3C52}"/>
+                </a:ext>
+              </a:extLst>
+            </p:cNvPr>
+            <p:cNvSpPr/>
+            <p:nvPr/>
+          </p:nvSpPr>
+          <p:spPr>
+            <a:xfrm>
+              <a:off x="1150620" y="681427"/>
+              <a:ext cx="2278380" cy="975360"/>
+            </a:xfrm>
+            <a:prstGeom prst="rect">
+              <a:avLst/>
+            </a:prstGeom>
+            <a:solidFill>
+              <a:srgbClr val="262F3B"/>
+            </a:solidFill>
+            <a:ln>
+              <a:noFill/>
+            </a:ln>
+          </p:spPr>
+          <p:style>
+            <a:lnRef idx="2">
+              <a:schemeClr val="accent1">
+                <a:shade val="50000"/>
+              </a:schemeClr>
+            </a:lnRef>
+            <a:fillRef idx="1">
+              <a:schemeClr val="accent1"/>
+            </a:fillRef>
+            <a:effectRef idx="0">
+              <a:schemeClr val="accent1"/>
+            </a:effectRef>
+            <a:fontRef idx="minor">
+              <a:schemeClr val="lt1"/>
+            </a:fontRef>
+          </p:style>
+          <p:txBody>
+            <a:bodyPr rtlCol="0" anchor="ctr"/>
+            <a:lstStyle/>
+            <a:p>
+              <a:r>
+                <a:rPr lang="en-GB" sz="1000" b="0" i="0" dirty="0">
+                  <a:solidFill>
+                    <a:schemeClr val="bg1"/>
+                  </a:solidFill>
+                  <a:effectLst/>
+                </a:rPr>
+                <a:t>Alex is like a good teacher, he really wants you to understand how things work and he teaches patiently. He just wanted me to understand and make the product work.</a:t>
+              </a:r>
+            </a:p>
+            <a:p>
+              <a:r>
+                <a:rPr lang="en-GB" sz="1000" b="1" dirty="0">
+                  <a:solidFill>
+                    <a:srgbClr val="F6AB25"/>
+                  </a:solidFill>
+                </a:rPr>
+                <a:t>Sjors Takes</a:t>
+              </a:r>
+              <a:r>
+                <a:rPr lang="en-GB" sz="1000" dirty="0">
+                  <a:solidFill>
+                    <a:srgbClr val="F6AB25"/>
+                  </a:solidFill>
+                </a:rPr>
+                <a:t>, Senior DBA, </a:t>
+              </a:r>
+              <a:r>
+                <a:rPr lang="en-GB" sz="1000" dirty="0" err="1">
+                  <a:solidFill>
+                    <a:srgbClr val="F6AB25"/>
+                  </a:solidFill>
+                </a:rPr>
+                <a:t>AlbumPrinter</a:t>
+              </a:r>
+              <a:endParaRPr lang="en-GB" sz="1000" dirty="0">
+                <a:solidFill>
+                  <a:srgbClr val="F6AB25"/>
+                </a:solidFill>
+              </a:endParaRPr>
+            </a:p>
+          </p:txBody>
+        </p:sp>
+        <p:sp>
+          <p:nvSpPr>
+            <p:cNvPr id="46" name="Oval 45">
+              <a:extLst>
+                <a:ext uri="{FF2B5EF4-FFF2-40B4-BE49-F238E27FC236}">
+                  <a16:creationId xmlns:a16="http://schemas.microsoft.com/office/drawing/2014/main" id="{EA482E18-8E39-1C03-F608-1F2B6A552B1C}"/>
+                </a:ext>
+              </a:extLst>
+            </p:cNvPr>
+            <p:cNvSpPr/>
+            <p:nvPr/>
+          </p:nvSpPr>
+          <p:spPr>
+            <a:xfrm>
+              <a:off x="206847" y="681427"/>
+              <a:ext cx="975360" cy="975360"/>
+            </a:xfrm>
+            <a:prstGeom prst="ellipse">
+              <a:avLst/>
+            </a:prstGeom>
+            <a:blipFill dpi="0" rotWithShape="1">
+              <a:blip r:embed="rId12">
+                <a:extLst>
+                  <a:ext uri="{28A0092B-C50C-407E-A947-70E740481C1C}">
+                    <a14:useLocalDpi xmlns:a14="http://schemas.microsoft.com/office/drawing/2010/main" val="0"/>
+                  </a:ext>
+                </a:extLst>
+              </a:blip>
+              <a:srcRect/>
+              <a:stretch>
+                <a:fillRect/>
+              </a:stretch>
+            </a:blipFill>
+            <a:ln w="57150">
+              <a:solidFill>
+                <a:srgbClr val="CC0000"/>
+              </a:solidFill>
+            </a:ln>
+          </p:spPr>
+          <p:style>
+            <a:lnRef idx="2">
+              <a:schemeClr val="accent1">
+                <a:shade val="50000"/>
+              </a:schemeClr>
+            </a:lnRef>
+            <a:fillRef idx="1">
+              <a:schemeClr val="accent1"/>
+            </a:fillRef>
+            <a:effectRef idx="0">
+              <a:schemeClr val="accent1"/>
+            </a:effectRef>
+            <a:fontRef idx="minor">
+              <a:schemeClr val="lt1"/>
+            </a:fontRef>
+          </p:style>
+          <p:txBody>
+            <a:bodyPr rtlCol="0" anchor="ctr"/>
+            <a:lstStyle/>
+            <a:p>
+              <a:pPr algn="ctr"/>
+              <a:endParaRPr lang="en-GB" dirty="0"/>
+            </a:p>
+          </p:txBody>
+        </p:sp>
+      </p:grpSp>
+      <p:grpSp>
+        <p:nvGrpSpPr>
+          <p:cNvPr id="42" name="Group 41">
+            <a:extLst>
+              <a:ext uri="{FF2B5EF4-FFF2-40B4-BE49-F238E27FC236}">
+                <a16:creationId xmlns:a16="http://schemas.microsoft.com/office/drawing/2014/main" id="{9AB226A2-B4C3-B0B5-6EB4-D69A0BC38F43}"/>
+              </a:ext>
+            </a:extLst>
+          </p:cNvPr>
+          <p:cNvGrpSpPr/>
+          <p:nvPr/>
+        </p:nvGrpSpPr>
+        <p:grpSpPr>
+          <a:xfrm>
+            <a:off x="142077" y="5685911"/>
+            <a:ext cx="3222153" cy="975360"/>
+            <a:chOff x="3429000" y="681427"/>
+            <a:chExt cx="3222153" cy="975360"/>
+          </a:xfrm>
+        </p:grpSpPr>
+        <p:sp>
+          <p:nvSpPr>
+            <p:cNvPr id="43" name="Rectangle 42">
+              <a:extLst>
+                <a:ext uri="{FF2B5EF4-FFF2-40B4-BE49-F238E27FC236}">
+                  <a16:creationId xmlns:a16="http://schemas.microsoft.com/office/drawing/2014/main" id="{646BE6A0-1C3E-10E0-4B53-D07A5FD9A3D7}"/>
+                </a:ext>
+              </a:extLst>
+            </p:cNvPr>
+            <p:cNvSpPr/>
+            <p:nvPr/>
+          </p:nvSpPr>
+          <p:spPr>
+            <a:xfrm>
+              <a:off x="4372773" y="681427"/>
+              <a:ext cx="2278380" cy="975360"/>
+            </a:xfrm>
+            <a:prstGeom prst="rect">
+              <a:avLst/>
+            </a:prstGeom>
+            <a:solidFill>
+              <a:srgbClr val="262F3B"/>
+            </a:solidFill>
+            <a:ln>
+              <a:noFill/>
+            </a:ln>
+          </p:spPr>
+          <p:style>
+            <a:lnRef idx="2">
+              <a:schemeClr val="accent1">
+                <a:shade val="50000"/>
+              </a:schemeClr>
+            </a:lnRef>
+            <a:fillRef idx="1">
+              <a:schemeClr val="accent1"/>
+            </a:fillRef>
+            <a:effectRef idx="0">
+              <a:schemeClr val="accent1"/>
+            </a:effectRef>
+            <a:fontRef idx="minor">
+              <a:schemeClr val="lt1"/>
+            </a:fontRef>
+          </p:style>
+          <p:txBody>
+            <a:bodyPr rtlCol="0" anchor="ctr"/>
+            <a:lstStyle/>
+            <a:p>
+              <a:r>
+                <a:rPr lang="en-GB" sz="1000" b="0" i="0" dirty="0">
+                  <a:solidFill>
+                    <a:schemeClr val="bg1"/>
+                  </a:solidFill>
+                  <a:effectLst/>
+                </a:rPr>
+                <a:t>We produced a POC and presented it to the wider team. Even the </a:t>
+              </a:r>
+              <a:r>
+                <a:rPr lang="en-GB" sz="1000" b="0" i="0" dirty="0" err="1">
+                  <a:solidFill>
+                    <a:schemeClr val="bg1"/>
+                  </a:solidFill>
+                  <a:effectLst/>
+                </a:rPr>
+                <a:t>skeptics</a:t>
+              </a:r>
+              <a:r>
+                <a:rPr lang="en-GB" sz="1000" b="0" i="0" dirty="0">
+                  <a:solidFill>
+                    <a:schemeClr val="bg1"/>
+                  </a:solidFill>
+                  <a:effectLst/>
+                </a:rPr>
+                <a:t> could see the value. </a:t>
+              </a:r>
+              <a:r>
+                <a:rPr lang="en-GB" sz="1000" dirty="0">
+                  <a:solidFill>
+                    <a:schemeClr val="bg1"/>
+                  </a:solidFill>
+                </a:rPr>
+                <a:t>Alex</a:t>
+              </a:r>
+              <a:r>
+                <a:rPr lang="en-GB" sz="1000" b="0" i="0" dirty="0">
+                  <a:solidFill>
+                    <a:schemeClr val="bg1"/>
+                  </a:solidFill>
+                  <a:effectLst/>
+                </a:rPr>
+                <a:t> also warned that the journey will be hard, which demonstrates his integrity.</a:t>
+              </a:r>
+            </a:p>
+            <a:p>
+              <a:r>
+                <a:rPr lang="en-GB" sz="1000" b="1" i="0" dirty="0">
+                  <a:solidFill>
+                    <a:srgbClr val="F6AB25"/>
+                  </a:solidFill>
+                  <a:effectLst/>
+                </a:rPr>
+                <a:t>Cihan Ucar</a:t>
+              </a:r>
+              <a:r>
+                <a:rPr lang="en-GB" sz="1000" i="0" dirty="0">
+                  <a:solidFill>
+                    <a:srgbClr val="F6AB25"/>
+                  </a:solidFill>
+                  <a:effectLst/>
+                </a:rPr>
+                <a:t>, Snr Software Architekt, VAT</a:t>
+              </a:r>
+              <a:endParaRPr lang="en-GB" sz="1000" dirty="0">
+                <a:solidFill>
+                  <a:srgbClr val="F6AB25"/>
+                </a:solidFill>
+              </a:endParaRPr>
+            </a:p>
+          </p:txBody>
+        </p:sp>
+        <p:sp>
+          <p:nvSpPr>
+            <p:cNvPr id="44" name="Oval 43">
+              <a:extLst>
+                <a:ext uri="{FF2B5EF4-FFF2-40B4-BE49-F238E27FC236}">
+                  <a16:creationId xmlns:a16="http://schemas.microsoft.com/office/drawing/2014/main" id="{10A962CC-F64D-63F1-9734-A0B3444102AC}"/>
+                </a:ext>
+              </a:extLst>
+            </p:cNvPr>
+            <p:cNvSpPr/>
+            <p:nvPr/>
+          </p:nvSpPr>
+          <p:spPr>
+            <a:xfrm>
+              <a:off x="3429000" y="681427"/>
+              <a:ext cx="975360" cy="975360"/>
+            </a:xfrm>
+            <a:prstGeom prst="ellipse">
+              <a:avLst/>
+            </a:prstGeom>
+            <a:blipFill dpi="0" rotWithShape="1">
+              <a:blip r:embed="rId13">
+                <a:extLst>
+                  <a:ext uri="{28A0092B-C50C-407E-A947-70E740481C1C}">
+                    <a14:useLocalDpi xmlns:a14="http://schemas.microsoft.com/office/drawing/2010/main" val="0"/>
+                  </a:ext>
+                </a:extLst>
+              </a:blip>
+              <a:srcRect/>
+              <a:stretch>
+                <a:fillRect/>
+              </a:stretch>
+            </a:blipFill>
+            <a:ln w="57150">
+              <a:solidFill>
+                <a:srgbClr val="F6AB25"/>
+              </a:solidFill>
+            </a:ln>
+          </p:spPr>
+          <p:style>
+            <a:lnRef idx="2">
+              <a:schemeClr val="accent1">
+                <a:shade val="50000"/>
+              </a:schemeClr>
+            </a:lnRef>
+            <a:fillRef idx="1">
+              <a:schemeClr val="accent1"/>
+            </a:fillRef>
+            <a:effectRef idx="0">
+              <a:schemeClr val="accent1"/>
+            </a:effectRef>
+            <a:fontRef idx="minor">
+              <a:schemeClr val="lt1"/>
+            </a:fontRef>
+          </p:style>
+          <p:txBody>
+            <a:bodyPr rtlCol="0" anchor="ctr"/>
+            <a:lstStyle/>
+            <a:p>
+              <a:pPr algn="ctr"/>
+              <a:endParaRPr lang="en-GB" dirty="0"/>
+            </a:p>
+          </p:txBody>
+        </p:sp>
+      </p:grpSp>
+      <p:grpSp>
+        <p:nvGrpSpPr>
+          <p:cNvPr id="47" name="Group 46">
+            <a:extLst>
+              <a:ext uri="{FF2B5EF4-FFF2-40B4-BE49-F238E27FC236}">
+                <a16:creationId xmlns:a16="http://schemas.microsoft.com/office/drawing/2014/main" id="{14A67AA3-274A-7FE3-CA97-79EBAA4C99B5}"/>
+              </a:ext>
+            </a:extLst>
+          </p:cNvPr>
+          <p:cNvGrpSpPr/>
+          <p:nvPr/>
+        </p:nvGrpSpPr>
+        <p:grpSpPr>
+          <a:xfrm>
+            <a:off x="142077" y="394441"/>
+            <a:ext cx="6573846" cy="975360"/>
+            <a:chOff x="206847" y="681427"/>
+            <a:chExt cx="6573846" cy="975360"/>
+          </a:xfrm>
+        </p:grpSpPr>
+        <p:grpSp>
+          <p:nvGrpSpPr>
+            <p:cNvPr id="48" name="Group 47">
+              <a:extLst>
+                <a:ext uri="{FF2B5EF4-FFF2-40B4-BE49-F238E27FC236}">
+                  <a16:creationId xmlns:a16="http://schemas.microsoft.com/office/drawing/2014/main" id="{5C1D4341-2025-2A8A-F129-DEAA8C18D50D}"/>
+                </a:ext>
+              </a:extLst>
+            </p:cNvPr>
+            <p:cNvGrpSpPr/>
+            <p:nvPr/>
+          </p:nvGrpSpPr>
+          <p:grpSpPr>
+            <a:xfrm>
+              <a:off x="206847" y="681427"/>
+              <a:ext cx="3222153" cy="975360"/>
+              <a:chOff x="206847" y="681427"/>
+              <a:chExt cx="3222153" cy="975360"/>
+            </a:xfrm>
+          </p:grpSpPr>
+          <p:sp>
+            <p:nvSpPr>
+              <p:cNvPr id="52" name="Rectangle 51">
+                <a:extLst>
+                  <a:ext uri="{FF2B5EF4-FFF2-40B4-BE49-F238E27FC236}">
+                    <a16:creationId xmlns:a16="http://schemas.microsoft.com/office/drawing/2014/main" id="{26580A0B-F3B7-B26B-E9ED-F12742E6D3D4}"/>
+                  </a:ext>
+                </a:extLst>
+              </p:cNvPr>
+              <p:cNvSpPr/>
+              <p:nvPr/>
+            </p:nvSpPr>
+            <p:spPr>
+              <a:xfrm>
+                <a:off x="1150620" y="681427"/>
+                <a:ext cx="2278380" cy="975360"/>
+              </a:xfrm>
+              <a:prstGeom prst="rect">
+                <a:avLst/>
+              </a:prstGeom>
+              <a:solidFill>
+                <a:srgbClr val="262F3B"/>
+              </a:solidFill>
+              <a:ln>
+                <a:noFill/>
+              </a:ln>
+            </p:spPr>
+            <p:style>
+              <a:lnRef idx="2">
+                <a:schemeClr val="accent1">
+                  <a:shade val="50000"/>
+                </a:schemeClr>
+              </a:lnRef>
+              <a:fillRef idx="1">
+                <a:schemeClr val="accent1"/>
+              </a:fillRef>
+              <a:effectRef idx="0">
+                <a:schemeClr val="accent1"/>
+              </a:effectRef>
+              <a:fontRef idx="minor">
+                <a:schemeClr val="lt1"/>
+              </a:fontRef>
+            </p:style>
+            <p:txBody>
+              <a:bodyPr rtlCol="0" anchor="ctr"/>
+              <a:lstStyle/>
+              <a:p>
+                <a:r>
+                  <a:rPr lang="en-GB" sz="1000" b="0" i="0" dirty="0">
+                    <a:solidFill>
+                      <a:schemeClr val="bg1"/>
+                    </a:solidFill>
+                    <a:effectLst/>
+                  </a:rPr>
+                  <a:t>This is easily the BEST book list I’ve ever seen, complete with decision tree to help you decide what books you might like. IT’S AMAZING 🤩</a:t>
+                </a:r>
+                <a:br>
+                  <a:rPr lang="en-GB" sz="1000" b="0" i="0" dirty="0">
+                    <a:solidFill>
+                      <a:schemeClr val="bg1"/>
+                    </a:solidFill>
+                    <a:effectLst/>
+                  </a:rPr>
+                </a:br>
+                <a:r>
+                  <a:rPr lang="en-GB" sz="1000" b="0" i="0" dirty="0">
+                    <a:solidFill>
+                      <a:srgbClr val="00B0F0"/>
+                    </a:solidFill>
+                    <a:effectLst/>
+                    <a:hlinkClick r:id="rId14">
+                      <a:extLst>
+                        <a:ext uri="{A12FA001-AC4F-418D-AE19-62706E023703}">
+                          <ahyp:hlinkClr xmlns:ahyp="http://schemas.microsoft.com/office/drawing/2018/hyperlinkcolor" val="tx"/>
+                        </a:ext>
+                      </a:extLst>
+                    </a:hlinkClick>
+                  </a:rPr>
+                  <a:t>https://t.co/1m6CIWpZyV</a:t>
+                </a:r>
+                <a:endParaRPr lang="en-GB" sz="1000" b="0" i="0" dirty="0">
+                  <a:solidFill>
+                    <a:srgbClr val="00B0F0"/>
+                  </a:solidFill>
+                  <a:effectLst/>
+                </a:endParaRPr>
+              </a:p>
+              <a:p>
+                <a:r>
+                  <a:rPr lang="en-GB" sz="1000" b="1" dirty="0">
+                    <a:solidFill>
+                      <a:srgbClr val="F6AB25"/>
+                    </a:solidFill>
+                  </a:rPr>
+                  <a:t>Dr Nicole </a:t>
+                </a:r>
+                <a:r>
+                  <a:rPr lang="en-GB" sz="1000" b="1" dirty="0" err="1">
+                    <a:solidFill>
+                      <a:srgbClr val="F6AB25"/>
+                    </a:solidFill>
+                  </a:rPr>
+                  <a:t>Forsgren</a:t>
+                </a:r>
+                <a:r>
+                  <a:rPr lang="en-GB" sz="1000" dirty="0">
+                    <a:solidFill>
+                      <a:srgbClr val="F6AB25"/>
+                    </a:solidFill>
+                  </a:rPr>
+                  <a:t>, Wrote Accelerate</a:t>
+                </a:r>
+              </a:p>
+            </p:txBody>
+          </p:sp>
+          <p:sp>
+            <p:nvSpPr>
+              <p:cNvPr id="53" name="Oval 52">
+                <a:extLst>
+                  <a:ext uri="{FF2B5EF4-FFF2-40B4-BE49-F238E27FC236}">
+                    <a16:creationId xmlns:a16="http://schemas.microsoft.com/office/drawing/2014/main" id="{3EBC5D35-2F8D-1566-022E-51BD5B221D48}"/>
+                  </a:ext>
+                </a:extLst>
+              </p:cNvPr>
+              <p:cNvSpPr/>
+              <p:nvPr/>
+            </p:nvSpPr>
+            <p:spPr>
+              <a:xfrm>
+                <a:off x="206847" y="681427"/>
+                <a:ext cx="975360" cy="975360"/>
+              </a:xfrm>
+              <a:prstGeom prst="ellipse">
+                <a:avLst/>
+              </a:prstGeom>
+              <a:blipFill dpi="0" rotWithShape="1">
+                <a:blip r:embed="rId15">
                   <a:extLst>
                     <a:ext uri="{28A0092B-C50C-407E-A947-70E740481C1C}">
                       <a14:useLocalDpi xmlns:a14="http://schemas.microsoft.com/office/drawing/2010/main" val="0"/>
                     </a:ext>
                   </a:extLst>
                 </a:blip>
-                <a:srcRect l="37174" t="-82" r="13226" b="96909"/>
-                <a:stretch/>
-              </p:blipFill>
-              <p:spPr>
-                <a:xfrm>
-                  <a:off x="4098741" y="2372645"/>
-                  <a:ext cx="2757354" cy="187680"/>
-                </a:xfrm>
-                <a:prstGeom prst="rect">
-                  <a:avLst/>
-                </a:prstGeom>
-              </p:spPr>
-            </p:pic>
-            <p:grpSp>
-              <p:nvGrpSpPr>
-                <p:cNvPr id="227" name="Group 226">
-                  <a:extLst>
-                    <a:ext uri="{FF2B5EF4-FFF2-40B4-BE49-F238E27FC236}">
-                      <a16:creationId xmlns:a16="http://schemas.microsoft.com/office/drawing/2014/main" id="{7B9754FA-7AA3-36AC-6838-038ED517CD37}"/>
-                    </a:ext>
-                  </a:extLst>
-                </p:cNvPr>
-                <p:cNvGrpSpPr/>
-                <p:nvPr/>
-              </p:nvGrpSpPr>
-              <p:grpSpPr>
-                <a:xfrm>
-                  <a:off x="2399636" y="2539592"/>
-                  <a:ext cx="5140792" cy="5593570"/>
-                  <a:chOff x="2392016" y="2539592"/>
-                  <a:chExt cx="5140792" cy="5593570"/>
-                </a:xfrm>
-              </p:grpSpPr>
-              <p:grpSp>
-                <p:nvGrpSpPr>
-                  <p:cNvPr id="30" name="Group 29">
-                    <a:extLst>
-                      <a:ext uri="{FF2B5EF4-FFF2-40B4-BE49-F238E27FC236}">
-                        <a16:creationId xmlns:a16="http://schemas.microsoft.com/office/drawing/2014/main" id="{A0E261C0-BCC7-243F-00D4-F81C03B0A436}"/>
-                      </a:ext>
-                    </a:extLst>
-                  </p:cNvPr>
-                  <p:cNvGrpSpPr/>
-                  <p:nvPr/>
-                </p:nvGrpSpPr>
-                <p:grpSpPr>
-                  <a:xfrm>
-                    <a:off x="2392016" y="2539592"/>
-                    <a:ext cx="5140792" cy="5593570"/>
-                    <a:chOff x="7824544" y="2495921"/>
-                    <a:chExt cx="5269471" cy="5733583"/>
-                  </a:xfrm>
-                </p:grpSpPr>
-                <p:pic>
-                  <p:nvPicPr>
-                    <p:cNvPr id="175" name="Picture 174" descr="A picture containing graphical user interface&#10;&#10;Description automatically generated">
-                      <a:extLst>
-                        <a:ext uri="{FF2B5EF4-FFF2-40B4-BE49-F238E27FC236}">
-                          <a16:creationId xmlns:a16="http://schemas.microsoft.com/office/drawing/2014/main" id="{1303E28B-20B1-893A-972D-C78FC8BCF5F5}"/>
-                        </a:ext>
-                      </a:extLst>
-                    </p:cNvPr>
-                    <p:cNvPicPr>
-                      <a:picLocks noChangeAspect="1"/>
-                    </p:cNvPicPr>
-                    <p:nvPr/>
-                  </p:nvPicPr>
-                  <p:blipFill rotWithShape="1">
-                    <a:blip r:embed="rId18">
-                      <a:extLst>
-                        <a:ext uri="{28A0092B-C50C-407E-A947-70E740481C1C}">
-                          <a14:useLocalDpi xmlns:a14="http://schemas.microsoft.com/office/drawing/2010/main" val="0"/>
-                        </a:ext>
-                      </a:extLst>
-                    </a:blip>
-                    <a:srcRect l="25493" t="80010" r="8397" b="19332"/>
-                    <a:stretch/>
-                  </p:blipFill>
-                  <p:spPr>
-                    <a:xfrm>
-                      <a:off x="8955473" y="6793801"/>
-                      <a:ext cx="3776668" cy="80092"/>
-                    </a:xfrm>
-                    <a:prstGeom prst="rect">
-                      <a:avLst/>
-                    </a:prstGeom>
-                  </p:spPr>
-                </p:pic>
-                <p:grpSp>
-                  <p:nvGrpSpPr>
-                    <p:cNvPr id="28" name="Group 27">
-                      <a:extLst>
-                        <a:ext uri="{FF2B5EF4-FFF2-40B4-BE49-F238E27FC236}">
-                          <a16:creationId xmlns:a16="http://schemas.microsoft.com/office/drawing/2014/main" id="{3D37D205-C5CE-F081-360C-ED4060E4B4D9}"/>
-                        </a:ext>
-                      </a:extLst>
-                    </p:cNvPr>
-                    <p:cNvGrpSpPr/>
-                    <p:nvPr/>
-                  </p:nvGrpSpPr>
-                  <p:grpSpPr>
-                    <a:xfrm>
-                      <a:off x="7824544" y="2495921"/>
-                      <a:ext cx="1142997" cy="5733583"/>
-                      <a:chOff x="2395889" y="2581661"/>
-                      <a:chExt cx="1338018" cy="6711862"/>
-                    </a:xfrm>
-                  </p:grpSpPr>
-                  <p:pic>
-                    <p:nvPicPr>
-                      <p:cNvPr id="12" name="Picture 11" descr="A picture containing graphical user interface&#10;&#10;Description automatically generated">
-                        <a:extLst>
-                          <a:ext uri="{FF2B5EF4-FFF2-40B4-BE49-F238E27FC236}">
-                            <a16:creationId xmlns:a16="http://schemas.microsoft.com/office/drawing/2014/main" id="{BFFE1F61-5ACC-A673-2CB3-EF3EEE2AE75C}"/>
-                          </a:ext>
-                        </a:extLst>
-                      </p:cNvPr>
-                      <p:cNvPicPr>
-                        <a:picLocks noChangeAspect="1"/>
-                      </p:cNvPicPr>
-                      <p:nvPr/>
-                    </p:nvPicPr>
-                    <p:blipFill rotWithShape="1">
-                      <a:blip r:embed="rId20">
-                        <a:extLst>
-                          <a:ext uri="{28A0092B-C50C-407E-A947-70E740481C1C}">
-                            <a14:useLocalDpi xmlns:a14="http://schemas.microsoft.com/office/drawing/2010/main" val="0"/>
-                          </a:ext>
-                        </a:extLst>
-                      </a:blip>
-                      <a:srcRect t="3086" r="79801" b="32134"/>
-                      <a:stretch/>
-                    </p:blipFill>
-                    <p:spPr>
-                      <a:xfrm>
-                        <a:off x="2406207" y="2581661"/>
-                        <a:ext cx="1327699" cy="4504939"/>
-                      </a:xfrm>
-                      <a:prstGeom prst="rect">
-                        <a:avLst/>
-                      </a:prstGeom>
-                    </p:spPr>
-                  </p:pic>
-                  <p:pic>
-                    <p:nvPicPr>
-                      <p:cNvPr id="16" name="Picture 15" descr="A picture containing graphical user interface&#10;&#10;Description automatically generated">
-                        <a:extLst>
-                          <a:ext uri="{FF2B5EF4-FFF2-40B4-BE49-F238E27FC236}">
-                            <a16:creationId xmlns:a16="http://schemas.microsoft.com/office/drawing/2014/main" id="{1032D7EE-8DF0-A5C2-E95E-0F9059F726C7}"/>
-                          </a:ext>
-                        </a:extLst>
-                      </p:cNvPr>
-                      <p:cNvPicPr>
-                        <a:picLocks noChangeAspect="1"/>
-                      </p:cNvPicPr>
-                      <p:nvPr/>
-                    </p:nvPicPr>
-                    <p:blipFill rotWithShape="1">
-                      <a:blip r:embed="rId18">
-                        <a:extLst>
-                          <a:ext uri="{28A0092B-C50C-407E-A947-70E740481C1C}">
-                            <a14:useLocalDpi xmlns:a14="http://schemas.microsoft.com/office/drawing/2010/main" val="0"/>
-                          </a:ext>
-                        </a:extLst>
-                      </a:blip>
-                      <a:srcRect t="66787" r="79992" b="1"/>
-                      <a:stretch/>
-                    </p:blipFill>
-                    <p:spPr>
-                      <a:xfrm>
-                        <a:off x="2395889" y="6987023"/>
-                        <a:ext cx="1338018" cy="2306500"/>
-                      </a:xfrm>
-                      <a:prstGeom prst="rect">
-                        <a:avLst/>
-                      </a:prstGeom>
-                    </p:spPr>
-                  </p:pic>
-                </p:grpSp>
-                <p:pic>
-                  <p:nvPicPr>
-                    <p:cNvPr id="169" name="Picture 168" descr="A picture containing graphical user interface&#10;&#10;Description automatically generated">
-                      <a:extLst>
-                        <a:ext uri="{FF2B5EF4-FFF2-40B4-BE49-F238E27FC236}">
-                          <a16:creationId xmlns:a16="http://schemas.microsoft.com/office/drawing/2014/main" id="{349798ED-BF6E-A8ED-4979-2677F5852E74}"/>
-                        </a:ext>
-                      </a:extLst>
-                    </p:cNvPr>
-                    <p:cNvPicPr>
-                      <a:picLocks noChangeAspect="1"/>
-                    </p:cNvPicPr>
-                    <p:nvPr/>
-                  </p:nvPicPr>
-                  <p:blipFill rotWithShape="1">
-                    <a:blip r:embed="rId20">
-                      <a:extLst>
-                        <a:ext uri="{28A0092B-C50C-407E-A947-70E740481C1C}">
-                          <a14:useLocalDpi xmlns:a14="http://schemas.microsoft.com/office/drawing/2010/main" val="0"/>
-                        </a:ext>
-                      </a:extLst>
-                    </a:blip>
-                    <a:srcRect l="25609" t="3086" r="492" b="32134"/>
-                    <a:stretch/>
-                  </p:blipFill>
-                  <p:spPr>
-                    <a:xfrm>
-                      <a:off x="8944508" y="2495921"/>
-                      <a:ext cx="4149507" cy="3848327"/>
-                    </a:xfrm>
-                    <a:prstGeom prst="rect">
-                      <a:avLst/>
-                    </a:prstGeom>
-                  </p:spPr>
-                </p:pic>
-                <p:pic>
-                  <p:nvPicPr>
-                    <p:cNvPr id="171" name="Picture 170" descr="A picture containing graphical user interface&#10;&#10;Description automatically generated">
-                      <a:extLst>
-                        <a:ext uri="{FF2B5EF4-FFF2-40B4-BE49-F238E27FC236}">
-                          <a16:creationId xmlns:a16="http://schemas.microsoft.com/office/drawing/2014/main" id="{077A6687-0981-4BD8-17AA-5AAED6FC0B14}"/>
-                        </a:ext>
-                      </a:extLst>
-                    </p:cNvPr>
-                    <p:cNvPicPr>
-                      <a:picLocks noChangeAspect="1"/>
-                    </p:cNvPicPr>
-                    <p:nvPr/>
-                  </p:nvPicPr>
-                  <p:blipFill rotWithShape="1">
-                    <a:blip r:embed="rId18">
-                      <a:extLst>
-                        <a:ext uri="{28A0092B-C50C-407E-A947-70E740481C1C}">
-                          <a14:useLocalDpi xmlns:a14="http://schemas.microsoft.com/office/drawing/2010/main" val="0"/>
-                        </a:ext>
-                      </a:extLst>
-                    </a:blip>
-                    <a:srcRect l="25493" t="66787" r="8397" b="23998"/>
-                    <a:stretch/>
-                  </p:blipFill>
-                  <p:spPr>
-                    <a:xfrm>
-                      <a:off x="8955357" y="6259189"/>
-                      <a:ext cx="3776669" cy="546719"/>
-                    </a:xfrm>
-                    <a:prstGeom prst="rect">
-                      <a:avLst/>
-                    </a:prstGeom>
-                  </p:spPr>
-                </p:pic>
-                <p:pic>
-                  <p:nvPicPr>
-                    <p:cNvPr id="172" name="Picture 171" descr="A picture containing graphical user interface&#10;&#10;Description automatically generated">
-                      <a:extLst>
-                        <a:ext uri="{FF2B5EF4-FFF2-40B4-BE49-F238E27FC236}">
-                          <a16:creationId xmlns:a16="http://schemas.microsoft.com/office/drawing/2014/main" id="{78DA978C-8425-28BD-D7F7-8CB707FA8337}"/>
-                        </a:ext>
-                      </a:extLst>
-                    </p:cNvPr>
-                    <p:cNvPicPr>
-                      <a:picLocks noChangeAspect="1"/>
-                    </p:cNvPicPr>
-                    <p:nvPr/>
-                  </p:nvPicPr>
-                  <p:blipFill rotWithShape="1">
-                    <a:blip r:embed="rId18">
-                      <a:extLst>
-                        <a:ext uri="{28A0092B-C50C-407E-A947-70E740481C1C}">
-                          <a14:useLocalDpi xmlns:a14="http://schemas.microsoft.com/office/drawing/2010/main" val="0"/>
-                        </a:ext>
-                      </a:extLst>
-                    </a:blip>
-                    <a:srcRect l="25493" t="76699" r="8397" b="3"/>
-                    <a:stretch/>
-                  </p:blipFill>
-                  <p:spPr>
-                    <a:xfrm>
-                      <a:off x="8955358" y="6843303"/>
-                      <a:ext cx="3776669" cy="1382237"/>
-                    </a:xfrm>
-                    <a:prstGeom prst="rect">
-                      <a:avLst/>
-                    </a:prstGeom>
-                  </p:spPr>
-                </p:pic>
-                <p:pic>
-                  <p:nvPicPr>
-                    <p:cNvPr id="178" name="Picture 177" descr="A picture containing graphical user interface&#10;&#10;Description automatically generated">
-                      <a:extLst>
-                        <a:ext uri="{FF2B5EF4-FFF2-40B4-BE49-F238E27FC236}">
-                          <a16:creationId xmlns:a16="http://schemas.microsoft.com/office/drawing/2014/main" id="{ECCD5C82-4D8C-0542-FAFF-AB1F31CA647C}"/>
-                        </a:ext>
-                      </a:extLst>
-                    </p:cNvPr>
-                    <p:cNvPicPr>
-                      <a:picLocks noChangeAspect="1"/>
-                    </p:cNvPicPr>
-                    <p:nvPr/>
-                  </p:nvPicPr>
-                  <p:blipFill rotWithShape="1">
-                    <a:blip r:embed="rId18">
-                      <a:extLst>
-                        <a:ext uri="{28A0092B-C50C-407E-A947-70E740481C1C}">
-                          <a14:useLocalDpi xmlns:a14="http://schemas.microsoft.com/office/drawing/2010/main" val="0"/>
-                        </a:ext>
-                      </a:extLst>
-                    </a:blip>
-                    <a:srcRect t="73544" r="79992" b="24395"/>
-                    <a:stretch/>
-                  </p:blipFill>
-                  <p:spPr>
-                    <a:xfrm>
-                      <a:off x="7855918" y="6793011"/>
-                      <a:ext cx="1142997" cy="122253"/>
-                    </a:xfrm>
-                    <a:prstGeom prst="rect">
-                      <a:avLst/>
-                    </a:prstGeom>
-                  </p:spPr>
-                </p:pic>
-              </p:grpSp>
-              <p:pic>
-                <p:nvPicPr>
-                  <p:cNvPr id="224" name="Picture 223">
-                    <a:extLst>
-                      <a:ext uri="{FF2B5EF4-FFF2-40B4-BE49-F238E27FC236}">
-                        <a16:creationId xmlns:a16="http://schemas.microsoft.com/office/drawing/2014/main" id="{5BABEF19-44DC-7AFC-B9F8-01E3FF8B0486}"/>
-                      </a:ext>
-                    </a:extLst>
-                  </p:cNvPr>
-                  <p:cNvPicPr>
-                    <a:picLocks noChangeAspect="1"/>
-                  </p:cNvPicPr>
-                  <p:nvPr/>
-                </p:nvPicPr>
-                <p:blipFill>
-                  <a:blip r:embed="rId21">
-                    <a:extLst>
-                      <a:ext uri="{28A0092B-C50C-407E-A947-70E740481C1C}">
-                        <a14:useLocalDpi xmlns:a14="http://schemas.microsoft.com/office/drawing/2010/main" val="0"/>
-                      </a:ext>
-                    </a:extLst>
-                  </a:blip>
-                  <a:stretch>
-                    <a:fillRect/>
-                  </a:stretch>
-                </p:blipFill>
-                <p:spPr>
-                  <a:xfrm>
-                    <a:off x="2427852" y="3619220"/>
-                    <a:ext cx="896916" cy="323212"/>
-                  </a:xfrm>
-                  <a:prstGeom prst="rect">
-                    <a:avLst/>
-                  </a:prstGeom>
-                </p:spPr>
-              </p:pic>
-              <p:pic>
-                <p:nvPicPr>
-                  <p:cNvPr id="226" name="Picture 225">
-                    <a:extLst>
-                      <a:ext uri="{FF2B5EF4-FFF2-40B4-BE49-F238E27FC236}">
-                        <a16:creationId xmlns:a16="http://schemas.microsoft.com/office/drawing/2014/main" id="{53341757-A2A2-B2E4-13DB-8DE97F8B5F8A}"/>
-                      </a:ext>
-                    </a:extLst>
-                  </p:cNvPr>
-                  <p:cNvPicPr>
-                    <a:picLocks noChangeAspect="1"/>
-                  </p:cNvPicPr>
-                  <p:nvPr/>
-                </p:nvPicPr>
-                <p:blipFill>
-                  <a:blip r:embed="rId22">
-                    <a:extLst>
-                      <a:ext uri="{28A0092B-C50C-407E-A947-70E740481C1C}">
-                        <a14:useLocalDpi xmlns:a14="http://schemas.microsoft.com/office/drawing/2010/main" val="0"/>
-                      </a:ext>
-                    </a:extLst>
-                  </a:blip>
-                  <a:stretch>
-                    <a:fillRect/>
-                  </a:stretch>
-                </p:blipFill>
-                <p:spPr>
-                  <a:xfrm>
-                    <a:off x="2408338" y="2736234"/>
-                    <a:ext cx="1115085" cy="258571"/>
-                  </a:xfrm>
-                  <a:prstGeom prst="rect">
-                    <a:avLst/>
-                  </a:prstGeom>
-                </p:spPr>
-              </p:pic>
-            </p:grpSp>
-          </p:grpSp>
-          <p:pic>
-            <p:nvPicPr>
-              <p:cNvPr id="231" name="Picture 230" descr="A picture containing graphical user interface&#10;&#10;Description automatically generated">
+                <a:srcRect/>
+                <a:stretch>
+                  <a:fillRect/>
+                </a:stretch>
+              </a:blipFill>
+              <a:ln w="57150">
+                <a:solidFill>
+                  <a:srgbClr val="00B0F0"/>
+                </a:solidFill>
+              </a:ln>
+            </p:spPr>
+            <p:style>
+              <a:lnRef idx="2">
+                <a:schemeClr val="accent1">
+                  <a:shade val="50000"/>
+                </a:schemeClr>
+              </a:lnRef>
+              <a:fillRef idx="1">
+                <a:schemeClr val="accent1"/>
+              </a:fillRef>
+              <a:effectRef idx="0">
+                <a:schemeClr val="accent1"/>
+              </a:effectRef>
+              <a:fontRef idx="minor">
+                <a:schemeClr val="lt1"/>
+              </a:fontRef>
+            </p:style>
+            <p:txBody>
+              <a:bodyPr rtlCol="0" anchor="ctr"/>
+              <a:lstStyle/>
+              <a:p>
+                <a:pPr algn="ctr"/>
+                <a:endParaRPr lang="en-GB" dirty="0"/>
+              </a:p>
+            </p:txBody>
+          </p:sp>
+        </p:grpSp>
+        <p:grpSp>
+          <p:nvGrpSpPr>
+            <p:cNvPr id="49" name="Group 48">
+              <a:extLst>
+                <a:ext uri="{FF2B5EF4-FFF2-40B4-BE49-F238E27FC236}">
+                  <a16:creationId xmlns:a16="http://schemas.microsoft.com/office/drawing/2014/main" id="{69F1D642-C787-3240-08E5-3AA177ECD153}"/>
+                </a:ext>
+              </a:extLst>
+            </p:cNvPr>
+            <p:cNvGrpSpPr/>
+            <p:nvPr/>
+          </p:nvGrpSpPr>
+          <p:grpSpPr>
+            <a:xfrm>
+              <a:off x="3558540" y="681427"/>
+              <a:ext cx="3222153" cy="975360"/>
+              <a:chOff x="3429000" y="681427"/>
+              <a:chExt cx="3222153" cy="975360"/>
+            </a:xfrm>
+          </p:grpSpPr>
+          <p:sp>
+            <p:nvSpPr>
+              <p:cNvPr id="50" name="Rectangle 49">
                 <a:extLst>
                   <a:ext uri="{FF2B5EF4-FFF2-40B4-BE49-F238E27FC236}">
-                    <a16:creationId xmlns:a16="http://schemas.microsoft.com/office/drawing/2014/main" id="{4C60C858-D4C5-AD7E-DD76-700CE85228C9}"/>
+                    <a16:creationId xmlns:a16="http://schemas.microsoft.com/office/drawing/2014/main" id="{8B8CD3B9-AB88-2055-F500-C79C7159CDBA}"/>
                   </a:ext>
                 </a:extLst>
               </p:cNvPr>
-              <p:cNvPicPr>
-                <a:picLocks noChangeAspect="1"/>
-              </p:cNvPicPr>
+              <p:cNvSpPr/>
               <p:nvPr/>
-            </p:nvPicPr>
-            <p:blipFill rotWithShape="1">
+            </p:nvSpPr>
+            <p:spPr>
+              <a:xfrm>
+                <a:off x="4372773" y="681427"/>
+                <a:ext cx="2278380" cy="975360"/>
+              </a:xfrm>
+              <a:prstGeom prst="rect">
+                <a:avLst/>
+              </a:prstGeom>
+              <a:solidFill>
+                <a:srgbClr val="262F3B"/>
+              </a:solidFill>
+              <a:ln>
+                <a:noFill/>
+              </a:ln>
+            </p:spPr>
+            <p:style>
+              <a:lnRef idx="2">
+                <a:schemeClr val="accent1">
+                  <a:shade val="50000"/>
+                </a:schemeClr>
+              </a:lnRef>
+              <a:fillRef idx="1">
+                <a:schemeClr val="accent1"/>
+              </a:fillRef>
+              <a:effectRef idx="0">
+                <a:schemeClr val="accent1"/>
+              </a:effectRef>
+              <a:fontRef idx="minor">
+                <a:schemeClr val="lt1"/>
+              </a:fontRef>
+            </p:style>
+            <p:txBody>
+              <a:bodyPr rtlCol="0" anchor="ctr"/>
+              <a:lstStyle/>
+              <a:p>
+                <a:r>
+                  <a:rPr lang="en-GB" sz="1000" b="0" i="0" dirty="0">
+                    <a:solidFill>
+                      <a:schemeClr val="bg1"/>
+                    </a:solidFill>
+                    <a:effectLst/>
+                  </a:rPr>
+                  <a:t>Holy cow — agreed! Thanks Alex Yates.  Great selection of books and what an amazing flowchart!! 🎉🎉</a:t>
+                </a:r>
+              </a:p>
+              <a:p>
+                <a:r>
+                  <a:rPr lang="en-GB" sz="1000" b="0" i="0" dirty="0">
+                    <a:solidFill>
+                      <a:srgbClr val="00B0F0"/>
+                    </a:solidFill>
+                    <a:effectLst/>
+                    <a:hlinkClick r:id="rId16">
+                      <a:extLst>
+                        <a:ext uri="{A12FA001-AC4F-418D-AE19-62706E023703}">
+                          <ahyp:hlinkClr xmlns:ahyp="http://schemas.microsoft.com/office/drawing/2018/hyperlinkcolor" val="tx"/>
+                        </a:ext>
+                      </a:extLst>
+                    </a:hlinkClick>
+                  </a:rPr>
+                  <a:t>https://twitter.com/RealGeneKim/status/1330780266068021248</a:t>
+                </a:r>
+                <a:r>
+                  <a:rPr lang="en-GB" sz="1000" b="0" i="0" dirty="0">
+                    <a:solidFill>
+                      <a:srgbClr val="00B0F0"/>
+                    </a:solidFill>
+                    <a:effectLst/>
+                  </a:rPr>
+                  <a:t> </a:t>
+                </a:r>
+              </a:p>
+              <a:p>
+                <a:r>
+                  <a:rPr lang="en-GB" sz="1000" b="1" i="0" dirty="0">
+                    <a:solidFill>
+                      <a:srgbClr val="F6AB25"/>
+                    </a:solidFill>
+                    <a:effectLst/>
+                  </a:rPr>
+                  <a:t>Gene Kim</a:t>
+                </a:r>
+                <a:r>
+                  <a:rPr lang="en-GB" sz="1000" i="0" dirty="0">
+                    <a:solidFill>
+                      <a:srgbClr val="F6AB25"/>
+                    </a:solidFill>
+                    <a:effectLst/>
+                  </a:rPr>
+                  <a:t>, Wrote The Phoenix Project</a:t>
+                </a:r>
+                <a:endParaRPr lang="en-GB" sz="1000" dirty="0">
+                  <a:solidFill>
+                    <a:srgbClr val="F6AB25"/>
+                  </a:solidFill>
+                </a:endParaRPr>
+              </a:p>
+            </p:txBody>
+          </p:sp>
+          <p:sp>
+            <p:nvSpPr>
+              <p:cNvPr id="51" name="Oval 50">
+                <a:extLst>
+                  <a:ext uri="{FF2B5EF4-FFF2-40B4-BE49-F238E27FC236}">
+                    <a16:creationId xmlns:a16="http://schemas.microsoft.com/office/drawing/2014/main" id="{FEC75DDE-6DEF-D350-F7F8-6A8065A01819}"/>
+                  </a:ext>
+                </a:extLst>
+              </p:cNvPr>
+              <p:cNvSpPr/>
+              <p:nvPr/>
+            </p:nvSpPr>
+            <p:spPr>
+              <a:xfrm>
+                <a:off x="3429000" y="681427"/>
+                <a:ext cx="975360" cy="975360"/>
+              </a:xfrm>
+              <a:prstGeom prst="ellipse">
+                <a:avLst/>
+              </a:prstGeom>
+              <a:blipFill dpi="0" rotWithShape="1">
+                <a:blip r:embed="rId17">
+                  <a:extLst>
+                    <a:ext uri="{28A0092B-C50C-407E-A947-70E740481C1C}">
+                      <a14:useLocalDpi xmlns:a14="http://schemas.microsoft.com/office/drawing/2010/main" val="0"/>
+                    </a:ext>
+                  </a:extLst>
+                </a:blip>
+                <a:srcRect/>
+                <a:stretch>
+                  <a:fillRect/>
+                </a:stretch>
+              </a:blipFill>
+              <a:ln w="57150">
+                <a:solidFill>
+                  <a:srgbClr val="1D9BF0"/>
+                </a:solidFill>
+              </a:ln>
+            </p:spPr>
+            <p:style>
+              <a:lnRef idx="2">
+                <a:schemeClr val="accent1">
+                  <a:shade val="50000"/>
+                </a:schemeClr>
+              </a:lnRef>
+              <a:fillRef idx="1">
+                <a:schemeClr val="accent1"/>
+              </a:fillRef>
+              <a:effectRef idx="0">
+                <a:schemeClr val="accent1"/>
+              </a:effectRef>
+              <a:fontRef idx="minor">
+                <a:schemeClr val="lt1"/>
+              </a:fontRef>
+            </p:style>
+            <p:txBody>
+              <a:bodyPr rtlCol="0" anchor="ctr"/>
+              <a:lstStyle/>
+              <a:p>
+                <a:pPr algn="ctr"/>
+                <a:endParaRPr lang="en-GB" dirty="0"/>
+              </a:p>
+            </p:txBody>
+          </p:sp>
+        </p:grpSp>
+      </p:grpSp>
+      <p:grpSp>
+        <p:nvGrpSpPr>
+          <p:cNvPr id="56" name="Group 55">
+            <a:extLst>
+              <a:ext uri="{FF2B5EF4-FFF2-40B4-BE49-F238E27FC236}">
+                <a16:creationId xmlns:a16="http://schemas.microsoft.com/office/drawing/2014/main" id="{357EB4BA-7ECA-4506-F17A-04EB42569074}"/>
+              </a:ext>
+            </a:extLst>
+          </p:cNvPr>
+          <p:cNvGrpSpPr/>
+          <p:nvPr/>
+        </p:nvGrpSpPr>
+        <p:grpSpPr>
+          <a:xfrm>
+            <a:off x="142077" y="3569323"/>
+            <a:ext cx="3222153" cy="975360"/>
+            <a:chOff x="206847" y="681427"/>
+            <a:chExt cx="3222153" cy="975360"/>
+          </a:xfrm>
+        </p:grpSpPr>
+        <p:sp>
+          <p:nvSpPr>
+            <p:cNvPr id="60" name="Rectangle 59">
+              <a:extLst>
+                <a:ext uri="{FF2B5EF4-FFF2-40B4-BE49-F238E27FC236}">
+                  <a16:creationId xmlns:a16="http://schemas.microsoft.com/office/drawing/2014/main" id="{0EC46F0D-4F15-7643-55DB-4662B6D165FE}"/>
+                </a:ext>
+              </a:extLst>
+            </p:cNvPr>
+            <p:cNvSpPr/>
+            <p:nvPr/>
+          </p:nvSpPr>
+          <p:spPr>
+            <a:xfrm>
+              <a:off x="1150620" y="681427"/>
+              <a:ext cx="2278380" cy="975360"/>
+            </a:xfrm>
+            <a:prstGeom prst="rect">
+              <a:avLst/>
+            </a:prstGeom>
+            <a:solidFill>
+              <a:srgbClr val="262F3B"/>
+            </a:solidFill>
+            <a:ln>
+              <a:noFill/>
+            </a:ln>
+          </p:spPr>
+          <p:style>
+            <a:lnRef idx="2">
+              <a:schemeClr val="accent1">
+                <a:shade val="50000"/>
+              </a:schemeClr>
+            </a:lnRef>
+            <a:fillRef idx="1">
+              <a:schemeClr val="accent1"/>
+            </a:fillRef>
+            <a:effectRef idx="0">
+              <a:schemeClr val="accent1"/>
+            </a:effectRef>
+            <a:fontRef idx="minor">
+              <a:schemeClr val="lt1"/>
+            </a:fontRef>
+          </p:style>
+          <p:txBody>
+            <a:bodyPr rtlCol="0" anchor="ctr"/>
+            <a:lstStyle/>
+            <a:p>
+              <a:r>
+                <a:rPr lang="en-GB" sz="1000" dirty="0">
+                  <a:solidFill>
+                    <a:schemeClr val="bg1"/>
+                  </a:solidFill>
+                </a:rPr>
+                <a:t>Alex is a pleasure to work with; highly motivated, very capable at managing difficult projects, and fun to be around. He rapidly became a trusted, dependable, and critical team member.</a:t>
+              </a:r>
+            </a:p>
+            <a:p>
+              <a:r>
+                <a:rPr lang="en-GB" sz="1000" b="1" dirty="0">
+                  <a:solidFill>
+                    <a:srgbClr val="F6AB25"/>
+                  </a:solidFill>
+                </a:rPr>
+                <a:t>Alex Whittles</a:t>
+              </a:r>
+              <a:r>
+                <a:rPr lang="en-GB" sz="1000" dirty="0">
+                  <a:solidFill>
+                    <a:srgbClr val="F6AB25"/>
+                  </a:solidFill>
+                </a:rPr>
+                <a:t>, Director, Data Relay</a:t>
+              </a:r>
+            </a:p>
+          </p:txBody>
+        </p:sp>
+        <p:sp>
+          <p:nvSpPr>
+            <p:cNvPr id="61" name="Oval 60">
+              <a:extLst>
+                <a:ext uri="{FF2B5EF4-FFF2-40B4-BE49-F238E27FC236}">
+                  <a16:creationId xmlns:a16="http://schemas.microsoft.com/office/drawing/2014/main" id="{2A27ABDC-2938-8231-0B04-A90156C4273D}"/>
+                </a:ext>
+              </a:extLst>
+            </p:cNvPr>
+            <p:cNvSpPr/>
+            <p:nvPr/>
+          </p:nvSpPr>
+          <p:spPr>
+            <a:xfrm>
+              <a:off x="206847" y="681427"/>
+              <a:ext cx="975360" cy="975360"/>
+            </a:xfrm>
+            <a:prstGeom prst="ellipse">
+              <a:avLst/>
+            </a:prstGeom>
+            <a:blipFill dpi="0" rotWithShape="1">
+              <a:blip r:embed="rId18">
+                <a:extLst>
+                  <a:ext uri="{28A0092B-C50C-407E-A947-70E740481C1C}">
+                    <a14:useLocalDpi xmlns:a14="http://schemas.microsoft.com/office/drawing/2010/main" val="0"/>
+                  </a:ext>
+                </a:extLst>
+              </a:blip>
+              <a:srcRect/>
+              <a:stretch>
+                <a:fillRect/>
+              </a:stretch>
+            </a:blipFill>
+            <a:ln w="57150">
+              <a:solidFill>
+                <a:schemeClr val="accent6">
+                  <a:lumMod val="75000"/>
+                </a:schemeClr>
+              </a:solidFill>
+            </a:ln>
+          </p:spPr>
+          <p:style>
+            <a:lnRef idx="2">
+              <a:schemeClr val="accent1">
+                <a:shade val="50000"/>
+              </a:schemeClr>
+            </a:lnRef>
+            <a:fillRef idx="1">
+              <a:schemeClr val="accent1"/>
+            </a:fillRef>
+            <a:effectRef idx="0">
+              <a:schemeClr val="accent1"/>
+            </a:effectRef>
+            <a:fontRef idx="minor">
+              <a:schemeClr val="lt1"/>
+            </a:fontRef>
+          </p:style>
+          <p:txBody>
+            <a:bodyPr rtlCol="0" anchor="ctr"/>
+            <a:lstStyle/>
+            <a:p>
+              <a:pPr algn="ctr"/>
+              <a:endParaRPr lang="en-GB" dirty="0"/>
+            </a:p>
+          </p:txBody>
+        </p:sp>
+      </p:grpSp>
+      <p:grpSp>
+        <p:nvGrpSpPr>
+          <p:cNvPr id="57" name="Group 56">
+            <a:extLst>
+              <a:ext uri="{FF2B5EF4-FFF2-40B4-BE49-F238E27FC236}">
+                <a16:creationId xmlns:a16="http://schemas.microsoft.com/office/drawing/2014/main" id="{E04718E1-FEE8-C317-6C7E-521F7646E48A}"/>
+              </a:ext>
+            </a:extLst>
+          </p:cNvPr>
+          <p:cNvGrpSpPr/>
+          <p:nvPr/>
+        </p:nvGrpSpPr>
+        <p:grpSpPr>
+          <a:xfrm>
+            <a:off x="142077" y="6744205"/>
+            <a:ext cx="3222153" cy="975360"/>
+            <a:chOff x="3429000" y="681427"/>
+            <a:chExt cx="3222153" cy="975360"/>
+          </a:xfrm>
+        </p:grpSpPr>
+        <p:sp>
+          <p:nvSpPr>
+            <p:cNvPr id="58" name="Rectangle 57">
+              <a:extLst>
+                <a:ext uri="{FF2B5EF4-FFF2-40B4-BE49-F238E27FC236}">
+                  <a16:creationId xmlns:a16="http://schemas.microsoft.com/office/drawing/2014/main" id="{02364BA2-16F8-1E6A-86A6-2C7282D01E49}"/>
+                </a:ext>
+              </a:extLst>
+            </p:cNvPr>
+            <p:cNvSpPr/>
+            <p:nvPr/>
+          </p:nvSpPr>
+          <p:spPr>
+            <a:xfrm>
+              <a:off x="4372773" y="681427"/>
+              <a:ext cx="2278380" cy="975360"/>
+            </a:xfrm>
+            <a:prstGeom prst="rect">
+              <a:avLst/>
+            </a:prstGeom>
+            <a:solidFill>
+              <a:srgbClr val="262F3B"/>
+            </a:solidFill>
+            <a:ln>
+              <a:noFill/>
+            </a:ln>
+          </p:spPr>
+          <p:style>
+            <a:lnRef idx="2">
+              <a:schemeClr val="accent1">
+                <a:shade val="50000"/>
+              </a:schemeClr>
+            </a:lnRef>
+            <a:fillRef idx="1">
+              <a:schemeClr val="accent1"/>
+            </a:fillRef>
+            <a:effectRef idx="0">
+              <a:schemeClr val="accent1"/>
+            </a:effectRef>
+            <a:fontRef idx="minor">
+              <a:schemeClr val="lt1"/>
+            </a:fontRef>
+          </p:style>
+          <p:txBody>
+            <a:bodyPr rtlCol="0" anchor="ctr"/>
+            <a:lstStyle/>
+            <a:p>
+              <a:r>
+                <a:rPr lang="en-GB" sz="1000" b="0" i="0" dirty="0">
+                  <a:solidFill>
+                    <a:schemeClr val="bg1"/>
+                  </a:solidFill>
+                  <a:effectLst/>
+                </a:rPr>
+                <a:t>It was clear Alex knew his stuff with Octopus Deploy and DevOps.</a:t>
+              </a:r>
+            </a:p>
+            <a:p>
+              <a:r>
+                <a:rPr lang="en-GB" sz="1000" b="0" i="0" dirty="0">
+                  <a:solidFill>
+                    <a:schemeClr val="bg1"/>
+                  </a:solidFill>
+                  <a:effectLst/>
+                </a:rPr>
+                <a:t>Alex holds himself, the work he does, and the systems he works with, to a high standard. </a:t>
+              </a:r>
+              <a:r>
+                <a:rPr lang="en-GB" sz="1000" dirty="0">
+                  <a:solidFill>
+                    <a:schemeClr val="bg1"/>
+                  </a:solidFill>
+                </a:rPr>
+                <a:t>H</a:t>
+              </a:r>
+              <a:r>
+                <a:rPr lang="en-GB" sz="1000" b="0" i="0" dirty="0">
+                  <a:solidFill>
+                    <a:schemeClr val="bg1"/>
+                  </a:solidFill>
+                  <a:effectLst/>
+                </a:rPr>
+                <a:t>e builds quality.</a:t>
+              </a:r>
+            </a:p>
+            <a:p>
+              <a:r>
+                <a:rPr lang="en-GB" sz="1000" b="1" i="0" dirty="0">
+                  <a:solidFill>
+                    <a:srgbClr val="F6AB25"/>
+                  </a:solidFill>
+                  <a:effectLst/>
+                </a:rPr>
+                <a:t>D. Campbell</a:t>
+              </a:r>
+              <a:r>
+                <a:rPr lang="en-GB" sz="1000" i="0" dirty="0">
+                  <a:solidFill>
+                    <a:srgbClr val="F6AB25"/>
+                  </a:solidFill>
+                  <a:effectLst/>
+                </a:rPr>
+                <a:t>, </a:t>
+              </a:r>
+              <a:r>
+                <a:rPr lang="en-GB" sz="800" i="0" dirty="0">
+                  <a:solidFill>
+                    <a:srgbClr val="F6AB25"/>
+                  </a:solidFill>
+                  <a:effectLst/>
+                </a:rPr>
+                <a:t>Community Dir, Octopus Deploy</a:t>
+              </a:r>
+              <a:endParaRPr lang="en-GB" sz="800" dirty="0">
+                <a:solidFill>
+                  <a:srgbClr val="F6AB25"/>
+                </a:solidFill>
+              </a:endParaRPr>
+            </a:p>
+          </p:txBody>
+        </p:sp>
+        <p:sp>
+          <p:nvSpPr>
+            <p:cNvPr id="59" name="Oval 58">
+              <a:extLst>
+                <a:ext uri="{FF2B5EF4-FFF2-40B4-BE49-F238E27FC236}">
+                  <a16:creationId xmlns:a16="http://schemas.microsoft.com/office/drawing/2014/main" id="{C36766C6-552A-4CAD-377B-EFA810774AAC}"/>
+                </a:ext>
+              </a:extLst>
+            </p:cNvPr>
+            <p:cNvSpPr/>
+            <p:nvPr/>
+          </p:nvSpPr>
+          <p:spPr>
+            <a:xfrm>
+              <a:off x="3429000" y="681427"/>
+              <a:ext cx="975360" cy="975360"/>
+            </a:xfrm>
+            <a:prstGeom prst="ellipse">
+              <a:avLst/>
+            </a:prstGeom>
+            <a:blipFill dpi="0" rotWithShape="1">
               <a:blip r:embed="rId19">
                 <a:extLst>
                   <a:ext uri="{28A0092B-C50C-407E-A947-70E740481C1C}">
@@ -9319,95 +11972,503 @@
                   </a:ext>
                 </a:extLst>
               </a:blip>
-              <a:srcRect l="52628" t="-82" r="13226" b="96909"/>
-              <a:stretch/>
-            </p:blipFill>
-            <p:spPr>
-              <a:xfrm>
-                <a:off x="5061502" y="4723477"/>
-                <a:ext cx="1555441" cy="153965"/>
-              </a:xfrm>
-              <a:prstGeom prst="rect">
-                <a:avLst/>
-              </a:prstGeom>
-            </p:spPr>
-          </p:pic>
-        </p:grpSp>
-        <p:pic>
-          <p:nvPicPr>
-            <p:cNvPr id="118" name="Picture 117" descr="A picture containing graphical user interface&#10;&#10;Description automatically generated">
+              <a:srcRect/>
+              <a:stretch>
+                <a:fillRect/>
+              </a:stretch>
+            </a:blipFill>
+            <a:ln w="57150">
+              <a:solidFill>
+                <a:srgbClr val="F6AB25"/>
+              </a:solidFill>
+            </a:ln>
+          </p:spPr>
+          <p:style>
+            <a:lnRef idx="2">
+              <a:schemeClr val="accent1">
+                <a:shade val="50000"/>
+              </a:schemeClr>
+            </a:lnRef>
+            <a:fillRef idx="1">
+              <a:schemeClr val="accent1"/>
+            </a:fillRef>
+            <a:effectRef idx="0">
+              <a:schemeClr val="accent1"/>
+            </a:effectRef>
+            <a:fontRef idx="minor">
+              <a:schemeClr val="lt1"/>
+            </a:fontRef>
+          </p:style>
+          <p:txBody>
+            <a:bodyPr rtlCol="0" anchor="ctr"/>
+            <a:lstStyle/>
+            <a:p>
+              <a:pPr algn="ctr"/>
+              <a:endParaRPr lang="en-GB" dirty="0"/>
+            </a:p>
+          </p:txBody>
+        </p:sp>
+      </p:grpSp>
+      <p:grpSp>
+        <p:nvGrpSpPr>
+          <p:cNvPr id="63" name="Group 62">
+            <a:extLst>
+              <a:ext uri="{FF2B5EF4-FFF2-40B4-BE49-F238E27FC236}">
+                <a16:creationId xmlns:a16="http://schemas.microsoft.com/office/drawing/2014/main" id="{10572861-BF72-B23B-915C-597577083C64}"/>
+              </a:ext>
+            </a:extLst>
+          </p:cNvPr>
+          <p:cNvGrpSpPr/>
+          <p:nvPr/>
+        </p:nvGrpSpPr>
+        <p:grpSpPr>
+          <a:xfrm>
+            <a:off x="3493770" y="1452735"/>
+            <a:ext cx="3222153" cy="975360"/>
+            <a:chOff x="206847" y="681427"/>
+            <a:chExt cx="3222153" cy="975360"/>
+          </a:xfrm>
+        </p:grpSpPr>
+        <p:sp>
+          <p:nvSpPr>
+            <p:cNvPr id="67" name="Rectangle 66">
               <a:extLst>
                 <a:ext uri="{FF2B5EF4-FFF2-40B4-BE49-F238E27FC236}">
-                  <a16:creationId xmlns:a16="http://schemas.microsoft.com/office/drawing/2014/main" id="{C6D37CC5-A4B2-9CC9-F679-C6F32F956D18}"/>
+                  <a16:creationId xmlns:a16="http://schemas.microsoft.com/office/drawing/2014/main" id="{6596A8B2-2B3A-2EA9-8A80-FCE9EC564289}"/>
                 </a:ext>
               </a:extLst>
             </p:cNvPr>
-            <p:cNvPicPr>
-              <a:picLocks noChangeAspect="1"/>
-            </p:cNvPicPr>
+            <p:cNvSpPr/>
             <p:nvPr/>
-          </p:nvPicPr>
-          <p:blipFill rotWithShape="1">
-            <a:blip r:embed="rId18">
-              <a:extLst>
-                <a:ext uri="{28A0092B-C50C-407E-A947-70E740481C1C}">
-                  <a14:useLocalDpi xmlns:a14="http://schemas.microsoft.com/office/drawing/2010/main" val="0"/>
-                </a:ext>
-              </a:extLst>
-            </a:blip>
-            <a:srcRect l="62942" t="73941" r="36058" b="24743"/>
-            <a:stretch/>
-          </p:blipFill>
+          </p:nvSpPr>
           <p:spPr>
             <a:xfrm>
-              <a:off x="5062429" y="8214433"/>
-              <a:ext cx="44218" cy="60429"/>
+              <a:off x="1150620" y="681427"/>
+              <a:ext cx="2278380" cy="975360"/>
             </a:xfrm>
             <a:prstGeom prst="rect">
               <a:avLst/>
             </a:prstGeom>
+            <a:solidFill>
+              <a:srgbClr val="262F3B"/>
+            </a:solidFill>
+            <a:ln>
+              <a:noFill/>
+            </a:ln>
           </p:spPr>
-        </p:pic>
-        <p:pic>
-          <p:nvPicPr>
-            <p:cNvPr id="123" name="Picture 122" descr="A picture containing graphical user interface&#10;&#10;Description automatically generated">
+          <p:style>
+            <a:lnRef idx="2">
+              <a:schemeClr val="accent1">
+                <a:shade val="50000"/>
+              </a:schemeClr>
+            </a:lnRef>
+            <a:fillRef idx="1">
+              <a:schemeClr val="accent1"/>
+            </a:fillRef>
+            <a:effectRef idx="0">
+              <a:schemeClr val="accent1"/>
+            </a:effectRef>
+            <a:fontRef idx="minor">
+              <a:schemeClr val="lt1"/>
+            </a:fontRef>
+          </p:style>
+          <p:txBody>
+            <a:bodyPr rtlCol="0" anchor="ctr"/>
+            <a:lstStyle/>
+            <a:p>
+              <a:r>
+                <a:rPr lang="en-GB" sz="1000" b="0" i="0" dirty="0">
+                  <a:solidFill>
+                    <a:schemeClr val="bg1"/>
+                  </a:solidFill>
+                  <a:effectLst/>
+                </a:rPr>
+                <a:t>I found Alex to be a key member of my team who picked up technologies and concepts quickly. It was great to be able to rely on him to handle a number of my responsibilities when I was unavailable.</a:t>
+              </a:r>
+              <a:br>
+                <a:rPr lang="en-GB" sz="1000" b="0" i="0" dirty="0">
+                  <a:solidFill>
+                    <a:schemeClr val="bg1"/>
+                  </a:solidFill>
+                  <a:effectLst/>
+                </a:rPr>
+              </a:br>
+              <a:r>
+                <a:rPr lang="en-GB" sz="1000" b="1" i="0" dirty="0">
+                  <a:solidFill>
+                    <a:srgbClr val="F6AB25"/>
+                  </a:solidFill>
+                  <a:effectLst/>
+                </a:rPr>
+                <a:t>T. Austin</a:t>
+              </a:r>
+              <a:r>
+                <a:rPr lang="en-GB" sz="900" dirty="0">
+                  <a:solidFill>
+                    <a:srgbClr val="F6AB25"/>
+                  </a:solidFill>
+                </a:rPr>
+                <a:t>, Dir. Customer Success, </a:t>
+              </a:r>
+              <a:r>
+                <a:rPr lang="en-GB" sz="1000" dirty="0">
+                  <a:solidFill>
+                    <a:srgbClr val="F6AB25"/>
+                  </a:solidFill>
+                </a:rPr>
+                <a:t>Redgate</a:t>
+              </a:r>
+            </a:p>
+          </p:txBody>
+        </p:sp>
+        <p:sp>
+          <p:nvSpPr>
+            <p:cNvPr id="68" name="Oval 67">
               <a:extLst>
                 <a:ext uri="{FF2B5EF4-FFF2-40B4-BE49-F238E27FC236}">
-                  <a16:creationId xmlns:a16="http://schemas.microsoft.com/office/drawing/2014/main" id="{30004AFE-2B25-0AE0-B1D1-1EC68D094B78}"/>
+                  <a16:creationId xmlns:a16="http://schemas.microsoft.com/office/drawing/2014/main" id="{E6A3D268-D07C-85DF-82DF-14093C847690}"/>
                 </a:ext>
               </a:extLst>
             </p:cNvPr>
-            <p:cNvPicPr>
-              <a:picLocks noChangeAspect="1"/>
-            </p:cNvPicPr>
+            <p:cNvSpPr/>
             <p:nvPr/>
-          </p:nvPicPr>
-          <p:blipFill rotWithShape="1">
-            <a:blip r:embed="rId18">
+          </p:nvSpPr>
+          <p:spPr>
+            <a:xfrm>
+              <a:off x="206847" y="681427"/>
+              <a:ext cx="975360" cy="975360"/>
+            </a:xfrm>
+            <a:prstGeom prst="ellipse">
+              <a:avLst/>
+            </a:prstGeom>
+            <a:blipFill dpi="0" rotWithShape="1">
+              <a:blip r:embed="rId20">
+                <a:extLst>
+                  <a:ext uri="{28A0092B-C50C-407E-A947-70E740481C1C}">
+                    <a14:useLocalDpi xmlns:a14="http://schemas.microsoft.com/office/drawing/2010/main" val="0"/>
+                  </a:ext>
+                </a:extLst>
+              </a:blip>
+              <a:srcRect/>
+              <a:stretch>
+                <a:fillRect/>
+              </a:stretch>
+            </a:blipFill>
+            <a:ln w="57150">
+              <a:solidFill>
+                <a:srgbClr val="CC0000"/>
+              </a:solidFill>
+            </a:ln>
+          </p:spPr>
+          <p:style>
+            <a:lnRef idx="2">
+              <a:schemeClr val="accent1">
+                <a:shade val="50000"/>
+              </a:schemeClr>
+            </a:lnRef>
+            <a:fillRef idx="1">
+              <a:schemeClr val="accent1"/>
+            </a:fillRef>
+            <a:effectRef idx="0">
+              <a:schemeClr val="accent1"/>
+            </a:effectRef>
+            <a:fontRef idx="minor">
+              <a:schemeClr val="lt1"/>
+            </a:fontRef>
+          </p:style>
+          <p:txBody>
+            <a:bodyPr rtlCol="0" anchor="ctr"/>
+            <a:lstStyle/>
+            <a:p>
+              <a:pPr algn="ctr"/>
+              <a:endParaRPr lang="en-GB" dirty="0"/>
+            </a:p>
+          </p:txBody>
+        </p:sp>
+      </p:grpSp>
+      <p:grpSp>
+        <p:nvGrpSpPr>
+          <p:cNvPr id="64" name="Group 63">
+            <a:extLst>
+              <a:ext uri="{FF2B5EF4-FFF2-40B4-BE49-F238E27FC236}">
+                <a16:creationId xmlns:a16="http://schemas.microsoft.com/office/drawing/2014/main" id="{70FA347D-81CE-6186-4689-8DB0B8FF0F1E}"/>
+              </a:ext>
+            </a:extLst>
+          </p:cNvPr>
+          <p:cNvGrpSpPr/>
+          <p:nvPr/>
+        </p:nvGrpSpPr>
+        <p:grpSpPr>
+          <a:xfrm>
+            <a:off x="142077" y="1452735"/>
+            <a:ext cx="3222153" cy="975360"/>
+            <a:chOff x="3429000" y="681427"/>
+            <a:chExt cx="3222153" cy="975360"/>
+          </a:xfrm>
+        </p:grpSpPr>
+        <p:sp>
+          <p:nvSpPr>
+            <p:cNvPr id="65" name="Rectangle 64">
               <a:extLst>
-                <a:ext uri="{28A0092B-C50C-407E-A947-70E740481C1C}">
-                  <a14:useLocalDpi xmlns:a14="http://schemas.microsoft.com/office/drawing/2010/main" val="0"/>
+                <a:ext uri="{FF2B5EF4-FFF2-40B4-BE49-F238E27FC236}">
+                  <a16:creationId xmlns:a16="http://schemas.microsoft.com/office/drawing/2014/main" id="{ED3653D5-F421-FC23-E1C5-A706A102772D}"/>
                 </a:ext>
               </a:extLst>
-            </a:blip>
-            <a:srcRect l="85817" t="82311" r="8038" b="15181"/>
-            <a:stretch/>
-          </p:blipFill>
+            </p:cNvPr>
+            <p:cNvSpPr/>
+            <p:nvPr/>
+          </p:nvSpPr>
           <p:spPr>
             <a:xfrm>
-              <a:off x="4943360" y="8267524"/>
-              <a:ext cx="157375" cy="94631"/>
+              <a:off x="4372773" y="681427"/>
+              <a:ext cx="2278380" cy="975360"/>
             </a:xfrm>
             <a:prstGeom prst="rect">
               <a:avLst/>
             </a:prstGeom>
+            <a:solidFill>
+              <a:srgbClr val="262F3B"/>
+            </a:solidFill>
+            <a:ln>
+              <a:noFill/>
+            </a:ln>
           </p:spPr>
-        </p:pic>
+          <p:style>
+            <a:lnRef idx="2">
+              <a:schemeClr val="accent1">
+                <a:shade val="50000"/>
+              </a:schemeClr>
+            </a:lnRef>
+            <a:fillRef idx="1">
+              <a:schemeClr val="accent1"/>
+            </a:fillRef>
+            <a:effectRef idx="0">
+              <a:schemeClr val="accent1"/>
+            </a:effectRef>
+            <a:fontRef idx="minor">
+              <a:schemeClr val="lt1"/>
+            </a:fontRef>
+          </p:style>
+          <p:txBody>
+            <a:bodyPr rtlCol="0" anchor="ctr"/>
+            <a:lstStyle/>
+            <a:p>
+              <a:r>
+                <a:rPr lang="en-GB" sz="1000" b="0" i="0" dirty="0">
+                  <a:solidFill>
+                    <a:schemeClr val="bg1"/>
+                  </a:solidFill>
+                  <a:effectLst/>
+                </a:rPr>
+                <a:t>I hired Alex as an inexperienced, but very intelligent grad. He learned tech fast, and could apply and discuss it in a clear and believable way. These skills quickly allowed Alex to develop his role.</a:t>
+              </a:r>
+            </a:p>
+            <a:p>
+              <a:r>
+                <a:rPr lang="en-GB" sz="1000" b="1" dirty="0">
+                  <a:solidFill>
+                    <a:srgbClr val="F6AB25"/>
+                  </a:solidFill>
+                </a:rPr>
+                <a:t>Simon Johnson</a:t>
+              </a:r>
+              <a:r>
+                <a:rPr lang="en-GB" sz="1000" i="0" dirty="0">
+                  <a:solidFill>
+                    <a:srgbClr val="F6AB25"/>
+                  </a:solidFill>
+                  <a:effectLst/>
+                </a:rPr>
+                <a:t>, Head of Sales, </a:t>
+              </a:r>
+              <a:r>
+                <a:rPr lang="en-GB" sz="1000" dirty="0">
+                  <a:solidFill>
+                    <a:srgbClr val="F6AB25"/>
+                  </a:solidFill>
+                </a:rPr>
+                <a:t>R</a:t>
+              </a:r>
+              <a:r>
+                <a:rPr lang="en-GB" sz="1000" i="0" dirty="0">
+                  <a:solidFill>
+                    <a:srgbClr val="F6AB25"/>
+                  </a:solidFill>
+                  <a:effectLst/>
+                </a:rPr>
+                <a:t>edgate</a:t>
+              </a:r>
+              <a:endParaRPr lang="en-GB" sz="1000" dirty="0">
+                <a:solidFill>
+                  <a:srgbClr val="F6AB25"/>
+                </a:solidFill>
+              </a:endParaRPr>
+            </a:p>
+          </p:txBody>
+        </p:sp>
+        <p:sp>
+          <p:nvSpPr>
+            <p:cNvPr id="66" name="Oval 65">
+              <a:extLst>
+                <a:ext uri="{FF2B5EF4-FFF2-40B4-BE49-F238E27FC236}">
+                  <a16:creationId xmlns:a16="http://schemas.microsoft.com/office/drawing/2014/main" id="{1CC7E04D-C0DA-1622-8FE2-73E727075361}"/>
+                </a:ext>
+              </a:extLst>
+            </p:cNvPr>
+            <p:cNvSpPr/>
+            <p:nvPr/>
+          </p:nvSpPr>
+          <p:spPr>
+            <a:xfrm>
+              <a:off x="3429000" y="681427"/>
+              <a:ext cx="975360" cy="975360"/>
+            </a:xfrm>
+            <a:prstGeom prst="ellipse">
+              <a:avLst/>
+            </a:prstGeom>
+            <a:blipFill dpi="0" rotWithShape="1">
+              <a:blip r:embed="rId21">
+                <a:extLst>
+                  <a:ext uri="{28A0092B-C50C-407E-A947-70E740481C1C}">
+                    <a14:useLocalDpi xmlns:a14="http://schemas.microsoft.com/office/drawing/2010/main" val="0"/>
+                  </a:ext>
+                </a:extLst>
+              </a:blip>
+              <a:srcRect/>
+              <a:stretch>
+                <a:fillRect/>
+              </a:stretch>
+            </a:blipFill>
+            <a:ln w="57150">
+              <a:solidFill>
+                <a:srgbClr val="CC0000"/>
+              </a:solidFill>
+            </a:ln>
+          </p:spPr>
+          <p:style>
+            <a:lnRef idx="2">
+              <a:schemeClr val="accent1">
+                <a:shade val="50000"/>
+              </a:schemeClr>
+            </a:lnRef>
+            <a:fillRef idx="1">
+              <a:schemeClr val="accent1"/>
+            </a:fillRef>
+            <a:effectRef idx="0">
+              <a:schemeClr val="accent1"/>
+            </a:effectRef>
+            <a:fontRef idx="minor">
+              <a:schemeClr val="lt1"/>
+            </a:fontRef>
+          </p:style>
+          <p:txBody>
+            <a:bodyPr rtlCol="0" anchor="ctr"/>
+            <a:lstStyle/>
+            <a:p>
+              <a:pPr algn="ctr"/>
+              <a:endParaRPr lang="en-GB" dirty="0"/>
+            </a:p>
+          </p:txBody>
+        </p:sp>
       </p:grpSp>
+      <p:pic>
+        <p:nvPicPr>
+          <p:cNvPr id="1026" name="Picture 2">
+            <a:extLst>
+              <a:ext uri="{FF2B5EF4-FFF2-40B4-BE49-F238E27FC236}">
+                <a16:creationId xmlns:a16="http://schemas.microsoft.com/office/drawing/2014/main" id="{4518E692-E609-F59B-CC48-A394D218B79A}"/>
+              </a:ext>
+            </a:extLst>
+          </p:cNvPr>
+          <p:cNvPicPr>
+            <a:picLocks noChangeAspect="1" noChangeArrowheads="1"/>
+          </p:cNvPicPr>
+          <p:nvPr/>
+        </p:nvPicPr>
+        <p:blipFill>
+          <a:blip r:embed="rId22">
+            <a:extLst>
+              <a:ext uri="{28A0092B-C50C-407E-A947-70E740481C1C}">
+                <a14:useLocalDpi xmlns:a14="http://schemas.microsoft.com/office/drawing/2010/main" val="0"/>
+              </a:ext>
+            </a:extLst>
+          </a:blip>
+          <a:srcRect/>
+          <a:stretch>
+            <a:fillRect/>
+          </a:stretch>
+        </p:blipFill>
+        <p:spPr bwMode="auto">
+          <a:xfrm>
+            <a:off x="3182636" y="1174506"/>
+            <a:ext cx="299688" cy="246479"/>
+          </a:xfrm>
+          <a:prstGeom prst="rect">
+            <a:avLst/>
+          </a:prstGeom>
+          <a:noFill/>
+          <a:extLst>
+            <a:ext uri="{909E8E84-426E-40DD-AFC4-6F175D3DCCD1}">
+              <a14:hiddenFill xmlns:a14="http://schemas.microsoft.com/office/drawing/2010/main">
+                <a:solidFill>
+                  <a:srgbClr val="FFFFFF"/>
+                </a:solidFill>
+              </a14:hiddenFill>
+            </a:ext>
+          </a:extLst>
+        </p:spPr>
+      </p:pic>
+      <p:pic>
+        <p:nvPicPr>
+          <p:cNvPr id="69" name="Picture 2">
+            <a:extLst>
+              <a:ext uri="{FF2B5EF4-FFF2-40B4-BE49-F238E27FC236}">
+                <a16:creationId xmlns:a16="http://schemas.microsoft.com/office/drawing/2014/main" id="{54D7AEE1-10B3-4440-72E1-A629D731DDBE}"/>
+              </a:ext>
+            </a:extLst>
+          </p:cNvPr>
+          <p:cNvPicPr>
+            <a:picLocks noChangeAspect="1" noChangeArrowheads="1"/>
+          </p:cNvPicPr>
+          <p:nvPr/>
+        </p:nvPicPr>
+        <p:blipFill>
+          <a:blip r:embed="rId22">
+            <a:extLst>
+              <a:ext uri="{28A0092B-C50C-407E-A947-70E740481C1C}">
+                <a14:useLocalDpi xmlns:a14="http://schemas.microsoft.com/office/drawing/2010/main" val="0"/>
+              </a:ext>
+            </a:extLst>
+          </a:blip>
+          <a:srcRect/>
+          <a:stretch>
+            <a:fillRect/>
+          </a:stretch>
+        </p:blipFill>
+        <p:spPr bwMode="auto">
+          <a:xfrm>
+            <a:off x="6534329" y="1174505"/>
+            <a:ext cx="299688" cy="246479"/>
+          </a:xfrm>
+          <a:prstGeom prst="rect">
+            <a:avLst/>
+          </a:prstGeom>
+          <a:noFill/>
+          <a:extLst>
+            <a:ext uri="{909E8E84-426E-40DD-AFC4-6F175D3DCCD1}">
+              <a14:hiddenFill xmlns:a14="http://schemas.microsoft.com/office/drawing/2010/main">
+                <a:solidFill>
+                  <a:srgbClr val="FFFFFF"/>
+                </a:solidFill>
+              </a14:hiddenFill>
+            </a:ext>
+          </a:extLst>
+        </p:spPr>
+      </p:pic>
     </p:spTree>
     <p:extLst>
       <p:ext uri="{BB962C8B-B14F-4D97-AF65-F5344CB8AC3E}">
-        <p14:creationId xmlns:p14="http://schemas.microsoft.com/office/powerpoint/2010/main" val="3200844362"/>
+        <p14:creationId xmlns:p14="http://schemas.microsoft.com/office/powerpoint/2010/main" val="65838921"/>
       </p:ext>
     </p:extLst>
   </p:cSld>

--- a/src/CV_AlexYates_EMEA.pptx
+++ b/src/CV_AlexYates_EMEA.pptx
@@ -242,7 +242,7 @@
           <a:p>
             <a:fld id="{335876D0-9B75-44B5-9404-8FDAD3FB5281}" type="datetimeFigureOut">
               <a:rPr lang="en-GB" smtClean="0"/>
-              <a:t>07/11/2022</a:t>
+              <a:t>08/11/2022</a:t>
             </a:fld>
             <a:endParaRPr lang="en-GB"/>
           </a:p>
@@ -412,7 +412,7 @@
           <a:p>
             <a:fld id="{335876D0-9B75-44B5-9404-8FDAD3FB5281}" type="datetimeFigureOut">
               <a:rPr lang="en-GB" smtClean="0"/>
-              <a:t>07/11/2022</a:t>
+              <a:t>08/11/2022</a:t>
             </a:fld>
             <a:endParaRPr lang="en-GB"/>
           </a:p>
@@ -592,7 +592,7 @@
           <a:p>
             <a:fld id="{335876D0-9B75-44B5-9404-8FDAD3FB5281}" type="datetimeFigureOut">
               <a:rPr lang="en-GB" smtClean="0"/>
-              <a:t>07/11/2022</a:t>
+              <a:t>08/11/2022</a:t>
             </a:fld>
             <a:endParaRPr lang="en-GB"/>
           </a:p>
@@ -768,7 +768,7 @@
           <a:p>
             <a:fld id="{335876D0-9B75-44B5-9404-8FDAD3FB5281}" type="datetimeFigureOut">
               <a:rPr lang="en-GB" smtClean="0"/>
-              <a:t>07/11/2022</a:t>
+              <a:t>08/11/2022</a:t>
             </a:fld>
             <a:endParaRPr lang="en-GB"/>
           </a:p>
@@ -1012,7 +1012,7 @@
           <a:p>
             <a:fld id="{335876D0-9B75-44B5-9404-8FDAD3FB5281}" type="datetimeFigureOut">
               <a:rPr lang="en-GB" smtClean="0"/>
-              <a:t>07/11/2022</a:t>
+              <a:t>08/11/2022</a:t>
             </a:fld>
             <a:endParaRPr lang="en-GB"/>
           </a:p>
@@ -1244,7 +1244,7 @@
           <a:p>
             <a:fld id="{335876D0-9B75-44B5-9404-8FDAD3FB5281}" type="datetimeFigureOut">
               <a:rPr lang="en-GB" smtClean="0"/>
-              <a:t>07/11/2022</a:t>
+              <a:t>08/11/2022</a:t>
             </a:fld>
             <a:endParaRPr lang="en-GB"/>
           </a:p>
@@ -1611,7 +1611,7 @@
           <a:p>
             <a:fld id="{335876D0-9B75-44B5-9404-8FDAD3FB5281}" type="datetimeFigureOut">
               <a:rPr lang="en-GB" smtClean="0"/>
-              <a:t>07/11/2022</a:t>
+              <a:t>08/11/2022</a:t>
             </a:fld>
             <a:endParaRPr lang="en-GB"/>
           </a:p>
@@ -1729,7 +1729,7 @@
           <a:p>
             <a:fld id="{335876D0-9B75-44B5-9404-8FDAD3FB5281}" type="datetimeFigureOut">
               <a:rPr lang="en-GB" smtClean="0"/>
-              <a:t>07/11/2022</a:t>
+              <a:t>08/11/2022</a:t>
             </a:fld>
             <a:endParaRPr lang="en-GB"/>
           </a:p>
@@ -1824,7 +1824,7 @@
           <a:p>
             <a:fld id="{335876D0-9B75-44B5-9404-8FDAD3FB5281}" type="datetimeFigureOut">
               <a:rPr lang="en-GB" smtClean="0"/>
-              <a:t>07/11/2022</a:t>
+              <a:t>08/11/2022</a:t>
             </a:fld>
             <a:endParaRPr lang="en-GB"/>
           </a:p>
@@ -2101,7 +2101,7 @@
           <a:p>
             <a:fld id="{335876D0-9B75-44B5-9404-8FDAD3FB5281}" type="datetimeFigureOut">
               <a:rPr lang="en-GB" smtClean="0"/>
-              <a:t>07/11/2022</a:t>
+              <a:t>08/11/2022</a:t>
             </a:fld>
             <a:endParaRPr lang="en-GB"/>
           </a:p>
@@ -2358,7 +2358,7 @@
           <a:p>
             <a:fld id="{335876D0-9B75-44B5-9404-8FDAD3FB5281}" type="datetimeFigureOut">
               <a:rPr lang="en-GB" smtClean="0"/>
-              <a:t>07/11/2022</a:t>
+              <a:t>08/11/2022</a:t>
             </a:fld>
             <a:endParaRPr lang="en-GB"/>
           </a:p>
@@ -2571,7 +2571,7 @@
           <a:p>
             <a:fld id="{335876D0-9B75-44B5-9404-8FDAD3FB5281}" type="datetimeFigureOut">
               <a:rPr lang="en-GB" smtClean="0"/>
-              <a:t>07/11/2022</a:t>
+              <a:t>08/11/2022</a:t>
             </a:fld>
             <a:endParaRPr lang="en-GB"/>
           </a:p>
@@ -8624,7 +8624,7 @@
                   <a:srgbClr val="262F3B"/>
                 </a:solidFill>
               </a:rPr>
-              <a:t>Doubled revenue in 12 months. Tripled revenue 36 months.</a:t>
+              <a:t>Doubled revenue in 12 months. Tripled revenue in 36 months.</a:t>
             </a:r>
           </a:p>
           <a:p>
@@ -9689,7 +9689,7 @@
                   </a:solidFill>
                   <a:effectLst/>
                 </a:rPr>
-                <a:t>, PASS President, Redgate</a:t>
+                <a:t>, Dev Advocate, Redgate</a:t>
               </a:r>
               <a:endParaRPr lang="en-GB" sz="1000" dirty="0">
                 <a:solidFill>
@@ -10936,7 +10936,23 @@
                     <a:srgbClr val="F6AB25"/>
                   </a:solidFill>
                 </a:rPr>
-                <a:t>, Senior DBA, </a:t>
+                <a:t>, </a:t>
+              </a:r>
+              <a:r>
+                <a:rPr lang="en-GB" sz="900" dirty="0">
+                  <a:solidFill>
+                    <a:srgbClr val="F6AB25"/>
+                  </a:solidFill>
+                </a:rPr>
+                <a:t>DBA/Customer</a:t>
+              </a:r>
+              <a:r>
+                <a:rPr lang="en-GB" sz="1000" dirty="0">
+                  <a:solidFill>
+                    <a:srgbClr val="F6AB25"/>
+                  </a:solidFill>
+                </a:rPr>
+                <a:t>, </a:t>
               </a:r>
               <a:r>
                 <a:rPr lang="en-GB" sz="1000" dirty="0" err="1">

--- a/src/CV_AlexYates_EMEA.pptx
+++ b/src/CV_AlexYates_EMEA.pptx
@@ -242,7 +242,7 @@
           <a:p>
             <a:fld id="{335876D0-9B75-44B5-9404-8FDAD3FB5281}" type="datetimeFigureOut">
               <a:rPr lang="en-GB" smtClean="0"/>
-              <a:t>08/11/2022</a:t>
+              <a:t>10/11/2022</a:t>
             </a:fld>
             <a:endParaRPr lang="en-GB"/>
           </a:p>
@@ -412,7 +412,7 @@
           <a:p>
             <a:fld id="{335876D0-9B75-44B5-9404-8FDAD3FB5281}" type="datetimeFigureOut">
               <a:rPr lang="en-GB" smtClean="0"/>
-              <a:t>08/11/2022</a:t>
+              <a:t>10/11/2022</a:t>
             </a:fld>
             <a:endParaRPr lang="en-GB"/>
           </a:p>
@@ -592,7 +592,7 @@
           <a:p>
             <a:fld id="{335876D0-9B75-44B5-9404-8FDAD3FB5281}" type="datetimeFigureOut">
               <a:rPr lang="en-GB" smtClean="0"/>
-              <a:t>08/11/2022</a:t>
+              <a:t>10/11/2022</a:t>
             </a:fld>
             <a:endParaRPr lang="en-GB"/>
           </a:p>
@@ -768,7 +768,7 @@
           <a:p>
             <a:fld id="{335876D0-9B75-44B5-9404-8FDAD3FB5281}" type="datetimeFigureOut">
               <a:rPr lang="en-GB" smtClean="0"/>
-              <a:t>08/11/2022</a:t>
+              <a:t>10/11/2022</a:t>
             </a:fld>
             <a:endParaRPr lang="en-GB"/>
           </a:p>
@@ -1012,7 +1012,7 @@
           <a:p>
             <a:fld id="{335876D0-9B75-44B5-9404-8FDAD3FB5281}" type="datetimeFigureOut">
               <a:rPr lang="en-GB" smtClean="0"/>
-              <a:t>08/11/2022</a:t>
+              <a:t>10/11/2022</a:t>
             </a:fld>
             <a:endParaRPr lang="en-GB"/>
           </a:p>
@@ -1244,7 +1244,7 @@
           <a:p>
             <a:fld id="{335876D0-9B75-44B5-9404-8FDAD3FB5281}" type="datetimeFigureOut">
               <a:rPr lang="en-GB" smtClean="0"/>
-              <a:t>08/11/2022</a:t>
+              <a:t>10/11/2022</a:t>
             </a:fld>
             <a:endParaRPr lang="en-GB"/>
           </a:p>
@@ -1611,7 +1611,7 @@
           <a:p>
             <a:fld id="{335876D0-9B75-44B5-9404-8FDAD3FB5281}" type="datetimeFigureOut">
               <a:rPr lang="en-GB" smtClean="0"/>
-              <a:t>08/11/2022</a:t>
+              <a:t>10/11/2022</a:t>
             </a:fld>
             <a:endParaRPr lang="en-GB"/>
           </a:p>
@@ -1729,7 +1729,7 @@
           <a:p>
             <a:fld id="{335876D0-9B75-44B5-9404-8FDAD3FB5281}" type="datetimeFigureOut">
               <a:rPr lang="en-GB" smtClean="0"/>
-              <a:t>08/11/2022</a:t>
+              <a:t>10/11/2022</a:t>
             </a:fld>
             <a:endParaRPr lang="en-GB"/>
           </a:p>
@@ -1824,7 +1824,7 @@
           <a:p>
             <a:fld id="{335876D0-9B75-44B5-9404-8FDAD3FB5281}" type="datetimeFigureOut">
               <a:rPr lang="en-GB" smtClean="0"/>
-              <a:t>08/11/2022</a:t>
+              <a:t>10/11/2022</a:t>
             </a:fld>
             <a:endParaRPr lang="en-GB"/>
           </a:p>
@@ -2101,7 +2101,7 @@
           <a:p>
             <a:fld id="{335876D0-9B75-44B5-9404-8FDAD3FB5281}" type="datetimeFigureOut">
               <a:rPr lang="en-GB" smtClean="0"/>
-              <a:t>08/11/2022</a:t>
+              <a:t>10/11/2022</a:t>
             </a:fld>
             <a:endParaRPr lang="en-GB"/>
           </a:p>
@@ -2358,7 +2358,7 @@
           <a:p>
             <a:fld id="{335876D0-9B75-44B5-9404-8FDAD3FB5281}" type="datetimeFigureOut">
               <a:rPr lang="en-GB" smtClean="0"/>
-              <a:t>08/11/2022</a:t>
+              <a:t>10/11/2022</a:t>
             </a:fld>
             <a:endParaRPr lang="en-GB"/>
           </a:p>
@@ -2571,7 +2571,7 @@
           <a:p>
             <a:fld id="{335876D0-9B75-44B5-9404-8FDAD3FB5281}" type="datetimeFigureOut">
               <a:rPr lang="en-GB" smtClean="0"/>
-              <a:t>08/11/2022</a:t>
+              <a:t>10/11/2022</a:t>
             </a:fld>
             <a:endParaRPr lang="en-GB"/>
           </a:p>
@@ -2976,234 +2976,6 @@
           <a:chExt cx="0" cy="0"/>
         </a:xfrm>
       </p:grpSpPr>
-      <p:grpSp>
-        <p:nvGrpSpPr>
-          <p:cNvPr id="22" name="Group 21">
-            <a:extLst>
-              <a:ext uri="{FF2B5EF4-FFF2-40B4-BE49-F238E27FC236}">
-                <a16:creationId xmlns:a16="http://schemas.microsoft.com/office/drawing/2014/main" id="{DF3FA1CA-E07B-6663-BD82-E82B0EF986DF}"/>
-              </a:ext>
-            </a:extLst>
-          </p:cNvPr>
-          <p:cNvGrpSpPr/>
-          <p:nvPr/>
-        </p:nvGrpSpPr>
-        <p:grpSpPr>
-          <a:xfrm>
-            <a:off x="2398500" y="4938717"/>
-            <a:ext cx="4271935" cy="4462893"/>
-            <a:chOff x="2550912" y="4795832"/>
-            <a:chExt cx="4271935" cy="4462893"/>
-          </a:xfrm>
-        </p:grpSpPr>
-        <p:pic>
-          <p:nvPicPr>
-            <p:cNvPr id="20" name="Picture 19">
-              <a:extLst>
-                <a:ext uri="{FF2B5EF4-FFF2-40B4-BE49-F238E27FC236}">
-                  <a16:creationId xmlns:a16="http://schemas.microsoft.com/office/drawing/2014/main" id="{0BF159B5-5A4C-9F9A-294D-710289456027}"/>
-                </a:ext>
-              </a:extLst>
-            </p:cNvPr>
-            <p:cNvPicPr>
-              <a:picLocks noChangeAspect="1"/>
-            </p:cNvPicPr>
-            <p:nvPr/>
-          </p:nvPicPr>
-          <p:blipFill rotWithShape="1">
-            <a:blip r:embed="rId2"/>
-            <a:srcRect l="64" t="48489" r="81799"/>
-            <a:stretch/>
-          </p:blipFill>
-          <p:spPr>
-            <a:xfrm>
-              <a:off x="2550912" y="6934189"/>
-              <a:ext cx="801888" cy="2323755"/>
-            </a:xfrm>
-            <a:prstGeom prst="rect">
-              <a:avLst/>
-            </a:prstGeom>
-          </p:spPr>
-        </p:pic>
-        <p:pic>
-          <p:nvPicPr>
-            <p:cNvPr id="229" name="Picture 228" descr="A picture containing graphical user interface&#10;&#10;Description automatically generated">
-              <a:extLst>
-                <a:ext uri="{FF2B5EF4-FFF2-40B4-BE49-F238E27FC236}">
-                  <a16:creationId xmlns:a16="http://schemas.microsoft.com/office/drawing/2014/main" id="{1261B3D0-08BF-550A-447F-24233F77BB43}"/>
-                </a:ext>
-              </a:extLst>
-            </p:cNvPr>
-            <p:cNvPicPr>
-              <a:picLocks noChangeAspect="1"/>
-            </p:cNvPicPr>
-            <p:nvPr/>
-          </p:nvPicPr>
-          <p:blipFill rotWithShape="1">
-            <a:blip r:embed="rId3">
-              <a:extLst>
-                <a:ext uri="{28A0092B-C50C-407E-A947-70E740481C1C}">
-                  <a14:useLocalDpi xmlns:a14="http://schemas.microsoft.com/office/drawing/2010/main" val="0"/>
-                </a:ext>
-              </a:extLst>
-            </a:blip>
-            <a:srcRect l="62942" t="73941" r="36058" b="24743"/>
-            <a:stretch/>
-          </p:blipFill>
-          <p:spPr>
-            <a:xfrm>
-              <a:off x="5061502" y="8213789"/>
-              <a:ext cx="45719" cy="62481"/>
-            </a:xfrm>
-            <a:prstGeom prst="rect">
-              <a:avLst/>
-            </a:prstGeom>
-          </p:spPr>
-        </p:pic>
-        <p:pic>
-          <p:nvPicPr>
-            <p:cNvPr id="230" name="Picture 229" descr="A picture containing graphical user interface&#10;&#10;Description automatically generated">
-              <a:extLst>
-                <a:ext uri="{FF2B5EF4-FFF2-40B4-BE49-F238E27FC236}">
-                  <a16:creationId xmlns:a16="http://schemas.microsoft.com/office/drawing/2014/main" id="{141FE177-05BE-8E33-61D2-3C4D6CB30E6A}"/>
-                </a:ext>
-              </a:extLst>
-            </p:cNvPr>
-            <p:cNvPicPr>
-              <a:picLocks noChangeAspect="1"/>
-            </p:cNvPicPr>
-            <p:nvPr/>
-          </p:nvPicPr>
-          <p:blipFill rotWithShape="1">
-            <a:blip r:embed="rId3">
-              <a:extLst>
-                <a:ext uri="{28A0092B-C50C-407E-A947-70E740481C1C}">
-                  <a14:useLocalDpi xmlns:a14="http://schemas.microsoft.com/office/drawing/2010/main" val="0"/>
-                </a:ext>
-              </a:extLst>
-            </a:blip>
-            <a:srcRect l="85817" t="82311" r="8038" b="15181"/>
-            <a:stretch/>
-          </p:blipFill>
-          <p:spPr>
-            <a:xfrm>
-              <a:off x="4935929" y="8266222"/>
-              <a:ext cx="162718" cy="97844"/>
-            </a:xfrm>
-            <a:prstGeom prst="rect">
-              <a:avLst/>
-            </a:prstGeom>
-          </p:spPr>
-        </p:pic>
-        <p:grpSp>
-          <p:nvGrpSpPr>
-            <p:cNvPr id="10" name="Group 9">
-              <a:extLst>
-                <a:ext uri="{FF2B5EF4-FFF2-40B4-BE49-F238E27FC236}">
-                  <a16:creationId xmlns:a16="http://schemas.microsoft.com/office/drawing/2014/main" id="{A6DACB01-2564-1083-FB66-89554499986C}"/>
-                </a:ext>
-              </a:extLst>
-            </p:cNvPr>
-            <p:cNvGrpSpPr/>
-            <p:nvPr/>
-          </p:nvGrpSpPr>
-          <p:grpSpPr>
-            <a:xfrm>
-              <a:off x="3352800" y="4798218"/>
-              <a:ext cx="3470047" cy="4460507"/>
-              <a:chOff x="3400789" y="4680520"/>
-              <a:chExt cx="3470047" cy="4460507"/>
-            </a:xfrm>
-          </p:grpSpPr>
-          <p:pic>
-            <p:nvPicPr>
-              <p:cNvPr id="9" name="Picture 8">
-                <a:extLst>
-                  <a:ext uri="{FF2B5EF4-FFF2-40B4-BE49-F238E27FC236}">
-                    <a16:creationId xmlns:a16="http://schemas.microsoft.com/office/drawing/2014/main" id="{8DE4B569-3D89-5D07-132B-A52F9B90CC49}"/>
-                  </a:ext>
-                </a:extLst>
-              </p:cNvPr>
-              <p:cNvPicPr>
-                <a:picLocks noChangeAspect="1"/>
-              </p:cNvPicPr>
-              <p:nvPr/>
-            </p:nvPicPr>
-            <p:blipFill rotWithShape="1">
-              <a:blip r:embed="rId2"/>
-              <a:srcRect l="21516" t="1123"/>
-              <a:stretch/>
-            </p:blipFill>
-            <p:spPr>
-              <a:xfrm>
-                <a:off x="3400789" y="4680520"/>
-                <a:ext cx="3470047" cy="4460507"/>
-              </a:xfrm>
-              <a:prstGeom prst="rect">
-                <a:avLst/>
-              </a:prstGeom>
-            </p:spPr>
-          </p:pic>
-          <p:pic>
-            <p:nvPicPr>
-              <p:cNvPr id="7" name="Picture 6">
-                <a:extLst>
-                  <a:ext uri="{FF2B5EF4-FFF2-40B4-BE49-F238E27FC236}">
-                    <a16:creationId xmlns:a16="http://schemas.microsoft.com/office/drawing/2014/main" id="{5D4AED1A-2364-FCB4-856C-0885DD701AAD}"/>
-                  </a:ext>
-                </a:extLst>
-              </p:cNvPr>
-              <p:cNvPicPr>
-                <a:picLocks noChangeAspect="1"/>
-              </p:cNvPicPr>
-              <p:nvPr/>
-            </p:nvPicPr>
-            <p:blipFill rotWithShape="1">
-              <a:blip r:embed="rId4"/>
-              <a:srcRect l="21763" t="6744" b="34757"/>
-              <a:stretch/>
-            </p:blipFill>
-            <p:spPr>
-              <a:xfrm>
-                <a:off x="3400789" y="4957370"/>
-                <a:ext cx="3387756" cy="2616008"/>
-              </a:xfrm>
-              <a:prstGeom prst="rect">
-                <a:avLst/>
-              </a:prstGeom>
-            </p:spPr>
-          </p:pic>
-        </p:grpSp>
-        <p:pic>
-          <p:nvPicPr>
-            <p:cNvPr id="14" name="Picture 13">
-              <a:extLst>
-                <a:ext uri="{FF2B5EF4-FFF2-40B4-BE49-F238E27FC236}">
-                  <a16:creationId xmlns:a16="http://schemas.microsoft.com/office/drawing/2014/main" id="{5E45EE8B-3781-2763-1928-59A60ED830C4}"/>
-                </a:ext>
-              </a:extLst>
-            </p:cNvPr>
-            <p:cNvPicPr>
-              <a:picLocks noChangeAspect="1"/>
-            </p:cNvPicPr>
-            <p:nvPr/>
-          </p:nvPicPr>
-          <p:blipFill rotWithShape="1">
-            <a:blip r:embed="rId4"/>
-            <a:srcRect l="307" t="528" r="81604" b="34757"/>
-            <a:stretch/>
-          </p:blipFill>
-          <p:spPr>
-            <a:xfrm>
-              <a:off x="2569164" y="4795832"/>
-              <a:ext cx="783636" cy="2895245"/>
-            </a:xfrm>
-            <a:prstGeom prst="rect">
-              <a:avLst/>
-            </a:prstGeom>
-          </p:spPr>
-        </p:pic>
-      </p:grpSp>
       <p:sp>
         <p:nvSpPr>
           <p:cNvPr id="4" name="TextBox 3">
@@ -3302,13 +3074,13 @@
           <p:nvPr/>
         </p:nvPicPr>
         <p:blipFill>
-          <a:blip r:embed="rId5">
+          <a:blip r:embed="rId2">
             <a:extLst>
               <a:ext uri="{28A0092B-C50C-407E-A947-70E740481C1C}">
                 <a14:useLocalDpi xmlns:a14="http://schemas.microsoft.com/office/drawing/2010/main" val="0"/>
               </a:ext>
               <a:ext uri="{96DAC541-7B7A-43D3-8B79-37D633B846F1}">
-                <asvg:svgBlip xmlns:asvg="http://schemas.microsoft.com/office/drawing/2016/SVG/main" r:embed="rId6"/>
+                <asvg:svgBlip xmlns:asvg="http://schemas.microsoft.com/office/drawing/2016/SVG/main" r:embed="rId3"/>
               </a:ext>
             </a:extLst>
           </a:blip>
@@ -3341,13 +3113,13 @@
           <p:nvPr/>
         </p:nvPicPr>
         <p:blipFill>
-          <a:blip r:embed="rId7">
+          <a:blip r:embed="rId4">
             <a:extLst>
               <a:ext uri="{28A0092B-C50C-407E-A947-70E740481C1C}">
                 <a14:useLocalDpi xmlns:a14="http://schemas.microsoft.com/office/drawing/2010/main" val="0"/>
               </a:ext>
               <a:ext uri="{96DAC541-7B7A-43D3-8B79-37D633B846F1}">
-                <asvg:svgBlip xmlns:asvg="http://schemas.microsoft.com/office/drawing/2016/SVG/main" r:embed="rId8"/>
+                <asvg:svgBlip xmlns:asvg="http://schemas.microsoft.com/office/drawing/2016/SVG/main" r:embed="rId5"/>
               </a:ext>
             </a:extLst>
           </a:blip>
@@ -3380,13 +3152,13 @@
           <p:nvPr/>
         </p:nvPicPr>
         <p:blipFill>
-          <a:blip r:embed="rId9">
+          <a:blip r:embed="rId6">
             <a:extLst>
               <a:ext uri="{28A0092B-C50C-407E-A947-70E740481C1C}">
                 <a14:useLocalDpi xmlns:a14="http://schemas.microsoft.com/office/drawing/2010/main" val="0"/>
               </a:ext>
               <a:ext uri="{96DAC541-7B7A-43D3-8B79-37D633B846F1}">
-                <asvg:svgBlip xmlns:asvg="http://schemas.microsoft.com/office/drawing/2016/SVG/main" r:embed="rId10"/>
+                <asvg:svgBlip xmlns:asvg="http://schemas.microsoft.com/office/drawing/2016/SVG/main" r:embed="rId7"/>
               </a:ext>
             </a:extLst>
           </a:blip>
@@ -3695,7 +3467,7 @@
           <p:nvPr/>
         </p:nvPicPr>
         <p:blipFill>
-          <a:blip r:embed="rId11">
+          <a:blip r:embed="rId8">
             <a:extLst>
               <a:ext uri="{28A0092B-C50C-407E-A947-70E740481C1C}">
                 <a14:useLocalDpi xmlns:a14="http://schemas.microsoft.com/office/drawing/2010/main" val="0"/>
@@ -4204,13 +3976,13 @@
           <p:nvPr/>
         </p:nvPicPr>
         <p:blipFill>
-          <a:blip r:embed="rId12">
+          <a:blip r:embed="rId9">
             <a:extLst>
               <a:ext uri="{28A0092B-C50C-407E-A947-70E740481C1C}">
                 <a14:useLocalDpi xmlns:a14="http://schemas.microsoft.com/office/drawing/2010/main" val="0"/>
               </a:ext>
               <a:ext uri="{96DAC541-7B7A-43D3-8B79-37D633B846F1}">
-                <asvg:svgBlip xmlns:asvg="http://schemas.microsoft.com/office/drawing/2016/SVG/main" r:embed="rId13"/>
+                <asvg:svgBlip xmlns:asvg="http://schemas.microsoft.com/office/drawing/2016/SVG/main" r:embed="rId10"/>
               </a:ext>
             </a:extLst>
           </a:blip>
@@ -4243,13 +4015,13 @@
           <p:nvPr/>
         </p:nvPicPr>
         <p:blipFill>
-          <a:blip r:embed="rId14">
+          <a:blip r:embed="rId11">
             <a:extLst>
               <a:ext uri="{28A0092B-C50C-407E-A947-70E740481C1C}">
                 <a14:useLocalDpi xmlns:a14="http://schemas.microsoft.com/office/drawing/2010/main" val="0"/>
               </a:ext>
               <a:ext uri="{96DAC541-7B7A-43D3-8B79-37D633B846F1}">
-                <asvg:svgBlip xmlns:asvg="http://schemas.microsoft.com/office/drawing/2016/SVG/main" r:embed="rId15"/>
+                <asvg:svgBlip xmlns:asvg="http://schemas.microsoft.com/office/drawing/2016/SVG/main" r:embed="rId12"/>
               </a:ext>
             </a:extLst>
           </a:blip>
@@ -4282,13 +4054,13 @@
           <p:nvPr/>
         </p:nvPicPr>
         <p:blipFill>
-          <a:blip r:embed="rId16">
+          <a:blip r:embed="rId13">
             <a:extLst>
               <a:ext uri="{28A0092B-C50C-407E-A947-70E740481C1C}">
                 <a14:useLocalDpi xmlns:a14="http://schemas.microsoft.com/office/drawing/2010/main" val="0"/>
               </a:ext>
               <a:ext uri="{96DAC541-7B7A-43D3-8B79-37D633B846F1}">
-                <asvg:svgBlip xmlns:asvg="http://schemas.microsoft.com/office/drawing/2016/SVG/main" r:embed="rId17"/>
+                <asvg:svgBlip xmlns:asvg="http://schemas.microsoft.com/office/drawing/2016/SVG/main" r:embed="rId14"/>
               </a:ext>
             </a:extLst>
           </a:blip>
@@ -4321,13 +4093,13 @@
           <p:nvPr/>
         </p:nvPicPr>
         <p:blipFill>
-          <a:blip r:embed="rId18">
+          <a:blip r:embed="rId15">
             <a:extLst>
               <a:ext uri="{28A0092B-C50C-407E-A947-70E740481C1C}">
                 <a14:useLocalDpi xmlns:a14="http://schemas.microsoft.com/office/drawing/2010/main" val="0"/>
               </a:ext>
               <a:ext uri="{96DAC541-7B7A-43D3-8B79-37D633B846F1}">
-                <asvg:svgBlip xmlns:asvg="http://schemas.microsoft.com/office/drawing/2016/SVG/main" r:embed="rId19"/>
+                <asvg:svgBlip xmlns:asvg="http://schemas.microsoft.com/office/drawing/2016/SVG/main" r:embed="rId16"/>
               </a:ext>
             </a:extLst>
           </a:blip>
@@ -7734,7 +7506,7 @@
           <p:nvPr/>
         </p:nvPicPr>
         <p:blipFill>
-          <a:blip r:embed="rId20">
+          <a:blip r:embed="rId17">
             <a:extLst>
               <a:ext uri="{28A0092B-C50C-407E-A947-70E740481C1C}">
                 <a14:useLocalDpi xmlns:a14="http://schemas.microsoft.com/office/drawing/2010/main" val="0"/>
@@ -8927,6 +8699,209 @@
           </a:p>
         </p:txBody>
       </p:sp>
+      <p:grpSp>
+        <p:nvGrpSpPr>
+          <p:cNvPr id="19" name="Group 18">
+            <a:extLst>
+              <a:ext uri="{FF2B5EF4-FFF2-40B4-BE49-F238E27FC236}">
+                <a16:creationId xmlns:a16="http://schemas.microsoft.com/office/drawing/2014/main" id="{61D4A007-9C2E-1DC8-2D8D-FBFAD22CCC44}"/>
+              </a:ext>
+            </a:extLst>
+          </p:cNvPr>
+          <p:cNvGrpSpPr/>
+          <p:nvPr/>
+        </p:nvGrpSpPr>
+        <p:grpSpPr>
+          <a:xfrm>
+            <a:off x="2427852" y="4926807"/>
+            <a:ext cx="4282308" cy="4488531"/>
+            <a:chOff x="2526277" y="4893469"/>
+            <a:chExt cx="4282308" cy="4488531"/>
+          </a:xfrm>
+        </p:grpSpPr>
+        <p:grpSp>
+          <p:nvGrpSpPr>
+            <p:cNvPr id="12" name="Group 11">
+              <a:extLst>
+                <a:ext uri="{FF2B5EF4-FFF2-40B4-BE49-F238E27FC236}">
+                  <a16:creationId xmlns:a16="http://schemas.microsoft.com/office/drawing/2014/main" id="{4969CE4F-5D4E-9F38-E568-5459BE2FAEC9}"/>
+                </a:ext>
+              </a:extLst>
+            </p:cNvPr>
+            <p:cNvGrpSpPr/>
+            <p:nvPr/>
+          </p:nvGrpSpPr>
+          <p:grpSpPr>
+            <a:xfrm>
+              <a:off x="2750508" y="4893469"/>
+              <a:ext cx="4058077" cy="4488531"/>
+              <a:chOff x="2760032" y="4933950"/>
+              <a:chExt cx="4058077" cy="4488531"/>
+            </a:xfrm>
+          </p:grpSpPr>
+          <p:pic>
+            <p:nvPicPr>
+              <p:cNvPr id="3" name="Picture 2" descr="A picture containing graphical user interface&#10;&#10;Description automatically generated">
+                <a:extLst>
+                  <a:ext uri="{FF2B5EF4-FFF2-40B4-BE49-F238E27FC236}">
+                    <a16:creationId xmlns:a16="http://schemas.microsoft.com/office/drawing/2014/main" id="{A7DC470E-E165-5972-74BC-81E0D477848C}"/>
+                  </a:ext>
+                </a:extLst>
+              </p:cNvPr>
+              <p:cNvPicPr>
+                <a:picLocks noChangeAspect="1"/>
+              </p:cNvPicPr>
+              <p:nvPr/>
+            </p:nvPicPr>
+            <p:blipFill rotWithShape="1">
+              <a:blip r:embed="rId18">
+                <a:extLst>
+                  <a:ext uri="{28A0092B-C50C-407E-A947-70E740481C1C}">
+                    <a14:useLocalDpi xmlns:a14="http://schemas.microsoft.com/office/drawing/2010/main" val="0"/>
+                  </a:ext>
+                </a:extLst>
+              </a:blip>
+              <a:srcRect l="8269" t="626"/>
+              <a:stretch/>
+            </p:blipFill>
+            <p:spPr>
+              <a:xfrm>
+                <a:off x="2787829" y="4933950"/>
+                <a:ext cx="4030280" cy="4488531"/>
+              </a:xfrm>
+              <a:prstGeom prst="rect">
+                <a:avLst/>
+              </a:prstGeom>
+            </p:spPr>
+          </p:pic>
+          <p:pic>
+            <p:nvPicPr>
+              <p:cNvPr id="8" name="Picture 7" descr="A picture containing table&#10;&#10;Description automatically generated">
+                <a:extLst>
+                  <a:ext uri="{FF2B5EF4-FFF2-40B4-BE49-F238E27FC236}">
+                    <a16:creationId xmlns:a16="http://schemas.microsoft.com/office/drawing/2014/main" id="{D12669D7-4AB9-EA90-BE01-127C2FAE29C4}"/>
+                  </a:ext>
+                </a:extLst>
+              </p:cNvPr>
+              <p:cNvPicPr>
+                <a:picLocks noChangeAspect="1"/>
+              </p:cNvPicPr>
+              <p:nvPr/>
+            </p:nvPicPr>
+            <p:blipFill rotWithShape="1">
+              <a:blip r:embed="rId19">
+                <a:extLst>
+                  <a:ext uri="{28A0092B-C50C-407E-A947-70E740481C1C}">
+                    <a14:useLocalDpi xmlns:a14="http://schemas.microsoft.com/office/drawing/2010/main" val="0"/>
+                  </a:ext>
+                </a:extLst>
+              </a:blip>
+              <a:srcRect l="7905" t="61496"/>
+              <a:stretch/>
+            </p:blipFill>
+            <p:spPr>
+              <a:xfrm>
+                <a:off x="2760032" y="7658102"/>
+                <a:ext cx="4030280" cy="1723349"/>
+              </a:xfrm>
+              <a:prstGeom prst="rect">
+                <a:avLst/>
+              </a:prstGeom>
+            </p:spPr>
+          </p:pic>
+        </p:grpSp>
+        <p:grpSp>
+          <p:nvGrpSpPr>
+            <p:cNvPr id="16" name="Group 15">
+              <a:extLst>
+                <a:ext uri="{FF2B5EF4-FFF2-40B4-BE49-F238E27FC236}">
+                  <a16:creationId xmlns:a16="http://schemas.microsoft.com/office/drawing/2014/main" id="{15043FC2-1AD5-BB45-75DD-2D27FDB939BA}"/>
+                </a:ext>
+              </a:extLst>
+            </p:cNvPr>
+            <p:cNvGrpSpPr/>
+            <p:nvPr/>
+          </p:nvGrpSpPr>
+          <p:grpSpPr>
+            <a:xfrm>
+              <a:off x="2526277" y="4893469"/>
+              <a:ext cx="813823" cy="4447501"/>
+              <a:chOff x="2414114" y="4933950"/>
+              <a:chExt cx="813823" cy="4447501"/>
+            </a:xfrm>
+          </p:grpSpPr>
+          <p:pic>
+            <p:nvPicPr>
+              <p:cNvPr id="17" name="Picture 16" descr="A picture containing graphical user interface&#10;&#10;Description automatically generated">
+                <a:extLst>
+                  <a:ext uri="{FF2B5EF4-FFF2-40B4-BE49-F238E27FC236}">
+                    <a16:creationId xmlns:a16="http://schemas.microsoft.com/office/drawing/2014/main" id="{4DDFFB29-826D-E3C0-A7C8-B9814F1B8F79}"/>
+                  </a:ext>
+                </a:extLst>
+              </p:cNvPr>
+              <p:cNvPicPr>
+                <a:picLocks noChangeAspect="1"/>
+              </p:cNvPicPr>
+              <p:nvPr/>
+            </p:nvPicPr>
+            <p:blipFill rotWithShape="1">
+              <a:blip r:embed="rId18">
+                <a:extLst>
+                  <a:ext uri="{28A0092B-C50C-407E-A947-70E740481C1C}">
+                    <a14:useLocalDpi xmlns:a14="http://schemas.microsoft.com/office/drawing/2010/main" val="0"/>
+                  </a:ext>
+                </a:extLst>
+              </a:blip>
+              <a:srcRect t="626" r="81714" b="40051"/>
+              <a:stretch/>
+            </p:blipFill>
+            <p:spPr>
+              <a:xfrm>
+                <a:off x="2424541" y="4933950"/>
+                <a:ext cx="803396" cy="2679509"/>
+              </a:xfrm>
+              <a:prstGeom prst="rect">
+                <a:avLst/>
+              </a:prstGeom>
+            </p:spPr>
+          </p:pic>
+          <p:pic>
+            <p:nvPicPr>
+              <p:cNvPr id="18" name="Picture 17" descr="A picture containing table&#10;&#10;Description automatically generated">
+                <a:extLst>
+                  <a:ext uri="{FF2B5EF4-FFF2-40B4-BE49-F238E27FC236}">
+                    <a16:creationId xmlns:a16="http://schemas.microsoft.com/office/drawing/2014/main" id="{A80847B3-41FF-DD2D-16E2-505E6124DF4D}"/>
+                  </a:ext>
+                </a:extLst>
+              </p:cNvPr>
+              <p:cNvPicPr>
+                <a:picLocks noChangeAspect="1"/>
+              </p:cNvPicPr>
+              <p:nvPr/>
+            </p:nvPicPr>
+            <p:blipFill rotWithShape="1">
+              <a:blip r:embed="rId19">
+                <a:extLst>
+                  <a:ext uri="{28A0092B-C50C-407E-A947-70E740481C1C}">
+                    <a14:useLocalDpi xmlns:a14="http://schemas.microsoft.com/office/drawing/2010/main" val="0"/>
+                  </a:ext>
+                </a:extLst>
+              </a:blip>
+              <a:srcRect t="61496" r="84305"/>
+              <a:stretch/>
+            </p:blipFill>
+            <p:spPr>
+              <a:xfrm>
+                <a:off x="2414114" y="7658102"/>
+                <a:ext cx="686824" cy="1723349"/>
+              </a:xfrm>
+              <a:prstGeom prst="rect">
+                <a:avLst/>
+              </a:prstGeom>
+            </p:spPr>
+          </p:pic>
+        </p:grpSp>
+      </p:grpSp>
     </p:spTree>
     <p:extLst>
       <p:ext uri="{BB962C8B-B14F-4D97-AF65-F5344CB8AC3E}">

--- a/src/CV_AlexYates_EMEA.pptx
+++ b/src/CV_AlexYates_EMEA.pptx
@@ -9,7 +9,7 @@
     <p:sldId id="257" r:id="rId3"/>
   </p:sldIdLst>
   <p:sldSz cx="6858000" cy="9906000" type="A4"/>
-  <p:notesSz cx="6858000" cy="9144000"/>
+  <p:notesSz cx="6888163" cy="10020300"/>
   <p:defaultTextStyle>
     <a:defPPr>
       <a:defRPr lang="en-US"/>
@@ -242,7 +242,7 @@
           <a:p>
             <a:fld id="{335876D0-9B75-44B5-9404-8FDAD3FB5281}" type="datetimeFigureOut">
               <a:rPr lang="en-GB" smtClean="0"/>
-              <a:t>10/11/2022</a:t>
+              <a:t>11/11/2022</a:t>
             </a:fld>
             <a:endParaRPr lang="en-GB"/>
           </a:p>
@@ -412,7 +412,7 @@
           <a:p>
             <a:fld id="{335876D0-9B75-44B5-9404-8FDAD3FB5281}" type="datetimeFigureOut">
               <a:rPr lang="en-GB" smtClean="0"/>
-              <a:t>10/11/2022</a:t>
+              <a:t>11/11/2022</a:t>
             </a:fld>
             <a:endParaRPr lang="en-GB"/>
           </a:p>
@@ -592,7 +592,7 @@
           <a:p>
             <a:fld id="{335876D0-9B75-44B5-9404-8FDAD3FB5281}" type="datetimeFigureOut">
               <a:rPr lang="en-GB" smtClean="0"/>
-              <a:t>10/11/2022</a:t>
+              <a:t>11/11/2022</a:t>
             </a:fld>
             <a:endParaRPr lang="en-GB"/>
           </a:p>
@@ -768,7 +768,7 @@
           <a:p>
             <a:fld id="{335876D0-9B75-44B5-9404-8FDAD3FB5281}" type="datetimeFigureOut">
               <a:rPr lang="en-GB" smtClean="0"/>
-              <a:t>10/11/2022</a:t>
+              <a:t>11/11/2022</a:t>
             </a:fld>
             <a:endParaRPr lang="en-GB"/>
           </a:p>
@@ -1012,7 +1012,7 @@
           <a:p>
             <a:fld id="{335876D0-9B75-44B5-9404-8FDAD3FB5281}" type="datetimeFigureOut">
               <a:rPr lang="en-GB" smtClean="0"/>
-              <a:t>10/11/2022</a:t>
+              <a:t>11/11/2022</a:t>
             </a:fld>
             <a:endParaRPr lang="en-GB"/>
           </a:p>
@@ -1244,7 +1244,7 @@
           <a:p>
             <a:fld id="{335876D0-9B75-44B5-9404-8FDAD3FB5281}" type="datetimeFigureOut">
               <a:rPr lang="en-GB" smtClean="0"/>
-              <a:t>10/11/2022</a:t>
+              <a:t>11/11/2022</a:t>
             </a:fld>
             <a:endParaRPr lang="en-GB"/>
           </a:p>
@@ -1611,7 +1611,7 @@
           <a:p>
             <a:fld id="{335876D0-9B75-44B5-9404-8FDAD3FB5281}" type="datetimeFigureOut">
               <a:rPr lang="en-GB" smtClean="0"/>
-              <a:t>10/11/2022</a:t>
+              <a:t>11/11/2022</a:t>
             </a:fld>
             <a:endParaRPr lang="en-GB"/>
           </a:p>
@@ -1729,7 +1729,7 @@
           <a:p>
             <a:fld id="{335876D0-9B75-44B5-9404-8FDAD3FB5281}" type="datetimeFigureOut">
               <a:rPr lang="en-GB" smtClean="0"/>
-              <a:t>10/11/2022</a:t>
+              <a:t>11/11/2022</a:t>
             </a:fld>
             <a:endParaRPr lang="en-GB"/>
           </a:p>
@@ -1824,7 +1824,7 @@
           <a:p>
             <a:fld id="{335876D0-9B75-44B5-9404-8FDAD3FB5281}" type="datetimeFigureOut">
               <a:rPr lang="en-GB" smtClean="0"/>
-              <a:t>10/11/2022</a:t>
+              <a:t>11/11/2022</a:t>
             </a:fld>
             <a:endParaRPr lang="en-GB"/>
           </a:p>
@@ -2101,7 +2101,7 @@
           <a:p>
             <a:fld id="{335876D0-9B75-44B5-9404-8FDAD3FB5281}" type="datetimeFigureOut">
               <a:rPr lang="en-GB" smtClean="0"/>
-              <a:t>10/11/2022</a:t>
+              <a:t>11/11/2022</a:t>
             </a:fld>
             <a:endParaRPr lang="en-GB"/>
           </a:p>
@@ -2358,7 +2358,7 @@
           <a:p>
             <a:fld id="{335876D0-9B75-44B5-9404-8FDAD3FB5281}" type="datetimeFigureOut">
               <a:rPr lang="en-GB" smtClean="0"/>
-              <a:t>10/11/2022</a:t>
+              <a:t>11/11/2022</a:t>
             </a:fld>
             <a:endParaRPr lang="en-GB"/>
           </a:p>
@@ -2571,7 +2571,7 @@
           <a:p>
             <a:fld id="{335876D0-9B75-44B5-9404-8FDAD3FB5281}" type="datetimeFigureOut">
               <a:rPr lang="en-GB" smtClean="0"/>
-              <a:t>10/11/2022</a:t>
+              <a:t>11/11/2022</a:t>
             </a:fld>
             <a:endParaRPr lang="en-GB"/>
           </a:p>
@@ -3402,12 +3402,20 @@
           </a:p>
           <a:p>
             <a:r>
+              <a:rPr lang="en-GB" sz="1100" dirty="0">
+                <a:solidFill>
+                  <a:srgbClr val="262F3B"/>
+                </a:solidFill>
+              </a:rPr>
+              <a:t>Now seeks to develop tech skills/experience with major languages (</a:t>
+            </a:r>
+            <a:r>
               <a:rPr lang="en-GB" sz="1100" b="1" dirty="0">
                 <a:solidFill>
                   <a:srgbClr val="262F3B"/>
                 </a:solidFill>
               </a:rPr>
-              <a:t>Passionate learner, </a:t>
+              <a:t>C#/Java </a:t>
             </a:r>
             <a:r>
               <a:rPr lang="en-GB" sz="1100" dirty="0">
@@ -3415,7 +3423,7 @@
                   <a:srgbClr val="262F3B"/>
                 </a:solidFill>
               </a:rPr>
-              <a:t>who works best in </a:t>
+              <a:t>etc) and platforms (</a:t>
             </a:r>
             <a:r>
               <a:rPr lang="en-GB" sz="1100" b="1" dirty="0">
@@ -3423,7 +3431,7 @@
                   <a:srgbClr val="262F3B"/>
                 </a:solidFill>
               </a:rPr>
-              <a:t>cross-functional</a:t>
+              <a:t>Azure/AWS</a:t>
             </a:r>
             <a:r>
               <a:rPr lang="en-GB" sz="1100" dirty="0">
@@ -3431,23 +3439,7 @@
                   <a:srgbClr val="262F3B"/>
                 </a:solidFill>
               </a:rPr>
-              <a:t> </a:t>
-            </a:r>
-            <a:r>
-              <a:rPr lang="en-GB" sz="1100" b="1" dirty="0">
-                <a:solidFill>
-                  <a:srgbClr val="262F3B"/>
-                </a:solidFill>
-              </a:rPr>
-              <a:t>teams</a:t>
-            </a:r>
-            <a:r>
-              <a:rPr lang="en-GB" sz="1100" dirty="0">
-                <a:solidFill>
-                  <a:srgbClr val="262F3B"/>
-                </a:solidFill>
-              </a:rPr>
-              <a:t> where ideas are more easily shared, optimised, and implemented.</a:t>
+              <a:t>), within a stream-aligned or platform team.</a:t>
             </a:r>
           </a:p>
         </p:txBody>
@@ -8244,7 +8236,7 @@
         </p:nvSpPr>
         <p:spPr>
           <a:xfrm>
-            <a:off x="2439507" y="2060917"/>
+            <a:off x="2439507" y="2043985"/>
             <a:ext cx="4418493" cy="2908489"/>
           </a:xfrm>
           <a:prstGeom prst="rect">
@@ -8410,7 +8402,7 @@
                   <a:srgbClr val="262F3B"/>
                 </a:solidFill>
               </a:rPr>
-              <a:t>Promoted to director for showing success, responsibility, and leadership.</a:t>
+              <a:t>Promoted to director for success, responsibility, and leadership.</a:t>
             </a:r>
             <a:endParaRPr lang="en-GB" sz="1100" dirty="0">
               <a:solidFill>
@@ -8482,7 +8474,7 @@
                   <a:srgbClr val="262F3B"/>
                 </a:solidFill>
               </a:rPr>
-              <a:t>Flourished in x-functional collaboration and tech sales/implementation.</a:t>
+              <a:t>Flourished in x-functional innovation and tech sales/implementation.</a:t>
             </a:r>
           </a:p>
           <a:p>
@@ -8510,7 +8502,7 @@
                   <a:srgbClr val="262F3B"/>
                 </a:solidFill>
               </a:rPr>
-              <a:t>Promoted to Solutions Engineer. Worked with dev team on new products.</a:t>
+              <a:t>Promoted to Solutions Engineer. Worked w/ dev team on new products.</a:t>
             </a:r>
           </a:p>
           <a:p>
@@ -8579,8 +8571,8 @@
         </p:nvCxnSpPr>
         <p:spPr>
           <a:xfrm>
-            <a:off x="2527652" y="4539360"/>
-            <a:ext cx="3993345" cy="0"/>
+            <a:off x="2510720" y="4533716"/>
+            <a:ext cx="4010277" cy="0"/>
           </a:xfrm>
           <a:prstGeom prst="line">
             <a:avLst/>
@@ -8902,6 +8894,67 @@
           </p:pic>
         </p:grpSp>
       </p:grpSp>
+      <p:sp>
+        <p:nvSpPr>
+          <p:cNvPr id="9" name="Rectangle 8">
+            <a:extLst>
+              <a:ext uri="{FF2B5EF4-FFF2-40B4-BE49-F238E27FC236}">
+                <a16:creationId xmlns:a16="http://schemas.microsoft.com/office/drawing/2014/main" id="{C9971CB9-AEB9-B118-FFBF-F0BEA965CBEE}"/>
+              </a:ext>
+            </a:extLst>
+          </p:cNvPr>
+          <p:cNvSpPr/>
+          <p:nvPr/>
+        </p:nvSpPr>
+        <p:spPr>
+          <a:xfrm>
+            <a:off x="0" y="5541209"/>
+            <a:ext cx="2401528" cy="1130522"/>
+          </a:xfrm>
+          <a:prstGeom prst="rect">
+            <a:avLst/>
+          </a:prstGeom>
+          <a:solidFill>
+            <a:srgbClr val="FFFF00">
+              <a:alpha val="50196"/>
+            </a:srgbClr>
+          </a:solidFill>
+          <a:ln>
+            <a:noFill/>
+          </a:ln>
+        </p:spPr>
+        <p:style>
+          <a:lnRef idx="2">
+            <a:schemeClr val="accent1">
+              <a:shade val="50000"/>
+            </a:schemeClr>
+          </a:lnRef>
+          <a:fillRef idx="1">
+            <a:schemeClr val="accent1"/>
+          </a:fillRef>
+          <a:effectRef idx="0">
+            <a:schemeClr val="accent1"/>
+          </a:effectRef>
+          <a:fontRef idx="minor">
+            <a:schemeClr val="lt1"/>
+          </a:fontRef>
+        </p:style>
+        <p:txBody>
+          <a:bodyPr vert="vert270" rtlCol="0" anchor="t"/>
+          <a:lstStyle/>
+          <a:p>
+            <a:pPr algn="ctr"/>
+            <a:r>
+              <a:rPr lang="en-GB" sz="900" dirty="0">
+                <a:solidFill>
+                  <a:schemeClr val="tx1"/>
+                </a:solidFill>
+              </a:rPr>
+              <a:t>Priority growth area</a:t>
+            </a:r>
+          </a:p>
+        </p:txBody>
+      </p:sp>
     </p:spTree>
     <p:extLst>
       <p:ext uri="{BB962C8B-B14F-4D97-AF65-F5344CB8AC3E}">

--- a/src/CV_AlexYates_EMEA.pptx
+++ b/src/CV_AlexYates_EMEA.pptx
@@ -3709,13 +3709,13 @@
           <a:p>
             <a:r>
               <a:rPr lang="en-GB" sz="1100" dirty="0"/>
-              <a:t>Writing</a:t>
+              <a:t>Blog/tech writing</a:t>
             </a:r>
           </a:p>
           <a:p>
             <a:r>
               <a:rPr lang="en-GB" sz="1100" dirty="0"/>
-              <a:t>Sales</a:t>
+              <a:t>B2B sales</a:t>
             </a:r>
           </a:p>
           <a:p>

--- a/src/CV_AlexYates_EMEA.pptx
+++ b/src/CV_AlexYates_EMEA.pptx
@@ -242,7 +242,7 @@
           <a:p>
             <a:fld id="{335876D0-9B75-44B5-9404-8FDAD3FB5281}" type="datetimeFigureOut">
               <a:rPr lang="en-GB" smtClean="0"/>
-              <a:t>11/11/2022</a:t>
+              <a:t>20/12/2022</a:t>
             </a:fld>
             <a:endParaRPr lang="en-GB"/>
           </a:p>
@@ -412,7 +412,7 @@
           <a:p>
             <a:fld id="{335876D0-9B75-44B5-9404-8FDAD3FB5281}" type="datetimeFigureOut">
               <a:rPr lang="en-GB" smtClean="0"/>
-              <a:t>11/11/2022</a:t>
+              <a:t>20/12/2022</a:t>
             </a:fld>
             <a:endParaRPr lang="en-GB"/>
           </a:p>
@@ -592,7 +592,7 @@
           <a:p>
             <a:fld id="{335876D0-9B75-44B5-9404-8FDAD3FB5281}" type="datetimeFigureOut">
               <a:rPr lang="en-GB" smtClean="0"/>
-              <a:t>11/11/2022</a:t>
+              <a:t>20/12/2022</a:t>
             </a:fld>
             <a:endParaRPr lang="en-GB"/>
           </a:p>
@@ -768,7 +768,7 @@
           <a:p>
             <a:fld id="{335876D0-9B75-44B5-9404-8FDAD3FB5281}" type="datetimeFigureOut">
               <a:rPr lang="en-GB" smtClean="0"/>
-              <a:t>11/11/2022</a:t>
+              <a:t>20/12/2022</a:t>
             </a:fld>
             <a:endParaRPr lang="en-GB"/>
           </a:p>
@@ -1012,7 +1012,7 @@
           <a:p>
             <a:fld id="{335876D0-9B75-44B5-9404-8FDAD3FB5281}" type="datetimeFigureOut">
               <a:rPr lang="en-GB" smtClean="0"/>
-              <a:t>11/11/2022</a:t>
+              <a:t>20/12/2022</a:t>
             </a:fld>
             <a:endParaRPr lang="en-GB"/>
           </a:p>
@@ -1244,7 +1244,7 @@
           <a:p>
             <a:fld id="{335876D0-9B75-44B5-9404-8FDAD3FB5281}" type="datetimeFigureOut">
               <a:rPr lang="en-GB" smtClean="0"/>
-              <a:t>11/11/2022</a:t>
+              <a:t>20/12/2022</a:t>
             </a:fld>
             <a:endParaRPr lang="en-GB"/>
           </a:p>
@@ -1611,7 +1611,7 @@
           <a:p>
             <a:fld id="{335876D0-9B75-44B5-9404-8FDAD3FB5281}" type="datetimeFigureOut">
               <a:rPr lang="en-GB" smtClean="0"/>
-              <a:t>11/11/2022</a:t>
+              <a:t>20/12/2022</a:t>
             </a:fld>
             <a:endParaRPr lang="en-GB"/>
           </a:p>
@@ -1729,7 +1729,7 @@
           <a:p>
             <a:fld id="{335876D0-9B75-44B5-9404-8FDAD3FB5281}" type="datetimeFigureOut">
               <a:rPr lang="en-GB" smtClean="0"/>
-              <a:t>11/11/2022</a:t>
+              <a:t>20/12/2022</a:t>
             </a:fld>
             <a:endParaRPr lang="en-GB"/>
           </a:p>
@@ -1824,7 +1824,7 @@
           <a:p>
             <a:fld id="{335876D0-9B75-44B5-9404-8FDAD3FB5281}" type="datetimeFigureOut">
               <a:rPr lang="en-GB" smtClean="0"/>
-              <a:t>11/11/2022</a:t>
+              <a:t>20/12/2022</a:t>
             </a:fld>
             <a:endParaRPr lang="en-GB"/>
           </a:p>
@@ -2101,7 +2101,7 @@
           <a:p>
             <a:fld id="{335876D0-9B75-44B5-9404-8FDAD3FB5281}" type="datetimeFigureOut">
               <a:rPr lang="en-GB" smtClean="0"/>
-              <a:t>11/11/2022</a:t>
+              <a:t>20/12/2022</a:t>
             </a:fld>
             <a:endParaRPr lang="en-GB"/>
           </a:p>
@@ -2358,7 +2358,7 @@
           <a:p>
             <a:fld id="{335876D0-9B75-44B5-9404-8FDAD3FB5281}" type="datetimeFigureOut">
               <a:rPr lang="en-GB" smtClean="0"/>
-              <a:t>11/11/2022</a:t>
+              <a:t>20/12/2022</a:t>
             </a:fld>
             <a:endParaRPr lang="en-GB"/>
           </a:p>
@@ -2571,7 +2571,7 @@
           <a:p>
             <a:fld id="{335876D0-9B75-44B5-9404-8FDAD3FB5281}" type="datetimeFigureOut">
               <a:rPr lang="en-GB" smtClean="0"/>
-              <a:t>11/11/2022</a:t>
+              <a:t>20/12/2022</a:t>
             </a:fld>
             <a:endParaRPr lang="en-GB"/>
           </a:p>
@@ -3176,274 +3176,6 @@
           </a:prstGeom>
         </p:spPr>
       </p:pic>
-      <p:sp>
-        <p:nvSpPr>
-          <p:cNvPr id="21" name="TextBox 20">
-            <a:extLst>
-              <a:ext uri="{FF2B5EF4-FFF2-40B4-BE49-F238E27FC236}">
-                <a16:creationId xmlns:a16="http://schemas.microsoft.com/office/drawing/2014/main" id="{660FC469-D767-94A8-E312-FA358931A5BA}"/>
-              </a:ext>
-            </a:extLst>
-          </p:cNvPr>
-          <p:cNvSpPr txBox="1"/>
-          <p:nvPr/>
-        </p:nvSpPr>
-        <p:spPr>
-          <a:xfrm>
-            <a:off x="182880" y="723076"/>
-            <a:ext cx="4686792" cy="1231106"/>
-          </a:xfrm>
-          <a:prstGeom prst="rect">
-            <a:avLst/>
-          </a:prstGeom>
-          <a:noFill/>
-        </p:spPr>
-        <p:txBody>
-          <a:bodyPr wrap="square" rtlCol="0">
-            <a:spAutoFit/>
-          </a:bodyPr>
-          <a:lstStyle/>
-          <a:p>
-            <a:r>
-              <a:rPr lang="en-GB" sz="1100" b="1" dirty="0">
-                <a:solidFill>
-                  <a:srgbClr val="262F3B"/>
-                </a:solidFill>
-              </a:rPr>
-              <a:t>12 years of DevOps experience</a:t>
-            </a:r>
-            <a:r>
-              <a:rPr lang="en-GB" sz="1100" dirty="0">
-                <a:solidFill>
-                  <a:srgbClr val="262F3B"/>
-                </a:solidFill>
-              </a:rPr>
-              <a:t>. Helps folks to iterate tooling, process, and culture, to improve </a:t>
-            </a:r>
-            <a:r>
-              <a:rPr lang="en-GB" sz="1100" b="1" dirty="0">
-                <a:solidFill>
-                  <a:srgbClr val="262F3B"/>
-                </a:solidFill>
-              </a:rPr>
-              <a:t>DORA metrics </a:t>
-            </a:r>
-            <a:r>
-              <a:rPr lang="en-GB" sz="1100" dirty="0">
-                <a:solidFill>
-                  <a:srgbClr val="262F3B"/>
-                </a:solidFill>
-              </a:rPr>
-              <a:t>and deliver </a:t>
-            </a:r>
-            <a:r>
-              <a:rPr lang="en-GB" sz="1100" b="1" dirty="0">
-                <a:solidFill>
-                  <a:srgbClr val="262F3B"/>
-                </a:solidFill>
-              </a:rPr>
-              <a:t>better business outcomes</a:t>
-            </a:r>
-            <a:r>
-              <a:rPr lang="en-GB" sz="1100" dirty="0">
-                <a:solidFill>
-                  <a:srgbClr val="262F3B"/>
-                </a:solidFill>
-              </a:rPr>
-              <a:t>.</a:t>
-            </a:r>
-            <a:br>
-              <a:rPr lang="en-GB" sz="1100" dirty="0">
-                <a:solidFill>
-                  <a:srgbClr val="262F3B"/>
-                </a:solidFill>
-              </a:rPr>
-            </a:br>
-            <a:r>
-              <a:rPr lang="en-GB" sz="400" dirty="0">
-                <a:solidFill>
-                  <a:srgbClr val="262F3B"/>
-                </a:solidFill>
-              </a:rPr>
-              <a:t> </a:t>
-            </a:r>
-          </a:p>
-          <a:p>
-            <a:r>
-              <a:rPr lang="en-GB" sz="1100" dirty="0">
-                <a:solidFill>
-                  <a:srgbClr val="262F3B"/>
-                </a:solidFill>
-              </a:rPr>
-              <a:t>Broad experience across</a:t>
-            </a:r>
-            <a:r>
-              <a:rPr lang="en-GB" sz="1100" b="1" dirty="0">
-                <a:solidFill>
-                  <a:srgbClr val="262F3B"/>
-                </a:solidFill>
-              </a:rPr>
-              <a:t> DevOps engineering</a:t>
-            </a:r>
-            <a:r>
-              <a:rPr lang="en-GB" sz="1100" dirty="0">
-                <a:solidFill>
-                  <a:srgbClr val="262F3B"/>
-                </a:solidFill>
-              </a:rPr>
-              <a:t>, </a:t>
-            </a:r>
-            <a:r>
-              <a:rPr lang="en-GB" sz="1100" b="1" dirty="0">
-                <a:solidFill>
-                  <a:srgbClr val="262F3B"/>
-                </a:solidFill>
-              </a:rPr>
-              <a:t>consulting</a:t>
-            </a:r>
-            <a:r>
-              <a:rPr lang="en-GB" sz="1100" dirty="0">
-                <a:solidFill>
-                  <a:srgbClr val="262F3B"/>
-                </a:solidFill>
-              </a:rPr>
-              <a:t>,</a:t>
-            </a:r>
-            <a:r>
-              <a:rPr lang="en-GB" sz="1100" b="1" dirty="0">
-                <a:solidFill>
-                  <a:srgbClr val="262F3B"/>
-                </a:solidFill>
-              </a:rPr>
-              <a:t> training</a:t>
-            </a:r>
-            <a:r>
-              <a:rPr lang="en-GB" sz="1100" dirty="0">
-                <a:solidFill>
-                  <a:srgbClr val="262F3B"/>
-                </a:solidFill>
-              </a:rPr>
-              <a:t>, </a:t>
-            </a:r>
-            <a:r>
-              <a:rPr lang="en-GB" sz="1100" b="1" dirty="0">
-                <a:solidFill>
-                  <a:srgbClr val="262F3B"/>
-                </a:solidFill>
-              </a:rPr>
-              <a:t>coaching</a:t>
-            </a:r>
-            <a:r>
-              <a:rPr lang="en-GB" sz="1100" dirty="0">
-                <a:solidFill>
-                  <a:srgbClr val="262F3B"/>
-                </a:solidFill>
-              </a:rPr>
-              <a:t>,</a:t>
-            </a:r>
-            <a:r>
-              <a:rPr lang="en-GB" sz="1100" b="1" dirty="0">
-                <a:solidFill>
-                  <a:srgbClr val="262F3B"/>
-                </a:solidFill>
-              </a:rPr>
-              <a:t> sales/solutions engineering</a:t>
-            </a:r>
-            <a:r>
-              <a:rPr lang="en-GB" sz="1100" dirty="0">
-                <a:solidFill>
-                  <a:srgbClr val="262F3B"/>
-                </a:solidFill>
-              </a:rPr>
-              <a:t>, </a:t>
-            </a:r>
-            <a:r>
-              <a:rPr lang="en-GB" sz="1100" b="1" dirty="0">
-                <a:solidFill>
-                  <a:srgbClr val="262F3B"/>
-                </a:solidFill>
-              </a:rPr>
-              <a:t>public speaking</a:t>
-            </a:r>
-            <a:r>
-              <a:rPr lang="en-GB" sz="1100" dirty="0">
-                <a:solidFill>
-                  <a:srgbClr val="262F3B"/>
-                </a:solidFill>
-              </a:rPr>
-              <a:t>, and </a:t>
-            </a:r>
-            <a:r>
-              <a:rPr lang="en-GB" sz="1100" b="1" dirty="0">
-                <a:solidFill>
-                  <a:srgbClr val="262F3B"/>
-                </a:solidFill>
-              </a:rPr>
-              <a:t>directing companies</a:t>
-            </a:r>
-            <a:r>
-              <a:rPr lang="en-GB" sz="1100" dirty="0">
-                <a:solidFill>
-                  <a:srgbClr val="262F3B"/>
-                </a:solidFill>
-              </a:rPr>
-              <a:t>.</a:t>
-            </a:r>
-          </a:p>
-          <a:p>
-            <a:r>
-              <a:rPr lang="en-GB" sz="400" dirty="0">
-                <a:solidFill>
-                  <a:srgbClr val="262F3B"/>
-                </a:solidFill>
-              </a:rPr>
-              <a:t> </a:t>
-            </a:r>
-          </a:p>
-          <a:p>
-            <a:r>
-              <a:rPr lang="en-GB" sz="1100" dirty="0">
-                <a:solidFill>
-                  <a:srgbClr val="262F3B"/>
-                </a:solidFill>
-              </a:rPr>
-              <a:t>Now seeks to develop tech skills/experience with major languages (</a:t>
-            </a:r>
-            <a:r>
-              <a:rPr lang="en-GB" sz="1100" b="1" dirty="0">
-                <a:solidFill>
-                  <a:srgbClr val="262F3B"/>
-                </a:solidFill>
-              </a:rPr>
-              <a:t>C#/Java </a:t>
-            </a:r>
-            <a:r>
-              <a:rPr lang="en-GB" sz="1100" dirty="0">
-                <a:solidFill>
-                  <a:srgbClr val="262F3B"/>
-                </a:solidFill>
-              </a:rPr>
-              <a:t>etc) and platforms (</a:t>
-            </a:r>
-            <a:r>
-              <a:rPr lang="en-GB" sz="1100" b="1" dirty="0">
-                <a:solidFill>
-                  <a:srgbClr val="262F3B"/>
-                </a:solidFill>
-              </a:rPr>
-              <a:t>Azure/AWS</a:t>
-            </a:r>
-            <a:r>
-              <a:rPr lang="en-GB" sz="1100" dirty="0">
-                <a:solidFill>
-                  <a:srgbClr val="262F3B"/>
-                </a:solidFill>
-              </a:rPr>
-              <a:t>), within a stream-aligned or platform team.</a:t>
-            </a:r>
-          </a:p>
-        </p:txBody>
-      </p:sp>
       <p:pic>
         <p:nvPicPr>
           <p:cNvPr id="23" name="Picture 22" descr="A picture containing clipart&#10;&#10;Description automatically generated">
@@ -3725,32 +3457,42 @@
               </a:spcBef>
             </a:pPr>
             <a:r>
+              <a:rPr lang="en-GB" sz="1100" dirty="0" err="1"/>
+              <a:t>Redgate,Flyway,SSDT</a:t>
+            </a:r>
+            <a:r>
               <a:rPr lang="en-GB" sz="1100" dirty="0"/>
-              <a:t>SDLC and CI/CD tools</a:t>
-            </a:r>
-          </a:p>
-          <a:p>
-            <a:r>
+              <a:t> </a:t>
+            </a:r>
+            <a:br>
               <a:rPr lang="en-GB" sz="1100" dirty="0"/>
-              <a:t>Database delivery</a:t>
-            </a:r>
-          </a:p>
-          <a:p>
+            </a:br>
             <a:r>
               <a:rPr lang="en-GB" sz="1100" dirty="0"/>
-              <a:t>T-SQL, PowerShell</a:t>
+              <a:t>ADO, Octopus Deploy</a:t>
             </a:r>
           </a:p>
           <a:p>
             <a:r>
               <a:rPr lang="en-GB" sz="1100" dirty="0"/>
-              <a:t>C#, Git</a:t>
+              <a:t>TeamCity, Jenkins</a:t>
             </a:r>
           </a:p>
           <a:p>
             <a:r>
               <a:rPr lang="en-GB" sz="1100" dirty="0"/>
-              <a:t>AWS, Azure</a:t>
+              <a:t>Git, C#, T-SQL, </a:t>
+            </a:r>
+            <a:r>
+              <a:rPr lang="en-GB" sz="1100" dirty="0" err="1"/>
+              <a:t>PoSh</a:t>
+            </a:r>
+            <a:endParaRPr lang="en-GB" sz="1100" dirty="0"/>
+          </a:p>
+          <a:p>
+            <a:r>
+              <a:rPr lang="en-GB" sz="1100" dirty="0"/>
+              <a:t>AWS (EC2/Lambda)</a:t>
             </a:r>
           </a:p>
           <a:p>
@@ -8237,7 +7979,7 @@
         <p:spPr>
           <a:xfrm>
             <a:off x="2439507" y="2043985"/>
-            <a:ext cx="4418493" cy="2908489"/>
+            <a:ext cx="4418493" cy="2993127"/>
           </a:xfrm>
           <a:prstGeom prst="rect">
             <a:avLst/>
@@ -8300,6 +8042,36 @@
                   <a:srgbClr val="262F3B"/>
                 </a:solidFill>
               </a:rPr>
+              <a:t>T-SQL CI/CD,  Test Data </a:t>
+            </a:r>
+            <a:r>
+              <a:rPr lang="en-GB" sz="1100" dirty="0" err="1">
+                <a:solidFill>
+                  <a:srgbClr val="262F3B"/>
+                </a:solidFill>
+              </a:rPr>
+              <a:t>Mgmt</a:t>
+            </a:r>
+            <a:r>
+              <a:rPr lang="en-GB" sz="1100" dirty="0">
+                <a:solidFill>
+                  <a:srgbClr val="262F3B"/>
+                </a:solidFill>
+              </a:rPr>
+              <a:t>, Azure DevOps (ADO), Octopus Deploy.</a:t>
+            </a:r>
+          </a:p>
+          <a:p>
+            <a:pPr marL="171450" indent="-171450">
+              <a:buFont typeface="Arial" panose="020B0604020202020204" pitchFamily="34" charset="0"/>
+              <a:buChar char="•"/>
+            </a:pPr>
+            <a:r>
+              <a:rPr lang="en-GB" sz="1100" dirty="0">
+                <a:solidFill>
+                  <a:srgbClr val="262F3B"/>
+                </a:solidFill>
+              </a:rPr>
               <a:t>Significantly reduced customers’ risk and lead time for SQL changes.</a:t>
             </a:r>
           </a:p>
@@ -8328,7 +8100,7 @@
                   <a:srgbClr val="262F3B"/>
                 </a:solidFill>
               </a:rPr>
-              <a:t>More detailed customer testimonials on the following page.</a:t>
+              <a:t>Customer testimonials on the following page.</a:t>
             </a:r>
           </a:p>
           <a:p>
@@ -8402,7 +8174,7 @@
                   <a:srgbClr val="262F3B"/>
                 </a:solidFill>
               </a:rPr>
-              <a:t>Promoted to director for success, responsibility, and leadership.</a:t>
+              <a:t>Promoted to director for performance, responsibility, and leadership.</a:t>
             </a:r>
             <a:endParaRPr lang="en-GB" sz="1100" dirty="0">
               <a:solidFill>
@@ -8474,7 +8246,7 @@
                   <a:srgbClr val="262F3B"/>
                 </a:solidFill>
               </a:rPr>
-              <a:t>Flourished in x-functional innovation and tech sales/implementation.</a:t>
+              <a:t>Flourished at x-functional innovation and tech sales/implementation.</a:t>
             </a:r>
           </a:p>
           <a:p>
@@ -8521,7 +8293,7 @@
           </a:p>
           <a:p>
             <a:r>
-              <a:rPr lang="en-GB" sz="1400" dirty="0">
+              <a:rPr lang="en-GB" sz="1050" dirty="0">
                 <a:solidFill>
                   <a:srgbClr val="262F3B"/>
                 </a:solidFill>
@@ -8529,18 +8301,13 @@
               <a:t> </a:t>
             </a:r>
             <a:r>
-              <a:rPr lang="en-GB" sz="700" dirty="0">
+              <a:rPr lang="en-GB" sz="600" dirty="0">
                 <a:solidFill>
                   <a:srgbClr val="262F3B"/>
                 </a:solidFill>
               </a:rPr>
               <a:t> </a:t>
             </a:r>
-            <a:endParaRPr lang="en-GB" sz="900" dirty="0">
-              <a:solidFill>
-                <a:srgbClr val="262F3B"/>
-              </a:solidFill>
-            </a:endParaRPr>
           </a:p>
           <a:p>
             <a:r>
@@ -8571,7 +8338,7 @@
         </p:nvCxnSpPr>
         <p:spPr>
           <a:xfrm>
-            <a:off x="2510720" y="4533716"/>
+            <a:off x="2510720" y="4669177"/>
             <a:ext cx="4010277" cy="0"/>
           </a:xfrm>
           <a:prstGeom prst="line">
@@ -8654,8 +8421,23 @@
                 </a:solidFill>
                 <a:latin typeface="Gill Sans Nova" panose="020B0602020104020203" pitchFamily="34" charset="0"/>
               </a:rPr>
-              <a:t>github.com/Alex-Yates/curriculum-vitae</a:t>
-            </a:r>
+              <a:t>github.com/Alex-Yates/</a:t>
+            </a:r>
+            <a:r>
+              <a:rPr lang="en-GB" sz="1100" dirty="0" err="1">
+                <a:solidFill>
+                  <a:srgbClr val="262F3B"/>
+                </a:solidFill>
+                <a:latin typeface="Gill Sans Nova" panose="020B0602020104020203" pitchFamily="34" charset="0"/>
+              </a:rPr>
+              <a:t>WordleEngine</a:t>
+            </a:r>
+            <a:endParaRPr lang="en-GB" sz="1100" dirty="0">
+              <a:solidFill>
+                <a:srgbClr val="262F3B"/>
+              </a:solidFill>
+              <a:latin typeface="Gill Sans Nova" panose="020B0602020104020203" pitchFamily="34" charset="0"/>
+            </a:endParaRPr>
           </a:p>
           <a:p>
             <a:pPr>
@@ -8670,7 +8452,7 @@
                 </a:solidFill>
                 <a:latin typeface="Gill Sans Nova" panose="020B0602020104020203" pitchFamily="34" charset="0"/>
               </a:rPr>
-              <a:t>07762618250</a:t>
+              <a:t>+44 (0)7762618250</a:t>
             </a:r>
           </a:p>
           <a:p>
@@ -8705,7 +8487,7 @@
         </p:nvGrpSpPr>
         <p:grpSpPr>
           <a:xfrm>
-            <a:off x="2427852" y="4926807"/>
+            <a:off x="2427852" y="5028399"/>
             <a:ext cx="4282308" cy="4488531"/>
             <a:chOff x="2526277" y="4893469"/>
             <a:chExt cx="4282308" cy="4488531"/>
@@ -8894,6 +8676,135 @@
           </p:pic>
         </p:grpSp>
       </p:grpSp>
+      <p:sp>
+        <p:nvSpPr>
+          <p:cNvPr id="2" name="TextBox 1">
+            <a:extLst>
+              <a:ext uri="{FF2B5EF4-FFF2-40B4-BE49-F238E27FC236}">
+                <a16:creationId xmlns:a16="http://schemas.microsoft.com/office/drawing/2014/main" id="{B27C6E78-80C3-A1E5-77DE-30F06720630F}"/>
+              </a:ext>
+            </a:extLst>
+          </p:cNvPr>
+          <p:cNvSpPr txBox="1"/>
+          <p:nvPr/>
+        </p:nvSpPr>
+        <p:spPr>
+          <a:xfrm>
+            <a:off x="185658" y="711738"/>
+            <a:ext cx="4686792" cy="1231106"/>
+          </a:xfrm>
+          <a:prstGeom prst="rect">
+            <a:avLst/>
+          </a:prstGeom>
+          <a:noFill/>
+        </p:spPr>
+        <p:txBody>
+          <a:bodyPr wrap="square" rtlCol="0">
+            <a:spAutoFit/>
+          </a:bodyPr>
+          <a:lstStyle/>
+          <a:p>
+            <a:r>
+              <a:rPr lang="en-GB" sz="1100" b="1" dirty="0">
+                <a:solidFill>
+                  <a:srgbClr val="262F3B"/>
+                </a:solidFill>
+              </a:rPr>
+              <a:t>Seeking: Snr DevOps/Platform Engineer role.</a:t>
+            </a:r>
+            <a:r>
+              <a:rPr lang="en-GB" sz="1100" dirty="0">
+                <a:solidFill>
+                  <a:srgbClr val="262F3B"/>
+                </a:solidFill>
+              </a:rPr>
+              <a:t> Hands-on with major tools (</a:t>
+            </a:r>
+            <a:r>
+              <a:rPr lang="en-GB" sz="1100" dirty="0" err="1">
+                <a:solidFill>
+                  <a:srgbClr val="262F3B"/>
+                </a:solidFill>
+              </a:rPr>
+              <a:t>IaC</a:t>
+            </a:r>
+            <a:r>
+              <a:rPr lang="en-GB" sz="1100" dirty="0">
+                <a:solidFill>
+                  <a:srgbClr val="262F3B"/>
+                </a:solidFill>
+              </a:rPr>
+              <a:t>, CI/CD, observability), languages (C#, JavaScript), and platforms (Azure, AWS).</a:t>
+            </a:r>
+          </a:p>
+          <a:p>
+            <a:r>
+              <a:rPr lang="en-GB" sz="400" dirty="0">
+                <a:solidFill>
+                  <a:srgbClr val="262F3B"/>
+                </a:solidFill>
+              </a:rPr>
+              <a:t> </a:t>
+            </a:r>
+            <a:endParaRPr lang="en-GB" sz="1100" dirty="0">
+              <a:solidFill>
+                <a:srgbClr val="262F3B"/>
+              </a:solidFill>
+            </a:endParaRPr>
+          </a:p>
+          <a:p>
+            <a:r>
+              <a:rPr lang="en-GB" sz="1100" b="1" dirty="0">
+                <a:solidFill>
+                  <a:srgbClr val="262F3B"/>
+                </a:solidFill>
+              </a:rPr>
+              <a:t>12 years of DevOps experience:</a:t>
+            </a:r>
+            <a:r>
+              <a:rPr lang="en-GB" sz="1100" dirty="0">
+                <a:solidFill>
+                  <a:srgbClr val="262F3B"/>
+                </a:solidFill>
+              </a:rPr>
+              <a:t> Helped folks to iterate tooling, process, and culture, to improve DORA metrics, and deliver better business outcomes.</a:t>
+            </a:r>
+            <a:br>
+              <a:rPr lang="en-GB" sz="1100" dirty="0">
+                <a:solidFill>
+                  <a:srgbClr val="262F3B"/>
+                </a:solidFill>
+              </a:rPr>
+            </a:br>
+            <a:r>
+              <a:rPr lang="en-GB" sz="400" dirty="0">
+                <a:solidFill>
+                  <a:srgbClr val="262F3B"/>
+                </a:solidFill>
+              </a:rPr>
+              <a:t> </a:t>
+            </a:r>
+          </a:p>
+          <a:p>
+            <a:r>
+              <a:rPr lang="en-GB" sz="1100" b="1" dirty="0">
+                <a:solidFill>
+                  <a:srgbClr val="262F3B"/>
+                </a:solidFill>
+              </a:rPr>
+              <a:t>Broad skillset:</a:t>
+            </a:r>
+            <a:r>
+              <a:rPr lang="en-GB" sz="1100" dirty="0">
+                <a:solidFill>
+                  <a:srgbClr val="262F3B"/>
+                </a:solidFill>
+              </a:rPr>
+              <a:t> DevOps engineering, consulting, training, coaching, solutions engineering, public speaking, sales, marketing, and business management.</a:t>
+            </a:r>
+          </a:p>
+        </p:txBody>
+      </p:sp>
       <p:sp>
         <p:nvSpPr>
           <p:cNvPr id="9" name="Rectangle 8">
